--- a/PowerPoint/International_Schools_DRAFT 13122017.pptx
+++ b/PowerPoint/International_Schools_DRAFT 13122017.pptx
@@ -137,6 +137,10 @@
 </p:presentation>
 </file>
 
+<file path=ppt/revisionInfo.xml><?xml version="1.0" encoding="utf-8"?>
+<p1510:revInfo xmlns:a="http://schemas.openxmlformats.org/drawingml/2006/main" xmlns:r="http://schemas.openxmlformats.org/officeDocument/2006/relationships" xmlns:p1510="http://schemas.microsoft.com/office/powerpoint/2015/10/main"/>
+</file>
+
 <file path=ppt/notesMasters/notesMaster1.xml><?xml version="1.0" encoding="utf-8"?>
 <p:notesMaster xmlns:a="http://schemas.openxmlformats.org/drawingml/2006/main" xmlns:r="http://schemas.openxmlformats.org/officeDocument/2006/relationships" xmlns:p="http://schemas.openxmlformats.org/presentationml/2006/main">
   <p:cSld>
@@ -220,7 +224,7 @@
             <a:fld id="{C449B9E2-F6E0-43F1-9141-B8839419D296}" type="datetimeFigureOut">
               <a:rPr lang="en-US" smtClean="0"/>
               <a:pPr/>
-              <a:t>12/13/2017</a:t>
+              <a:t>12/14/2017</a:t>
             </a:fld>
             <a:endParaRPr lang="en-US"/>
           </a:p>
@@ -1418,7 +1422,7 @@
             <a:fld id="{17450E51-4C5E-4BB5-8E54-A147694BC1CA}" type="datetimeFigureOut">
               <a:rPr lang="en-US" smtClean="0"/>
               <a:pPr/>
-              <a:t>12/13/2017</a:t>
+              <a:t>12/14/2017</a:t>
             </a:fld>
             <a:endParaRPr lang="en-US"/>
           </a:p>
@@ -1583,7 +1587,7 @@
             <a:fld id="{17450E51-4C5E-4BB5-8E54-A147694BC1CA}" type="datetimeFigureOut">
               <a:rPr lang="en-US" smtClean="0"/>
               <a:pPr/>
-              <a:t>12/13/2017</a:t>
+              <a:t>12/14/2017</a:t>
             </a:fld>
             <a:endParaRPr lang="en-US"/>
           </a:p>
@@ -1758,7 +1762,7 @@
             <a:fld id="{17450E51-4C5E-4BB5-8E54-A147694BC1CA}" type="datetimeFigureOut">
               <a:rPr lang="en-US" smtClean="0"/>
               <a:pPr/>
-              <a:t>12/13/2017</a:t>
+              <a:t>12/14/2017</a:t>
             </a:fld>
             <a:endParaRPr lang="en-US"/>
           </a:p>
@@ -1923,7 +1927,7 @@
             <a:fld id="{17450E51-4C5E-4BB5-8E54-A147694BC1CA}" type="datetimeFigureOut">
               <a:rPr lang="en-US" smtClean="0"/>
               <a:pPr/>
-              <a:t>12/13/2017</a:t>
+              <a:t>12/14/2017</a:t>
             </a:fld>
             <a:endParaRPr lang="en-US"/>
           </a:p>
@@ -2165,7 +2169,7 @@
             <a:fld id="{17450E51-4C5E-4BB5-8E54-A147694BC1CA}" type="datetimeFigureOut">
               <a:rPr lang="en-US" smtClean="0"/>
               <a:pPr/>
-              <a:t>12/13/2017</a:t>
+              <a:t>12/14/2017</a:t>
             </a:fld>
             <a:endParaRPr lang="en-US"/>
           </a:p>
@@ -2447,7 +2451,7 @@
             <a:fld id="{17450E51-4C5E-4BB5-8E54-A147694BC1CA}" type="datetimeFigureOut">
               <a:rPr lang="en-US" smtClean="0"/>
               <a:pPr/>
-              <a:t>12/13/2017</a:t>
+              <a:t>12/14/2017</a:t>
             </a:fld>
             <a:endParaRPr lang="en-US"/>
           </a:p>
@@ -2863,7 +2867,7 @@
             <a:fld id="{17450E51-4C5E-4BB5-8E54-A147694BC1CA}" type="datetimeFigureOut">
               <a:rPr lang="en-US" smtClean="0"/>
               <a:pPr/>
-              <a:t>12/13/2017</a:t>
+              <a:t>12/14/2017</a:t>
             </a:fld>
             <a:endParaRPr lang="en-US"/>
           </a:p>
@@ -2977,7 +2981,7 @@
             <a:fld id="{17450E51-4C5E-4BB5-8E54-A147694BC1CA}" type="datetimeFigureOut">
               <a:rPr lang="en-US" smtClean="0"/>
               <a:pPr/>
-              <a:t>12/13/2017</a:t>
+              <a:t>12/14/2017</a:t>
             </a:fld>
             <a:endParaRPr lang="en-US"/>
           </a:p>
@@ -3069,7 +3073,7 @@
             <a:fld id="{17450E51-4C5E-4BB5-8E54-A147694BC1CA}" type="datetimeFigureOut">
               <a:rPr lang="en-US" smtClean="0"/>
               <a:pPr/>
-              <a:t>12/13/2017</a:t>
+              <a:t>12/14/2017</a:t>
             </a:fld>
             <a:endParaRPr lang="en-US"/>
           </a:p>
@@ -3341,7 +3345,7 @@
             <a:fld id="{17450E51-4C5E-4BB5-8E54-A147694BC1CA}" type="datetimeFigureOut">
               <a:rPr lang="en-US" smtClean="0"/>
               <a:pPr/>
-              <a:t>12/13/2017</a:t>
+              <a:t>12/14/2017</a:t>
             </a:fld>
             <a:endParaRPr lang="en-US"/>
           </a:p>
@@ -3590,7 +3594,7 @@
             <a:fld id="{17450E51-4C5E-4BB5-8E54-A147694BC1CA}" type="datetimeFigureOut">
               <a:rPr lang="en-US" smtClean="0"/>
               <a:pPr/>
-              <a:t>12/13/2017</a:t>
+              <a:t>12/14/2017</a:t>
             </a:fld>
             <a:endParaRPr lang="en-US"/>
           </a:p>
@@ -3798,7 +3802,7 @@
             <a:fld id="{17450E51-4C5E-4BB5-8E54-A147694BC1CA}" type="datetimeFigureOut">
               <a:rPr lang="en-US" smtClean="0"/>
               <a:pPr/>
-              <a:t>12/13/2017</a:t>
+              <a:t>12/14/2017</a:t>
             </a:fld>
             <a:endParaRPr lang="en-US"/>
           </a:p>
@@ -4379,84 +4383,6 @@
   <p:clrMapOvr>
     <a:masterClrMapping/>
   </p:clrMapOvr>
-  <p:timing>
-    <p:tnLst>
-      <p:par>
-        <p:cTn id="1" dur="indefinite" restart="never" nodeType="tmRoot">
-          <p:childTnLst>
-            <p:seq concurrent="1" nextAc="seek">
-              <p:cTn id="2" dur="indefinite" nodeType="mainSeq">
-                <p:childTnLst>
-                  <p:par>
-                    <p:cTn id="3" fill="hold">
-                      <p:stCondLst>
-                        <p:cond delay="indefinite"/>
-                      </p:stCondLst>
-                      <p:childTnLst>
-                        <p:par>
-                          <p:cTn id="4" fill="hold">
-                            <p:stCondLst>
-                              <p:cond delay="0"/>
-                            </p:stCondLst>
-                            <p:childTnLst>
-                              <p:par>
-                                <p:cTn id="5" presetID="1" presetClass="entr" presetSubtype="0" fill="hold" grpId="0" nodeType="clickEffect">
-                                  <p:stCondLst>
-                                    <p:cond delay="0"/>
-                                  </p:stCondLst>
-                                  <p:childTnLst>
-                                    <p:set>
-                                      <p:cBhvr>
-                                        <p:cTn id="6" dur="1" fill="hold">
-                                          <p:stCondLst>
-                                            <p:cond delay="0"/>
-                                          </p:stCondLst>
-                                        </p:cTn>
-                                        <p:tgtEl>
-                                          <p:spTgt spid="6"/>
-                                        </p:tgtEl>
-                                        <p:attrNameLst>
-                                          <p:attrName>style.visibility</p:attrName>
-                                        </p:attrNameLst>
-                                      </p:cBhvr>
-                                      <p:to>
-                                        <p:strVal val="visible"/>
-                                      </p:to>
-                                    </p:set>
-                                  </p:childTnLst>
-                                </p:cTn>
-                              </p:par>
-                            </p:childTnLst>
-                          </p:cTn>
-                        </p:par>
-                      </p:childTnLst>
-                    </p:cTn>
-                  </p:par>
-                </p:childTnLst>
-              </p:cTn>
-              <p:prevCondLst>
-                <p:cond evt="onPrev" delay="0">
-                  <p:tgtEl>
-                    <p:sldTgt/>
-                  </p:tgtEl>
-                </p:cond>
-              </p:prevCondLst>
-              <p:nextCondLst>
-                <p:cond evt="onNext" delay="0">
-                  <p:tgtEl>
-                    <p:sldTgt/>
-                  </p:tgtEl>
-                </p:cond>
-              </p:nextCondLst>
-            </p:seq>
-          </p:childTnLst>
-        </p:cTn>
-      </p:par>
-    </p:tnLst>
-    <p:bldLst>
-      <p:bldP spid="6" grpId="0"/>
-    </p:bldLst>
-  </p:timing>
 </p:sld>
 </file>
 
@@ -4497,7 +4423,7 @@
           <a:graphicData uri="http://schemas.openxmlformats.org/presentationml/2006/ole">
             <mc:AlternateContent xmlns:mc="http://schemas.openxmlformats.org/markup-compatibility/2006">
               <mc:Choice xmlns:v="urn:schemas-microsoft-com:vml" Requires="v">
-                <p:oleObj spid="_x0000_s21506" r:id="rId5" imgW="0" imgH="0" progId="TCLayout.ActiveDocument.1">
+                <p:oleObj spid="_x0000_s21535" r:id="rId5" imgW="0" imgH="0" progId="TCLayout.ActiveDocument.1">
                   <p:embed/>
                 </p:oleObj>
               </mc:Choice>
@@ -4624,6 +4550,36 @@
           <a:chExt cx="0" cy="0"/>
         </a:xfrm>
       </p:grpSpPr>
+      <p:pic>
+        <p:nvPicPr>
+          <p:cNvPr id="4" name="Picture 3">
+            <a:extLst>
+              <a:ext uri="{FF2B5EF4-FFF2-40B4-BE49-F238E27FC236}">
+                <a16:creationId xmlns:a16="http://schemas.microsoft.com/office/drawing/2014/main" id="{0AA78E2B-F93B-4D32-BCD1-6A498C75A94D}"/>
+              </a:ext>
+            </a:extLst>
+          </p:cNvPr>
+          <p:cNvPicPr>
+            <a:picLocks noChangeAspect="1"/>
+          </p:cNvPicPr>
+          <p:nvPr/>
+        </p:nvPicPr>
+        <p:blipFill>
+          <a:blip r:embed="rId5"/>
+          <a:stretch>
+            <a:fillRect/>
+          </a:stretch>
+        </p:blipFill>
+        <p:spPr>
+          <a:xfrm>
+            <a:off x="609600" y="1715626"/>
+            <a:ext cx="7467600" cy="4938548"/>
+          </a:xfrm>
+          <a:prstGeom prst="rect">
+            <a:avLst/>
+          </a:prstGeom>
+        </p:spPr>
+      </p:pic>
       <p:graphicFrame>
         <p:nvGraphicFramePr>
           <p:cNvPr id="235522" name="Rectangle 2" hidden="1"/>
@@ -4644,7 +4600,233 @@
           <a:graphicData uri="http://schemas.openxmlformats.org/presentationml/2006/ole">
             <mc:AlternateContent xmlns:mc="http://schemas.openxmlformats.org/markup-compatibility/2006">
               <mc:Choice xmlns:v="urn:schemas-microsoft-com:vml" Requires="v">
-                <p:oleObj spid="_x0000_s18458" r:id="rId5" imgW="0" imgH="0" progId="TCLayout.ActiveDocument.1">
+                <p:oleObj spid="_x0000_s18487" r:id="rId6" imgW="0" imgH="0" progId="TCLayout.ActiveDocument.1">
+                  <p:embed/>
+                </p:oleObj>
+              </mc:Choice>
+              <mc:Fallback>
+                <p:oleObj r:id="rId6" imgW="0" imgH="0" progId="TCLayout.ActiveDocument.1">
+                  <p:embed/>
+                  <p:pic>
+                    <p:nvPicPr>
+                      <p:cNvPr id="235522" name="Rectangle 2" hidden="1"/>
+                      <p:cNvPicPr preferRelativeResize="0">
+                        <a:picLocks noChangeArrowheads="1"/>
+                      </p:cNvPicPr>
+                      <p:nvPr/>
+                    </p:nvPicPr>
+                    <p:blipFill>
+                      <a:blip>
+                        <a:extLst>
+                          <a:ext uri="{28A0092B-C50C-407E-A947-70E740481C1C}">
+                            <a14:useLocalDpi xmlns:a14="http://schemas.microsoft.com/office/drawing/2010/main" val="0"/>
+                          </a:ext>
+                        </a:extLst>
+                      </a:blip>
+                      <a:srcRect/>
+                      <a:stretch>
+                        <a:fillRect/>
+                      </a:stretch>
+                    </p:blipFill>
+                    <p:spPr bwMode="auto">
+                      <a:xfrm>
+                        <a:off x="0" y="-305118"/>
+                        <a:ext cx="158519" cy="158518"/>
+                      </a:xfrm>
+                      <a:prstGeom prst="rect">
+                        <a:avLst/>
+                      </a:prstGeom>
+                      <a:noFill/>
+                      <a:ln>
+                        <a:noFill/>
+                      </a:ln>
+                      <a:extLst>
+                        <a:ext uri="{909E8E84-426E-40DD-AFC4-6F175D3DCCD1}">
+                          <a14:hiddenFill xmlns:a14="http://schemas.microsoft.com/office/drawing/2010/main">
+                            <a:solidFill>
+                              <a:srgbClr val="FFFFFF"/>
+                            </a:solidFill>
+                          </a14:hiddenFill>
+                        </a:ext>
+                        <a:ext uri="{91240B29-F687-4F45-9708-019B960494DF}">
+                          <a14:hiddenLine xmlns:a14="http://schemas.microsoft.com/office/drawing/2010/main" w="9525">
+                            <a:solidFill>
+                              <a:srgbClr val="000000"/>
+                            </a:solidFill>
+                            <a:miter lim="800000"/>
+                            <a:headEnd/>
+                            <a:tailEnd/>
+                          </a14:hiddenLine>
+                        </a:ext>
+                      </a:extLst>
+                    </p:spPr>
+                  </p:pic>
+                </p:oleObj>
+              </mc:Fallback>
+            </mc:AlternateContent>
+          </a:graphicData>
+        </a:graphic>
+      </p:graphicFrame>
+      <p:sp>
+        <p:nvSpPr>
+          <p:cNvPr id="47" name="Title 40"/>
+          <p:cNvSpPr>
+            <a:spLocks noGrp="1"/>
+          </p:cNvSpPr>
+          <p:nvPr>
+            <p:ph type="title"/>
+          </p:nvPr>
+        </p:nvSpPr>
+        <p:spPr>
+          <a:xfrm>
+            <a:off x="533400" y="411162"/>
+            <a:ext cx="8001000" cy="808038"/>
+          </a:xfrm>
+        </p:spPr>
+        <p:txBody>
+          <a:bodyPr>
+            <a:normAutofit/>
+          </a:bodyPr>
+          <a:lstStyle/>
+          <a:p>
+            <a:pPr algn="l"/>
+            <a:r>
+              <a:rPr lang="en-US" sz="1800" b="1" dirty="0"/>
+              <a:t>Expansion of International Schools in the U.S. by county/city</a:t>
+            </a:r>
+          </a:p>
+        </p:txBody>
+      </p:sp>
+      <p:sp>
+        <p:nvSpPr>
+          <p:cNvPr id="6" name="TextBox 5">
+            <a:extLst>
+              <a:ext uri="{FF2B5EF4-FFF2-40B4-BE49-F238E27FC236}">
+                <a16:creationId xmlns:a16="http://schemas.microsoft.com/office/drawing/2014/main" id="{128ECDA7-B2D5-469E-8F4A-4345BA3DAC6E}"/>
+              </a:ext>
+            </a:extLst>
+          </p:cNvPr>
+          <p:cNvSpPr txBox="1"/>
+          <p:nvPr/>
+        </p:nvSpPr>
+        <p:spPr>
+          <a:xfrm>
+            <a:off x="1981200" y="6315015"/>
+            <a:ext cx="6477000" cy="215444"/>
+          </a:xfrm>
+          <a:prstGeom prst="rect">
+            <a:avLst/>
+          </a:prstGeom>
+          <a:noFill/>
+        </p:spPr>
+        <p:txBody>
+          <a:bodyPr wrap="square" rtlCol="0">
+            <a:spAutoFit/>
+          </a:bodyPr>
+          <a:lstStyle/>
+          <a:p>
+            <a:r>
+              <a:rPr lang="en-US" sz="800" dirty="0">
+                <a:solidFill>
+                  <a:srgbClr val="000000"/>
+                </a:solidFill>
+              </a:rPr>
+              <a:t>Source: Wikipedia</a:t>
+            </a:r>
+          </a:p>
+        </p:txBody>
+      </p:sp>
+      <p:sp>
+        <p:nvSpPr>
+          <p:cNvPr id="7" name="TextBox 6">
+            <a:extLst>
+              <a:ext uri="{FF2B5EF4-FFF2-40B4-BE49-F238E27FC236}">
+                <a16:creationId xmlns:a16="http://schemas.microsoft.com/office/drawing/2014/main" id="{74188C6C-06A1-49C9-8504-04A288DE5AD7}"/>
+              </a:ext>
+            </a:extLst>
+          </p:cNvPr>
+          <p:cNvSpPr txBox="1"/>
+          <p:nvPr/>
+        </p:nvSpPr>
+        <p:spPr>
+          <a:xfrm>
+            <a:off x="533400" y="1066800"/>
+            <a:ext cx="7867650" cy="584775"/>
+          </a:xfrm>
+          <a:prstGeom prst="rect">
+            <a:avLst/>
+          </a:prstGeom>
+          <a:noFill/>
+        </p:spPr>
+        <p:txBody>
+          <a:bodyPr wrap="square" rtlCol="0">
+            <a:spAutoFit/>
+          </a:bodyPr>
+          <a:lstStyle/>
+          <a:p>
+            <a:r>
+              <a:rPr lang="en-US" sz="1600" dirty="0">
+                <a:solidFill>
+                  <a:srgbClr val="000000"/>
+                </a:solidFill>
+              </a:rPr>
+              <a:t>Since CY 2000, 28 International Schools were added in these U.S. markets extending the total to 73 schools</a:t>
+            </a:r>
+            <a:endParaRPr lang="en-US" sz="1200" dirty="0"/>
+          </a:p>
+        </p:txBody>
+      </p:sp>
+    </p:spTree>
+    <p:extLst>
+      <p:ext uri="{BB962C8B-B14F-4D97-AF65-F5344CB8AC3E}">
+        <p14:creationId xmlns:p14="http://schemas.microsoft.com/office/powerpoint/2010/main" val="4266872569"/>
+      </p:ext>
+    </p:extLst>
+  </p:cSld>
+  <p:clrMapOvr>
+    <a:masterClrMapping/>
+  </p:clrMapOvr>
+</p:sld>
+</file>
+
+<file path=ppt/slides/slide12.xml><?xml version="1.0" encoding="utf-8"?>
+<p:sld xmlns:a="http://schemas.openxmlformats.org/drawingml/2006/main" xmlns:r="http://schemas.openxmlformats.org/officeDocument/2006/relationships" xmlns:p="http://schemas.openxmlformats.org/presentationml/2006/main">
+  <p:cSld>
+    <p:spTree>
+      <p:nvGrpSpPr>
+        <p:cNvPr id="1" name=""/>
+        <p:cNvGrpSpPr/>
+        <p:nvPr/>
+      </p:nvGrpSpPr>
+      <p:grpSpPr>
+        <a:xfrm>
+          <a:off x="0" y="0"/>
+          <a:ext cx="0" cy="0"/>
+          <a:chOff x="0" y="0"/>
+          <a:chExt cx="0" cy="0"/>
+        </a:xfrm>
+      </p:grpSpPr>
+      <p:graphicFrame>
+        <p:nvGraphicFramePr>
+          <p:cNvPr id="235522" name="Rectangle 2" hidden="1"/>
+          <p:cNvGraphicFramePr>
+            <a:graphicFrameLocks/>
+          </p:cNvGraphicFramePr>
+          <p:nvPr>
+            <p:custDataLst>
+              <p:tags r:id="rId2"/>
+            </p:custDataLst>
+          </p:nvPr>
+        </p:nvGraphicFramePr>
+        <p:xfrm>
+          <a:off x="0" y="-305118"/>
+          <a:ext cx="158519" cy="158518"/>
+        </p:xfrm>
+        <a:graphic>
+          <a:graphicData uri="http://schemas.openxmlformats.org/presentationml/2006/ole">
+            <mc:AlternateContent xmlns:mc="http://schemas.openxmlformats.org/markup-compatibility/2006">
+              <mc:Choice xmlns:v="urn:schemas-microsoft-com:vml" Requires="v">
+                <p:oleObj spid="_x0000_s19517" r:id="rId5" imgW="0" imgH="0" progId="TCLayout.ActiveDocument.1">
                   <p:embed/>
                 </p:oleObj>
               </mc:Choice>
@@ -4736,15 +4918,300 @@
             <a:pPr algn="l"/>
             <a:r>
               <a:rPr lang="en-US" sz="1800" b="1" dirty="0"/>
-              <a:t>Expansion of International Schools in the U.S. by county/city</a:t>
-            </a:r>
-          </a:p>
-        </p:txBody>
-      </p:sp>
+              <a:t>Technology</a:t>
+            </a:r>
+          </a:p>
+        </p:txBody>
+      </p:sp>
+      <p:pic>
+        <p:nvPicPr>
+          <p:cNvPr id="50" name="Picture 49">
+            <a:extLst>
+              <a:ext uri="{FF2B5EF4-FFF2-40B4-BE49-F238E27FC236}">
+                <a16:creationId xmlns:a16="http://schemas.microsoft.com/office/drawing/2014/main" id="{325D2A0D-2007-447D-B20A-D0A29DF04B27}"/>
+              </a:ext>
+            </a:extLst>
+          </p:cNvPr>
+          <p:cNvPicPr>
+            <a:picLocks noChangeAspect="1"/>
+          </p:cNvPicPr>
+          <p:nvPr/>
+        </p:nvPicPr>
+        <p:blipFill>
+          <a:blip r:embed="rId6"/>
+          <a:stretch>
+            <a:fillRect/>
+          </a:stretch>
+        </p:blipFill>
+        <p:spPr>
+          <a:xfrm>
+            <a:off x="1447800" y="1905000"/>
+            <a:ext cx="2532707" cy="746911"/>
+          </a:xfrm>
+          <a:prstGeom prst="rect">
+            <a:avLst/>
+          </a:prstGeom>
+        </p:spPr>
+      </p:pic>
+      <p:pic>
+        <p:nvPicPr>
+          <p:cNvPr id="52" name="Picture 51">
+            <a:extLst>
+              <a:ext uri="{FF2B5EF4-FFF2-40B4-BE49-F238E27FC236}">
+                <a16:creationId xmlns:a16="http://schemas.microsoft.com/office/drawing/2014/main" id="{F9DD86F4-5ABC-4A9A-A86F-5E884C068AFF}"/>
+              </a:ext>
+            </a:extLst>
+          </p:cNvPr>
+          <p:cNvPicPr>
+            <a:picLocks noChangeAspect="1"/>
+          </p:cNvPicPr>
+          <p:nvPr/>
+        </p:nvPicPr>
+        <p:blipFill>
+          <a:blip r:embed="rId7"/>
+          <a:stretch>
+            <a:fillRect/>
+          </a:stretch>
+        </p:blipFill>
+        <p:spPr>
+          <a:xfrm>
+            <a:off x="1219200" y="3086100"/>
+            <a:ext cx="1310489" cy="841972"/>
+          </a:xfrm>
+          <a:prstGeom prst="rect">
+            <a:avLst/>
+          </a:prstGeom>
+        </p:spPr>
+      </p:pic>
+      <p:pic>
+        <p:nvPicPr>
+          <p:cNvPr id="53" name="Picture 52">
+            <a:extLst>
+              <a:ext uri="{FF2B5EF4-FFF2-40B4-BE49-F238E27FC236}">
+                <a16:creationId xmlns:a16="http://schemas.microsoft.com/office/drawing/2014/main" id="{29D0163B-6973-4872-B3B2-1D5CC2CDDC4E}"/>
+              </a:ext>
+            </a:extLst>
+          </p:cNvPr>
+          <p:cNvPicPr>
+            <a:picLocks noChangeAspect="1"/>
+          </p:cNvPicPr>
+          <p:nvPr/>
+        </p:nvPicPr>
+        <p:blipFill>
+          <a:blip r:embed="rId8"/>
+          <a:stretch>
+            <a:fillRect/>
+          </a:stretch>
+        </p:blipFill>
+        <p:spPr>
+          <a:xfrm>
+            <a:off x="4633913" y="3984833"/>
+            <a:ext cx="2271713" cy="1275893"/>
+          </a:xfrm>
+          <a:prstGeom prst="rect">
+            <a:avLst/>
+          </a:prstGeom>
+        </p:spPr>
+      </p:pic>
+      <p:sp>
+        <p:nvSpPr>
+          <p:cNvPr id="55" name="AutoShape 55" descr="Image result for javascript logo">
+            <a:extLst>
+              <a:ext uri="{FF2B5EF4-FFF2-40B4-BE49-F238E27FC236}">
+                <a16:creationId xmlns:a16="http://schemas.microsoft.com/office/drawing/2014/main" id="{B2CACD29-669C-4A57-B1F1-A293F7B62CA9}"/>
+              </a:ext>
+            </a:extLst>
+          </p:cNvPr>
+          <p:cNvSpPr>
+            <a:spLocks noChangeAspect="1" noChangeArrowheads="1"/>
+          </p:cNvSpPr>
+          <p:nvPr/>
+        </p:nvSpPr>
+        <p:spPr bwMode="auto">
+          <a:xfrm>
+            <a:off x="4419600" y="3276600"/>
+            <a:ext cx="217283" cy="217283"/>
+          </a:xfrm>
+          <a:prstGeom prst="rect">
+            <a:avLst/>
+          </a:prstGeom>
+          <a:noFill/>
+          <a:extLst>
+            <a:ext uri="{909E8E84-426E-40DD-AFC4-6F175D3DCCD1}">
+              <a14:hiddenFill xmlns:a14="http://schemas.microsoft.com/office/drawing/2010/main">
+                <a:solidFill>
+                  <a:srgbClr val="FFFFFF"/>
+                </a:solidFill>
+              </a14:hiddenFill>
+            </a:ext>
+          </a:extLst>
+        </p:spPr>
+        <p:txBody>
+          <a:bodyPr vert="horz" wrap="square" lIns="91440" tIns="45720" rIns="91440" bIns="45720" numCol="1" anchor="t" anchorCtr="0" compatLnSpc="1">
+            <a:prstTxWarp prst="textNoShape">
+              <a:avLst/>
+            </a:prstTxWarp>
+          </a:bodyPr>
+          <a:lstStyle/>
+          <a:p>
+            <a:endParaRPr lang="en-US"/>
+          </a:p>
+        </p:txBody>
+      </p:sp>
+      <p:pic>
+        <p:nvPicPr>
+          <p:cNvPr id="56" name="Picture 55">
+            <a:extLst>
+              <a:ext uri="{FF2B5EF4-FFF2-40B4-BE49-F238E27FC236}">
+                <a16:creationId xmlns:a16="http://schemas.microsoft.com/office/drawing/2014/main" id="{9C90AE22-5967-4E68-BE02-57546615036A}"/>
+              </a:ext>
+            </a:extLst>
+          </p:cNvPr>
+          <p:cNvPicPr>
+            <a:picLocks noChangeAspect="1"/>
+          </p:cNvPicPr>
+          <p:nvPr/>
+        </p:nvPicPr>
+        <p:blipFill>
+          <a:blip r:embed="rId9"/>
+          <a:stretch>
+            <a:fillRect/>
+          </a:stretch>
+        </p:blipFill>
+        <p:spPr>
+          <a:xfrm>
+            <a:off x="1143001" y="4436557"/>
+            <a:ext cx="2057400" cy="753701"/>
+          </a:xfrm>
+          <a:prstGeom prst="rect">
+            <a:avLst/>
+          </a:prstGeom>
+        </p:spPr>
+      </p:pic>
+      <p:pic>
+        <p:nvPicPr>
+          <p:cNvPr id="57" name="Picture 56">
+            <a:extLst>
+              <a:ext uri="{FF2B5EF4-FFF2-40B4-BE49-F238E27FC236}">
+                <a16:creationId xmlns:a16="http://schemas.microsoft.com/office/drawing/2014/main" id="{02C1F427-22BA-419F-B29C-4D6A524F8749}"/>
+              </a:ext>
+            </a:extLst>
+          </p:cNvPr>
+          <p:cNvPicPr>
+            <a:picLocks noChangeAspect="1"/>
+          </p:cNvPicPr>
+          <p:nvPr/>
+        </p:nvPicPr>
+        <p:blipFill>
+          <a:blip r:embed="rId10"/>
+          <a:stretch>
+            <a:fillRect/>
+          </a:stretch>
+        </p:blipFill>
+        <p:spPr>
+          <a:xfrm>
+            <a:off x="4973912" y="1803149"/>
+            <a:ext cx="848762" cy="848762"/>
+          </a:xfrm>
+          <a:prstGeom prst="rect">
+            <a:avLst/>
+          </a:prstGeom>
+        </p:spPr>
+      </p:pic>
+      <p:pic>
+        <p:nvPicPr>
+          <p:cNvPr id="59" name="Picture 58">
+            <a:extLst>
+              <a:ext uri="{FF2B5EF4-FFF2-40B4-BE49-F238E27FC236}">
+                <a16:creationId xmlns:a16="http://schemas.microsoft.com/office/drawing/2014/main" id="{B90DA985-81AE-410B-B11D-22D8BBD62345}"/>
+              </a:ext>
+            </a:extLst>
+          </p:cNvPr>
+          <p:cNvPicPr>
+            <a:picLocks noChangeAspect="1"/>
+          </p:cNvPicPr>
+          <p:nvPr/>
+        </p:nvPicPr>
+        <p:blipFill>
+          <a:blip r:embed="rId11"/>
+          <a:stretch>
+            <a:fillRect/>
+          </a:stretch>
+        </p:blipFill>
+        <p:spPr>
+          <a:xfrm>
+            <a:off x="3571875" y="3038475"/>
+            <a:ext cx="1912821" cy="746911"/>
+          </a:xfrm>
+          <a:prstGeom prst="rect">
+            <a:avLst/>
+          </a:prstGeom>
+        </p:spPr>
+      </p:pic>
+      <p:pic>
+        <p:nvPicPr>
+          <p:cNvPr id="60" name="Picture 59">
+            <a:extLst>
+              <a:ext uri="{FF2B5EF4-FFF2-40B4-BE49-F238E27FC236}">
+                <a16:creationId xmlns:a16="http://schemas.microsoft.com/office/drawing/2014/main" id="{2DE85CEC-953C-4C42-9FF7-A50EE3FC2E5E}"/>
+              </a:ext>
+            </a:extLst>
+          </p:cNvPr>
+          <p:cNvPicPr>
+            <a:picLocks noChangeAspect="1"/>
+          </p:cNvPicPr>
+          <p:nvPr/>
+        </p:nvPicPr>
+        <p:blipFill>
+          <a:blip r:embed="rId12"/>
+          <a:stretch>
+            <a:fillRect/>
+          </a:stretch>
+        </p:blipFill>
+        <p:spPr>
+          <a:xfrm>
+            <a:off x="6019800" y="2651911"/>
+            <a:ext cx="1676400" cy="1133475"/>
+          </a:xfrm>
+          <a:prstGeom prst="rect">
+            <a:avLst/>
+          </a:prstGeom>
+        </p:spPr>
+      </p:pic>
+      <p:pic>
+        <p:nvPicPr>
+          <p:cNvPr id="61" name="Picture 60">
+            <a:extLst>
+              <a:ext uri="{FF2B5EF4-FFF2-40B4-BE49-F238E27FC236}">
+                <a16:creationId xmlns:a16="http://schemas.microsoft.com/office/drawing/2014/main" id="{907AC864-B5FD-45D5-AEEB-24DD1F5BFA69}"/>
+              </a:ext>
+            </a:extLst>
+          </p:cNvPr>
+          <p:cNvPicPr>
+            <a:picLocks noChangeAspect="1"/>
+          </p:cNvPicPr>
+          <p:nvPr/>
+        </p:nvPicPr>
+        <p:blipFill>
+          <a:blip r:embed="rId13"/>
+          <a:stretch>
+            <a:fillRect/>
+          </a:stretch>
+        </p:blipFill>
+        <p:spPr>
+          <a:xfrm>
+            <a:off x="2971800" y="4960164"/>
+            <a:ext cx="2271713" cy="811813"/>
+          </a:xfrm>
+          <a:prstGeom prst="rect">
+            <a:avLst/>
+          </a:prstGeom>
+        </p:spPr>
+      </p:pic>
     </p:spTree>
     <p:extLst>
       <p:ext uri="{BB962C8B-B14F-4D97-AF65-F5344CB8AC3E}">
-        <p14:creationId xmlns:p14="http://schemas.microsoft.com/office/powerpoint/2010/main" val="4266872569"/>
+        <p14:creationId xmlns:p14="http://schemas.microsoft.com/office/powerpoint/2010/main" val="2977759144"/>
       </p:ext>
     </p:extLst>
   </p:cSld>
@@ -4754,7 +5221,7 @@
 </p:sld>
 </file>
 
-<file path=ppt/slides/slide12.xml><?xml version="1.0" encoding="utf-8"?>
+<file path=ppt/slides/slide2.xml><?xml version="1.0" encoding="utf-8"?>
 <p:sld xmlns:a="http://schemas.openxmlformats.org/drawingml/2006/main" xmlns:r="http://schemas.openxmlformats.org/officeDocument/2006/relationships" xmlns:p="http://schemas.openxmlformats.org/presentationml/2006/main">
   <p:cSld>
     <p:spTree>
@@ -4791,7 +5258,7 @@
           <a:graphicData uri="http://schemas.openxmlformats.org/presentationml/2006/ole">
             <mc:AlternateContent xmlns:mc="http://schemas.openxmlformats.org/markup-compatibility/2006">
               <mc:Choice xmlns:v="urn:schemas-microsoft-com:vml" Requires="v">
-                <p:oleObj spid="_x0000_s19481" r:id="rId5" imgW="0" imgH="0" progId="TCLayout.ActiveDocument.1">
+                <p:oleObj spid="_x0000_s1092" r:id="rId5" imgW="0" imgH="0" progId="TCLayout.ActiveDocument.1">
                   <p:embed/>
                 </p:oleObj>
               </mc:Choice>
@@ -4860,30 +5327,220 @@
       </p:graphicFrame>
       <p:sp>
         <p:nvSpPr>
-          <p:cNvPr id="47" name="Title 40"/>
-          <p:cNvSpPr>
-            <a:spLocks noGrp="1"/>
-          </p:cNvSpPr>
-          <p:nvPr>
-            <p:ph type="title"/>
-          </p:nvPr>
-        </p:nvSpPr>
-        <p:spPr>
-          <a:xfrm>
-            <a:off x="533400" y="411162"/>
-            <a:ext cx="8001000" cy="808038"/>
-          </a:xfrm>
-        </p:spPr>
-        <p:txBody>
-          <a:bodyPr>
-            <a:normAutofit/>
+          <p:cNvPr id="11" name="TextBox 10">
+            <a:extLst>
+              <a:ext uri="{FF2B5EF4-FFF2-40B4-BE49-F238E27FC236}">
+                <a16:creationId xmlns:a16="http://schemas.microsoft.com/office/drawing/2014/main" id="{9708B29F-7C56-4850-BC9C-71EFDB0B38F4}"/>
+              </a:ext>
+            </a:extLst>
+          </p:cNvPr>
+          <p:cNvSpPr txBox="1"/>
+          <p:nvPr/>
+        </p:nvSpPr>
+        <p:spPr>
+          <a:xfrm>
+            <a:off x="590550" y="685800"/>
+            <a:ext cx="7696200" cy="923330"/>
+          </a:xfrm>
+          <a:prstGeom prst="rect">
+            <a:avLst/>
+          </a:prstGeom>
+          <a:noFill/>
+        </p:spPr>
+        <p:txBody>
+          <a:bodyPr wrap="square" rtlCol="0">
+            <a:spAutoFit/>
           </a:bodyPr>
           <a:lstStyle/>
           <a:p>
-            <a:pPr algn="l"/>
-            <a:r>
-              <a:rPr lang="en-US" sz="1800" b="1" dirty="0"/>
-              <a:t>Data Sources; Process; Technology</a:t>
+            <a:r>
+              <a:rPr lang="en-US" b="1" dirty="0"/>
+              <a:t>Executive Summary</a:t>
+            </a:r>
+          </a:p>
+          <a:p>
+            <a:endParaRPr lang="en-US" b="1" dirty="0"/>
+          </a:p>
+          <a:p>
+            <a:endParaRPr lang="en-US" b="1" dirty="0"/>
+          </a:p>
+        </p:txBody>
+      </p:sp>
+      <p:sp>
+        <p:nvSpPr>
+          <p:cNvPr id="13" name="TextBox 12">
+            <a:extLst>
+              <a:ext uri="{FF2B5EF4-FFF2-40B4-BE49-F238E27FC236}">
+                <a16:creationId xmlns:a16="http://schemas.microsoft.com/office/drawing/2014/main" id="{CB19D3C1-4D18-45D5-A13A-39C7D009CA7C}"/>
+              </a:ext>
+            </a:extLst>
+          </p:cNvPr>
+          <p:cNvSpPr txBox="1"/>
+          <p:nvPr/>
+        </p:nvSpPr>
+        <p:spPr>
+          <a:xfrm>
+            <a:off x="590550" y="1219200"/>
+            <a:ext cx="7867650" cy="4524315"/>
+          </a:xfrm>
+          <a:prstGeom prst="rect">
+            <a:avLst/>
+          </a:prstGeom>
+          <a:noFill/>
+        </p:spPr>
+        <p:txBody>
+          <a:bodyPr wrap="square" rtlCol="0">
+            <a:spAutoFit/>
+          </a:bodyPr>
+          <a:lstStyle/>
+          <a:p>
+            <a:r>
+              <a:rPr lang="en-US" sz="1600" dirty="0">
+                <a:solidFill>
+                  <a:srgbClr val="000000"/>
+                </a:solidFill>
+              </a:rPr>
+              <a:t>International schools, which were established more than 3 decades ago, have expanded in numbers and students enrollment 5.5x the rate of global population growth</a:t>
+            </a:r>
+          </a:p>
+          <a:p>
+            <a:endParaRPr lang="en-US" sz="1600" dirty="0">
+              <a:solidFill>
+                <a:srgbClr val="000000"/>
+              </a:solidFill>
+            </a:endParaRPr>
+          </a:p>
+          <a:p>
+            <a:r>
+              <a:rPr lang="en-US" sz="1600" dirty="0">
+                <a:solidFill>
+                  <a:srgbClr val="000000"/>
+                </a:solidFill>
+              </a:rPr>
+              <a:t>Originally formed to serve EU, UK and U.S. ex-patriots abroad, these English medium schools provided curricula aligned for top-tier western university admission</a:t>
+            </a:r>
+          </a:p>
+          <a:p>
+            <a:endParaRPr lang="en-US" sz="1600" dirty="0">
+              <a:solidFill>
+                <a:srgbClr val="000000"/>
+              </a:solidFill>
+            </a:endParaRPr>
+          </a:p>
+          <a:p>
+            <a:r>
+              <a:rPr lang="en-US" sz="1600" dirty="0">
+                <a:solidFill>
+                  <a:srgbClr val="000000"/>
+                </a:solidFill>
+              </a:rPr>
+              <a:t>The growth has stemmed from globalization, policy changes but more commonly local and native families you can now afford these schools for their children in emerging markets</a:t>
+            </a:r>
+          </a:p>
+          <a:p>
+            <a:endParaRPr lang="en-US" sz="1600" dirty="0">
+              <a:solidFill>
+                <a:srgbClr val="000000"/>
+              </a:solidFill>
+            </a:endParaRPr>
+          </a:p>
+          <a:p>
+            <a:r>
+              <a:rPr lang="en-US" sz="1600" dirty="0">
+                <a:solidFill>
+                  <a:srgbClr val="000000"/>
+                </a:solidFill>
+              </a:rPr>
+              <a:t>While the U.S. continues to dominate Top global universities destinations, it’s global K12 performance has slid below many of these emerging markets</a:t>
+            </a:r>
+          </a:p>
+          <a:p>
+            <a:endParaRPr lang="en-US" sz="1600" dirty="0">
+              <a:solidFill>
+                <a:srgbClr val="000000"/>
+              </a:solidFill>
+            </a:endParaRPr>
+          </a:p>
+          <a:p>
+            <a:r>
+              <a:rPr lang="en-US" sz="1600" dirty="0">
+                <a:solidFill>
+                  <a:srgbClr val="000000"/>
+                </a:solidFill>
+              </a:rPr>
+              <a:t>An examination over a period from CY2000-2016, illustrates a growth and a ‘path’ in international students in U.S. universities extending to immigration and changes in race and minority household income growth in the same and neighboring communities  </a:t>
+            </a:r>
+          </a:p>
+          <a:p>
+            <a:endParaRPr lang="en-US" sz="1600" dirty="0">
+              <a:solidFill>
+                <a:srgbClr val="000000"/>
+              </a:solidFill>
+            </a:endParaRPr>
+          </a:p>
+          <a:p>
+            <a:r>
+              <a:rPr lang="en-US" sz="1600" dirty="0">
+                <a:solidFill>
+                  <a:srgbClr val="000000"/>
+                </a:solidFill>
+              </a:rPr>
+              <a:t>The analysis further illustrates an expansion of International Schools in the same U.S. markets</a:t>
+            </a:r>
+          </a:p>
+        </p:txBody>
+      </p:sp>
+      <p:sp>
+        <p:nvSpPr>
+          <p:cNvPr id="14" name="TextBox 13">
+            <a:extLst>
+              <a:ext uri="{FF2B5EF4-FFF2-40B4-BE49-F238E27FC236}">
+                <a16:creationId xmlns:a16="http://schemas.microsoft.com/office/drawing/2014/main" id="{BE1C0E1D-EA59-4A22-AE3B-AC312A6C2610}"/>
+              </a:ext>
+            </a:extLst>
+          </p:cNvPr>
+          <p:cNvSpPr txBox="1"/>
+          <p:nvPr/>
+        </p:nvSpPr>
+        <p:spPr>
+          <a:xfrm>
+            <a:off x="590550" y="6315015"/>
+            <a:ext cx="7867650" cy="215444"/>
+          </a:xfrm>
+          <a:prstGeom prst="rect">
+            <a:avLst/>
+          </a:prstGeom>
+          <a:noFill/>
+        </p:spPr>
+        <p:txBody>
+          <a:bodyPr wrap="square" rtlCol="0">
+            <a:spAutoFit/>
+          </a:bodyPr>
+          <a:lstStyle/>
+          <a:p>
+            <a:r>
+              <a:rPr lang="en-US" sz="800" dirty="0">
+                <a:solidFill>
+                  <a:srgbClr val="000000"/>
+                </a:solidFill>
+              </a:rPr>
+              <a:t>Source: ISC Research and World Population by Year, </a:t>
+            </a:r>
+            <a:r>
+              <a:rPr lang="en-US" sz="800" dirty="0" err="1">
+                <a:solidFill>
+                  <a:srgbClr val="000000"/>
+                </a:solidFill>
+              </a:rPr>
+              <a:t>WorldBank</a:t>
+            </a:r>
+            <a:r>
+              <a:rPr lang="en-US" sz="800" dirty="0">
+                <a:solidFill>
+                  <a:srgbClr val="000000"/>
+                </a:solidFill>
+              </a:rPr>
+              <a:t> </a:t>
             </a:r>
           </a:p>
         </p:txBody>
@@ -4891,7 +5548,7 @@
     </p:spTree>
     <p:extLst>
       <p:ext uri="{BB962C8B-B14F-4D97-AF65-F5344CB8AC3E}">
-        <p14:creationId xmlns:p14="http://schemas.microsoft.com/office/powerpoint/2010/main" val="2977759144"/>
+        <p14:creationId xmlns:p14="http://schemas.microsoft.com/office/powerpoint/2010/main" val="2485426592"/>
       </p:ext>
     </p:extLst>
   </p:cSld>
@@ -4901,7 +5558,7 @@
 </p:sld>
 </file>
 
-<file path=ppt/slides/slide2.xml><?xml version="1.0" encoding="utf-8"?>
+<file path=ppt/slides/slide3.xml><?xml version="1.0" encoding="utf-8"?>
 <p:sld xmlns:a="http://schemas.openxmlformats.org/drawingml/2006/main" xmlns:r="http://schemas.openxmlformats.org/officeDocument/2006/relationships" xmlns:p="http://schemas.openxmlformats.org/presentationml/2006/main">
   <p:cSld>
     <p:spTree>
@@ -4938,7 +5595,7 @@
           <a:graphicData uri="http://schemas.openxmlformats.org/presentationml/2006/ole">
             <mc:AlternateContent xmlns:mc="http://schemas.openxmlformats.org/markup-compatibility/2006">
               <mc:Choice xmlns:v="urn:schemas-microsoft-com:vml" Requires="v">
-                <p:oleObj spid="_x0000_s1063" r:id="rId5" imgW="0" imgH="0" progId="TCLayout.ActiveDocument.1">
+                <p:oleObj spid="_x0000_s2112" r:id="rId5" imgW="0" imgH="0" progId="TCLayout.ActiveDocument.1">
                   <p:embed/>
                 </p:oleObj>
               </mc:Choice>
@@ -5007,10 +5664,40 @@
       </p:graphicFrame>
       <p:sp>
         <p:nvSpPr>
-          <p:cNvPr id="11" name="TextBox 10">
+          <p:cNvPr id="47" name="Title 40"/>
+          <p:cNvSpPr>
+            <a:spLocks noGrp="1"/>
+          </p:cNvSpPr>
+          <p:nvPr>
+            <p:ph type="title"/>
+          </p:nvPr>
+        </p:nvSpPr>
+        <p:spPr>
+          <a:xfrm>
+            <a:off x="533400" y="411162"/>
+            <a:ext cx="8001000" cy="808038"/>
+          </a:xfrm>
+        </p:spPr>
+        <p:txBody>
+          <a:bodyPr>
+            <a:normAutofit/>
+          </a:bodyPr>
+          <a:lstStyle/>
+          <a:p>
+            <a:pPr algn="l"/>
+            <a:r>
+              <a:rPr lang="en-US" sz="2000" b="1" dirty="0"/>
+              <a:t>Expansion of K12 International Schools</a:t>
+            </a:r>
+          </a:p>
+        </p:txBody>
+      </p:sp>
+      <p:sp>
+        <p:nvSpPr>
+          <p:cNvPr id="9" name="TextBox 8">
             <a:extLst>
               <a:ext uri="{FF2B5EF4-FFF2-40B4-BE49-F238E27FC236}">
-                <a16:creationId xmlns:a16="http://schemas.microsoft.com/office/drawing/2014/main" id="{9708B29F-7C56-4850-BC9C-71EFDB0B38F4}"/>
+                <a16:creationId xmlns:a16="http://schemas.microsoft.com/office/drawing/2014/main" id="{63231AC0-A554-47CB-8464-A0B87102B8F7}"/>
               </a:ext>
             </a:extLst>
           </p:cNvPr>
@@ -5019,8 +5706,8 @@
         </p:nvSpPr>
         <p:spPr>
           <a:xfrm>
-            <a:off x="590550" y="685800"/>
-            <a:ext cx="7696200" cy="923330"/>
+            <a:off x="590550" y="1066800"/>
+            <a:ext cx="7867650" cy="830997"/>
           </a:xfrm>
           <a:prstGeom prst="rect">
             <a:avLst/>
@@ -5034,24 +5721,53 @@
           <a:lstStyle/>
           <a:p>
             <a:r>
-              <a:rPr lang="en-US" b="1" dirty="0"/>
-              <a:t>Executive Summary</a:t>
-            </a:r>
-          </a:p>
-          <a:p>
-            <a:endParaRPr lang="en-US" b="1" dirty="0"/>
-          </a:p>
-          <a:p>
-            <a:endParaRPr lang="en-US" b="1" dirty="0"/>
-          </a:p>
-        </p:txBody>
-      </p:sp>
-      <p:sp>
-        <p:nvSpPr>
-          <p:cNvPr id="13" name="TextBox 12">
+              <a:rPr lang="en-US" sz="1600" dirty="0">
+                <a:solidFill>
+                  <a:srgbClr val="000000"/>
+                </a:solidFill>
+              </a:rPr>
+              <a:t>Thirty years ago, there were less than 1,000 international schools. By the year 2000, there were 2,500 schools and by 2016, there are more than 8,200 schools with 4.3 million students enrolled.</a:t>
+            </a:r>
+            <a:endParaRPr lang="en-US" sz="1200" dirty="0"/>
+          </a:p>
+        </p:txBody>
+      </p:sp>
+      <p:pic>
+        <p:nvPicPr>
+          <p:cNvPr id="2" name="Picture 1">
             <a:extLst>
               <a:ext uri="{FF2B5EF4-FFF2-40B4-BE49-F238E27FC236}">
-                <a16:creationId xmlns:a16="http://schemas.microsoft.com/office/drawing/2014/main" id="{CB19D3C1-4D18-45D5-A13A-39C7D009CA7C}"/>
+                <a16:creationId xmlns:a16="http://schemas.microsoft.com/office/drawing/2014/main" id="{1C196222-C96E-4420-8CB4-E13B810BCC44}"/>
+              </a:ext>
+            </a:extLst>
+          </p:cNvPr>
+          <p:cNvPicPr>
+            <a:picLocks noChangeAspect="1"/>
+          </p:cNvPicPr>
+          <p:nvPr/>
+        </p:nvPicPr>
+        <p:blipFill>
+          <a:blip r:embed="rId6"/>
+          <a:stretch>
+            <a:fillRect/>
+          </a:stretch>
+        </p:blipFill>
+        <p:spPr>
+          <a:xfrm>
+            <a:off x="691019" y="1897796"/>
+            <a:ext cx="7937673" cy="4731603"/>
+          </a:xfrm>
+          <a:prstGeom prst="rect">
+            <a:avLst/>
+          </a:prstGeom>
+        </p:spPr>
+      </p:pic>
+      <p:sp>
+        <p:nvSpPr>
+          <p:cNvPr id="10" name="TextBox 9">
+            <a:extLst>
+              <a:ext uri="{FF2B5EF4-FFF2-40B4-BE49-F238E27FC236}">
+                <a16:creationId xmlns:a16="http://schemas.microsoft.com/office/drawing/2014/main" id="{29203866-40A8-4140-B11F-EA99D624BA74}"/>
               </a:ext>
             </a:extLst>
           </p:cNvPr>
@@ -5060,132 +5776,8 @@
         </p:nvSpPr>
         <p:spPr>
           <a:xfrm>
-            <a:off x="590550" y="1219200"/>
-            <a:ext cx="7867650" cy="4524315"/>
-          </a:xfrm>
-          <a:prstGeom prst="rect">
-            <a:avLst/>
-          </a:prstGeom>
-          <a:noFill/>
-        </p:spPr>
-        <p:txBody>
-          <a:bodyPr wrap="square" rtlCol="0">
-            <a:spAutoFit/>
-          </a:bodyPr>
-          <a:lstStyle/>
-          <a:p>
-            <a:r>
-              <a:rPr lang="en-US" sz="1600" dirty="0">
-                <a:solidFill>
-                  <a:srgbClr val="000000"/>
-                </a:solidFill>
-              </a:rPr>
-              <a:t>International schools, which were established more than 3 decades ago, have expanded in numbers and students enrollment 5.5x the rate of global population growth</a:t>
-            </a:r>
-          </a:p>
-          <a:p>
-            <a:endParaRPr lang="en-US" sz="1600" dirty="0">
-              <a:solidFill>
-                <a:srgbClr val="000000"/>
-              </a:solidFill>
-            </a:endParaRPr>
-          </a:p>
-          <a:p>
-            <a:r>
-              <a:rPr lang="en-US" sz="1600" dirty="0">
-                <a:solidFill>
-                  <a:srgbClr val="000000"/>
-                </a:solidFill>
-              </a:rPr>
-              <a:t>Originally formed to serve EU, UK and U.S. ex-patriots abroad, these English medium schools provided curricula aligned for top-tier western university admission</a:t>
-            </a:r>
-          </a:p>
-          <a:p>
-            <a:endParaRPr lang="en-US" sz="1600" dirty="0">
-              <a:solidFill>
-                <a:srgbClr val="000000"/>
-              </a:solidFill>
-            </a:endParaRPr>
-          </a:p>
-          <a:p>
-            <a:r>
-              <a:rPr lang="en-US" sz="1600" dirty="0">
-                <a:solidFill>
-                  <a:srgbClr val="000000"/>
-                </a:solidFill>
-              </a:rPr>
-              <a:t>The growth has stemmed from globalization, policy changes but more commonly local and native families you can now afford these schools for their children in emerging markets</a:t>
-            </a:r>
-          </a:p>
-          <a:p>
-            <a:endParaRPr lang="en-US" sz="1600" dirty="0">
-              <a:solidFill>
-                <a:srgbClr val="000000"/>
-              </a:solidFill>
-            </a:endParaRPr>
-          </a:p>
-          <a:p>
-            <a:r>
-              <a:rPr lang="en-US" sz="1600" dirty="0">
-                <a:solidFill>
-                  <a:srgbClr val="000000"/>
-                </a:solidFill>
-              </a:rPr>
-              <a:t>While the U.S. continues to dominate Top global universities destinations, it’s global K12 performance has slid below many of these emerging markets</a:t>
-            </a:r>
-          </a:p>
-          <a:p>
-            <a:endParaRPr lang="en-US" sz="1600" dirty="0">
-              <a:solidFill>
-                <a:srgbClr val="000000"/>
-              </a:solidFill>
-            </a:endParaRPr>
-          </a:p>
-          <a:p>
-            <a:r>
-              <a:rPr lang="en-US" sz="1600" dirty="0">
-                <a:solidFill>
-                  <a:srgbClr val="000000"/>
-                </a:solidFill>
-              </a:rPr>
-              <a:t>An examination over a period from CY2000-2016, illustrates a growth and a ‘path’ in international students in U.S. universities extending to immigration and changes in race and minority household income growth in the same and neighboring communities  </a:t>
-            </a:r>
-          </a:p>
-          <a:p>
-            <a:endParaRPr lang="en-US" sz="1600" dirty="0">
-              <a:solidFill>
-                <a:srgbClr val="000000"/>
-              </a:solidFill>
-            </a:endParaRPr>
-          </a:p>
-          <a:p>
-            <a:r>
-              <a:rPr lang="en-US" sz="1600" dirty="0">
-                <a:solidFill>
-                  <a:srgbClr val="000000"/>
-                </a:solidFill>
-              </a:rPr>
-              <a:t>The analysis further illustrates an expansion of International Schools in the same U.S. markets</a:t>
-            </a:r>
-          </a:p>
-        </p:txBody>
-      </p:sp>
-      <p:sp>
-        <p:nvSpPr>
-          <p:cNvPr id="14" name="TextBox 13">
-            <a:extLst>
-              <a:ext uri="{FF2B5EF4-FFF2-40B4-BE49-F238E27FC236}">
-                <a16:creationId xmlns:a16="http://schemas.microsoft.com/office/drawing/2014/main" id="{BE1C0E1D-EA59-4A22-AE3B-AC312A6C2610}"/>
-              </a:ext>
-            </a:extLst>
-          </p:cNvPr>
-          <p:cNvSpPr txBox="1"/>
-          <p:nvPr/>
-        </p:nvSpPr>
-        <p:spPr>
-          <a:xfrm>
-            <a:off x="590550" y="6315015"/>
-            <a:ext cx="7867650" cy="215444"/>
+            <a:off x="2057400" y="6324600"/>
+            <a:ext cx="2533650" cy="215444"/>
           </a:xfrm>
           <a:prstGeom prst="rect">
             <a:avLst/>
@@ -5204,23 +5796,7 @@
                   <a:srgbClr val="000000"/>
                 </a:solidFill>
               </a:rPr>
-              <a:t>Source: ISC Research and World Population by Year, </a:t>
-            </a:r>
-            <a:r>
-              <a:rPr lang="en-US" sz="800" dirty="0" err="1">
-                <a:solidFill>
-                  <a:srgbClr val="000000"/>
-                </a:solidFill>
-              </a:rPr>
-              <a:t>WorldBank</a:t>
-            </a:r>
-            <a:r>
-              <a:rPr lang="en-US" sz="800" dirty="0">
-                <a:solidFill>
-                  <a:srgbClr val="000000"/>
-                </a:solidFill>
-              </a:rPr>
-              <a:t> </a:t>
+              <a:t>Source: ISC Research</a:t>
             </a:r>
           </a:p>
         </p:txBody>
@@ -5228,187 +5804,17 @@
     </p:spTree>
     <p:extLst>
       <p:ext uri="{BB962C8B-B14F-4D97-AF65-F5344CB8AC3E}">
-        <p14:creationId xmlns:p14="http://schemas.microsoft.com/office/powerpoint/2010/main" val="2485426592"/>
+        <p14:creationId xmlns:p14="http://schemas.microsoft.com/office/powerpoint/2010/main" val="2971807086"/>
       </p:ext>
     </p:extLst>
   </p:cSld>
   <p:clrMapOvr>
     <a:masterClrMapping/>
   </p:clrMapOvr>
-  <p:timing>
-    <p:tnLst>
-      <p:par>
-        <p:cTn id="1" dur="indefinite" restart="never" nodeType="tmRoot">
-          <p:childTnLst>
-            <p:seq concurrent="1" nextAc="seek">
-              <p:cTn id="2" dur="indefinite" nodeType="mainSeq">
-                <p:childTnLst>
-                  <p:par>
-                    <p:cTn id="3" fill="hold">
-                      <p:stCondLst>
-                        <p:cond delay="indefinite"/>
-                      </p:stCondLst>
-                      <p:childTnLst>
-                        <p:par>
-                          <p:cTn id="4" fill="hold">
-                            <p:stCondLst>
-                              <p:cond delay="0"/>
-                            </p:stCondLst>
-                            <p:childTnLst>
-                              <p:par>
-                                <p:cTn id="5" presetID="1" presetClass="entr" presetSubtype="0" fill="hold" grpId="0" nodeType="clickEffect">
-                                  <p:stCondLst>
-                                    <p:cond delay="0"/>
-                                  </p:stCondLst>
-                                  <p:childTnLst>
-                                    <p:set>
-                                      <p:cBhvr>
-                                        <p:cTn id="6" dur="1" fill="hold">
-                                          <p:stCondLst>
-                                            <p:cond delay="0"/>
-                                          </p:stCondLst>
-                                        </p:cTn>
-                                        <p:tgtEl>
-                                          <p:spTgt spid="11"/>
-                                        </p:tgtEl>
-                                        <p:attrNameLst>
-                                          <p:attrName>style.visibility</p:attrName>
-                                        </p:attrNameLst>
-                                      </p:cBhvr>
-                                      <p:to>
-                                        <p:strVal val="visible"/>
-                                      </p:to>
-                                    </p:set>
-                                  </p:childTnLst>
-                                </p:cTn>
-                              </p:par>
-                            </p:childTnLst>
-                          </p:cTn>
-                        </p:par>
-                      </p:childTnLst>
-                    </p:cTn>
-                  </p:par>
-                  <p:par>
-                    <p:cTn id="7" fill="hold">
-                      <p:stCondLst>
-                        <p:cond delay="indefinite"/>
-                      </p:stCondLst>
-                      <p:childTnLst>
-                        <p:par>
-                          <p:cTn id="8" fill="hold">
-                            <p:stCondLst>
-                              <p:cond delay="0"/>
-                            </p:stCondLst>
-                            <p:childTnLst>
-                              <p:par>
-                                <p:cTn id="9" presetID="1" presetClass="entr" presetSubtype="0" fill="hold" grpId="0" nodeType="clickEffect">
-                                  <p:stCondLst>
-                                    <p:cond delay="0"/>
-                                  </p:stCondLst>
-                                  <p:childTnLst>
-                                    <p:set>
-                                      <p:cBhvr>
-                                        <p:cTn id="10" dur="1" fill="hold">
-                                          <p:stCondLst>
-                                            <p:cond delay="0"/>
-                                          </p:stCondLst>
-                                        </p:cTn>
-                                        <p:tgtEl>
-                                          <p:spTgt spid="13"/>
-                                        </p:tgtEl>
-                                        <p:attrNameLst>
-                                          <p:attrName>style.visibility</p:attrName>
-                                        </p:attrNameLst>
-                                      </p:cBhvr>
-                                      <p:to>
-                                        <p:strVal val="visible"/>
-                                      </p:to>
-                                    </p:set>
-                                  </p:childTnLst>
-                                </p:cTn>
-                              </p:par>
-                            </p:childTnLst>
-                          </p:cTn>
-                        </p:par>
-                      </p:childTnLst>
-                    </p:cTn>
-                  </p:par>
-                  <p:par>
-                    <p:cTn id="11" fill="hold">
-                      <p:stCondLst>
-                        <p:cond delay="indefinite"/>
-                      </p:stCondLst>
-                      <p:childTnLst>
-                        <p:par>
-                          <p:cTn id="12" fill="hold">
-                            <p:stCondLst>
-                              <p:cond delay="0"/>
-                            </p:stCondLst>
-                            <p:childTnLst>
-                              <p:par>
-                                <p:cTn id="13" presetID="1" presetClass="entr" presetSubtype="0" fill="hold" grpId="0" nodeType="clickEffect">
-                                  <p:stCondLst>
-                                    <p:cond delay="0"/>
-                                  </p:stCondLst>
-                                  <p:childTnLst>
-                                    <p:set>
-                                      <p:cBhvr>
-                                        <p:cTn id="14" dur="1" fill="hold">
-                                          <p:stCondLst>
-                                            <p:cond delay="0"/>
-                                          </p:stCondLst>
-                                        </p:cTn>
-                                        <p:tgtEl>
-                                          <p:spTgt spid="14"/>
-                                        </p:tgtEl>
-                                        <p:attrNameLst>
-                                          <p:attrName>style.visibility</p:attrName>
-                                        </p:attrNameLst>
-                                      </p:cBhvr>
-                                      <p:to>
-                                        <p:strVal val="visible"/>
-                                      </p:to>
-                                    </p:set>
-                                  </p:childTnLst>
-                                </p:cTn>
-                              </p:par>
-                            </p:childTnLst>
-                          </p:cTn>
-                        </p:par>
-                      </p:childTnLst>
-                    </p:cTn>
-                  </p:par>
-                </p:childTnLst>
-              </p:cTn>
-              <p:prevCondLst>
-                <p:cond evt="onPrev" delay="0">
-                  <p:tgtEl>
-                    <p:sldTgt/>
-                  </p:tgtEl>
-                </p:cond>
-              </p:prevCondLst>
-              <p:nextCondLst>
-                <p:cond evt="onNext" delay="0">
-                  <p:tgtEl>
-                    <p:sldTgt/>
-                  </p:tgtEl>
-                </p:cond>
-              </p:nextCondLst>
-            </p:seq>
-          </p:childTnLst>
-        </p:cTn>
-      </p:par>
-    </p:tnLst>
-    <p:bldLst>
-      <p:bldP spid="11" grpId="0"/>
-      <p:bldP spid="13" grpId="0"/>
-      <p:bldP spid="14" grpId="0"/>
-    </p:bldLst>
-  </p:timing>
 </p:sld>
 </file>
 
-<file path=ppt/slides/slide3.xml><?xml version="1.0" encoding="utf-8"?>
+<file path=ppt/slides/slide4.xml><?xml version="1.0" encoding="utf-8"?>
 <p:sld xmlns:a="http://schemas.openxmlformats.org/drawingml/2006/main" xmlns:r="http://schemas.openxmlformats.org/officeDocument/2006/relationships" xmlns:p="http://schemas.openxmlformats.org/presentationml/2006/main">
   <p:cSld>
     <p:spTree>
@@ -5445,7 +5851,7 @@
           <a:graphicData uri="http://schemas.openxmlformats.org/presentationml/2006/ole">
             <mc:AlternateContent xmlns:mc="http://schemas.openxmlformats.org/markup-compatibility/2006">
               <mc:Choice xmlns:v="urn:schemas-microsoft-com:vml" Requires="v">
-                <p:oleObj spid="_x0000_s2083" r:id="rId5" imgW="0" imgH="0" progId="TCLayout.ActiveDocument.1">
+                <p:oleObj spid="_x0000_s20527" r:id="rId5" imgW="0" imgH="0" progId="TCLayout.ActiveDocument.1">
                   <p:embed/>
                 </p:oleObj>
               </mc:Choice>
@@ -5536,9 +5942,165 @@
           <a:p>
             <a:pPr algn="l"/>
             <a:r>
-              <a:rPr lang="en-US" sz="2000" b="1" dirty="0"/>
-              <a:t>Expansion of International Schools</a:t>
-            </a:r>
+              <a:rPr lang="en-US" sz="1800" b="1" dirty="0"/>
+              <a:t>Trends in Volume and Origin of International Students attending U.S. Universities</a:t>
+            </a:r>
+          </a:p>
+        </p:txBody>
+      </p:sp>
+      <p:sp>
+        <p:nvSpPr>
+          <p:cNvPr id="4" name="Star: 5 Points 3">
+            <a:extLst>
+              <a:ext uri="{FF2B5EF4-FFF2-40B4-BE49-F238E27FC236}">
+                <a16:creationId xmlns:a16="http://schemas.microsoft.com/office/drawing/2014/main" id="{5DBB10AA-4E5D-418B-9116-095EF7F2742E}"/>
+              </a:ext>
+            </a:extLst>
+          </p:cNvPr>
+          <p:cNvSpPr/>
+          <p:nvPr/>
+        </p:nvSpPr>
+        <p:spPr>
+          <a:xfrm>
+            <a:off x="433820" y="2057400"/>
+            <a:ext cx="76200" cy="76200"/>
+          </a:xfrm>
+          <a:prstGeom prst="star5">
+            <a:avLst/>
+          </a:prstGeom>
+          <a:solidFill>
+            <a:schemeClr val="accent2"/>
+          </a:solidFill>
+          <a:ln>
+            <a:noFill/>
+          </a:ln>
+        </p:spPr>
+        <p:style>
+          <a:lnRef idx="2">
+            <a:schemeClr val="accent1">
+              <a:shade val="50000"/>
+            </a:schemeClr>
+          </a:lnRef>
+          <a:fillRef idx="1">
+            <a:schemeClr val="accent1"/>
+          </a:fillRef>
+          <a:effectRef idx="0">
+            <a:schemeClr val="accent1"/>
+          </a:effectRef>
+          <a:fontRef idx="minor">
+            <a:schemeClr val="lt1"/>
+          </a:fontRef>
+        </p:style>
+        <p:txBody>
+          <a:bodyPr rtlCol="0" anchor="ctr"/>
+          <a:lstStyle/>
+          <a:p>
+            <a:pPr algn="ctr"/>
+            <a:endParaRPr lang="en-US"/>
+          </a:p>
+        </p:txBody>
+      </p:sp>
+      <p:sp>
+        <p:nvSpPr>
+          <p:cNvPr id="7" name="Star: 5 Points 6">
+            <a:extLst>
+              <a:ext uri="{FF2B5EF4-FFF2-40B4-BE49-F238E27FC236}">
+                <a16:creationId xmlns:a16="http://schemas.microsoft.com/office/drawing/2014/main" id="{1C9BEF6D-F56C-417B-A3AD-FD45D296E492}"/>
+              </a:ext>
+            </a:extLst>
+          </p:cNvPr>
+          <p:cNvSpPr/>
+          <p:nvPr/>
+        </p:nvSpPr>
+        <p:spPr>
+          <a:xfrm>
+            <a:off x="433820" y="2362200"/>
+            <a:ext cx="76200" cy="76200"/>
+          </a:xfrm>
+          <a:prstGeom prst="star5">
+            <a:avLst/>
+          </a:prstGeom>
+          <a:solidFill>
+            <a:schemeClr val="accent2"/>
+          </a:solidFill>
+          <a:ln>
+            <a:noFill/>
+          </a:ln>
+        </p:spPr>
+        <p:style>
+          <a:lnRef idx="2">
+            <a:schemeClr val="accent1">
+              <a:shade val="50000"/>
+            </a:schemeClr>
+          </a:lnRef>
+          <a:fillRef idx="1">
+            <a:schemeClr val="accent1"/>
+          </a:fillRef>
+          <a:effectRef idx="0">
+            <a:schemeClr val="accent1"/>
+          </a:effectRef>
+          <a:fontRef idx="minor">
+            <a:schemeClr val="lt1"/>
+          </a:fontRef>
+        </p:style>
+        <p:txBody>
+          <a:bodyPr rtlCol="0" anchor="ctr"/>
+          <a:lstStyle/>
+          <a:p>
+            <a:pPr algn="ctr"/>
+            <a:endParaRPr lang="en-US"/>
+          </a:p>
+        </p:txBody>
+      </p:sp>
+      <p:sp>
+        <p:nvSpPr>
+          <p:cNvPr id="8" name="Star: 5 Points 7">
+            <a:extLst>
+              <a:ext uri="{FF2B5EF4-FFF2-40B4-BE49-F238E27FC236}">
+                <a16:creationId xmlns:a16="http://schemas.microsoft.com/office/drawing/2014/main" id="{BA503142-E2D8-4207-A645-B8A44B598A79}"/>
+              </a:ext>
+            </a:extLst>
+          </p:cNvPr>
+          <p:cNvSpPr/>
+          <p:nvPr/>
+        </p:nvSpPr>
+        <p:spPr>
+          <a:xfrm>
+            <a:off x="433820" y="3810000"/>
+            <a:ext cx="76200" cy="76200"/>
+          </a:xfrm>
+          <a:prstGeom prst="star5">
+            <a:avLst/>
+          </a:prstGeom>
+          <a:solidFill>
+            <a:schemeClr val="accent2"/>
+          </a:solidFill>
+          <a:ln>
+            <a:noFill/>
+          </a:ln>
+        </p:spPr>
+        <p:style>
+          <a:lnRef idx="2">
+            <a:schemeClr val="accent1">
+              <a:shade val="50000"/>
+            </a:schemeClr>
+          </a:lnRef>
+          <a:fillRef idx="1">
+            <a:schemeClr val="accent1"/>
+          </a:fillRef>
+          <a:effectRef idx="0">
+            <a:schemeClr val="accent1"/>
+          </a:effectRef>
+          <a:fontRef idx="minor">
+            <a:schemeClr val="lt1"/>
+          </a:fontRef>
+        </p:style>
+        <p:txBody>
+          <a:bodyPr rtlCol="0" anchor="ctr"/>
+          <a:lstStyle/>
+          <a:p>
+            <a:pPr algn="ctr"/>
+            <a:endParaRPr lang="en-US"/>
           </a:p>
         </p:txBody>
       </p:sp>
@@ -5547,7 +6109,7 @@
           <p:cNvPr id="9" name="TextBox 8">
             <a:extLst>
               <a:ext uri="{FF2B5EF4-FFF2-40B4-BE49-F238E27FC236}">
-                <a16:creationId xmlns:a16="http://schemas.microsoft.com/office/drawing/2014/main" id="{63231AC0-A554-47CB-8464-A0B87102B8F7}"/>
+                <a16:creationId xmlns:a16="http://schemas.microsoft.com/office/drawing/2014/main" id="{DBC1203B-331D-4C84-9749-662B199D4B77}"/>
               </a:ext>
             </a:extLst>
           </p:cNvPr>
@@ -5556,8 +6118,8 @@
         </p:nvSpPr>
         <p:spPr>
           <a:xfrm>
-            <a:off x="590550" y="1066800"/>
-            <a:ext cx="7867650" cy="830997"/>
+            <a:off x="533400" y="1066800"/>
+            <a:ext cx="7867650" cy="338554"/>
           </a:xfrm>
           <a:prstGeom prst="rect">
             <a:avLst/>
@@ -5576,18 +6138,57 @@
                   <a:srgbClr val="000000"/>
                 </a:solidFill>
               </a:rPr>
-              <a:t>Thirty years ago, there were less than 1,000 international schools. By the year 2000, there were 2,500 schools and by 2016, there are more than 8,200 schools with 4.3 million students enrolled.</a:t>
+              <a:t>Top country origins align with leading growth markets for International Schools</a:t>
             </a:r>
             <a:endParaRPr lang="en-US" sz="1200" dirty="0"/>
+          </a:p>
+        </p:txBody>
+      </p:sp>
+      <p:sp>
+        <p:nvSpPr>
+          <p:cNvPr id="10" name="TextBox 9">
+            <a:extLst>
+              <a:ext uri="{FF2B5EF4-FFF2-40B4-BE49-F238E27FC236}">
+                <a16:creationId xmlns:a16="http://schemas.microsoft.com/office/drawing/2014/main" id="{86ACBD08-9BAE-4C28-BD76-3A8379268134}"/>
+              </a:ext>
+            </a:extLst>
+          </p:cNvPr>
+          <p:cNvSpPr txBox="1"/>
+          <p:nvPr/>
+        </p:nvSpPr>
+        <p:spPr>
+          <a:xfrm>
+            <a:off x="590550" y="6315015"/>
+            <a:ext cx="7867650" cy="215444"/>
+          </a:xfrm>
+          <a:prstGeom prst="rect">
+            <a:avLst/>
+          </a:prstGeom>
+          <a:noFill/>
+        </p:spPr>
+        <p:txBody>
+          <a:bodyPr wrap="square" rtlCol="0">
+            <a:spAutoFit/>
+          </a:bodyPr>
+          <a:lstStyle/>
+          <a:p>
+            <a:r>
+              <a:rPr lang="en-US" sz="800" dirty="0">
+                <a:solidFill>
+                  <a:srgbClr val="000000"/>
+                </a:solidFill>
+              </a:rPr>
+              <a:t>Source: IIE</a:t>
+            </a:r>
           </a:p>
         </p:txBody>
       </p:sp>
       <p:pic>
         <p:nvPicPr>
-          <p:cNvPr id="4" name="Picture 3">
+          <p:cNvPr id="2" name="Picture 1">
             <a:extLst>
               <a:ext uri="{FF2B5EF4-FFF2-40B4-BE49-F238E27FC236}">
-                <a16:creationId xmlns:a16="http://schemas.microsoft.com/office/drawing/2014/main" id="{420A7F9F-8AC0-4BD6-8105-F7ABCB6C8AD4}"/>
+                <a16:creationId xmlns:a16="http://schemas.microsoft.com/office/drawing/2014/main" id="{C7FB9E8D-4FFE-420D-B45E-4E8054E5C8B3}"/>
               </a:ext>
             </a:extLst>
           </p:cNvPr>
@@ -5604,191 +6205,28 @@
         </p:blipFill>
         <p:spPr>
           <a:xfrm>
-            <a:off x="590550" y="2057400"/>
-            <a:ext cx="8229600" cy="4043642"/>
+            <a:off x="547688" y="1600200"/>
+            <a:ext cx="8162492" cy="4165424"/>
           </a:xfrm>
           <a:prstGeom prst="rect">
             <a:avLst/>
           </a:prstGeom>
         </p:spPr>
       </p:pic>
-      <p:sp>
-        <p:nvSpPr>
-          <p:cNvPr id="10" name="TextBox 9">
-            <a:extLst>
-              <a:ext uri="{FF2B5EF4-FFF2-40B4-BE49-F238E27FC236}">
-                <a16:creationId xmlns:a16="http://schemas.microsoft.com/office/drawing/2014/main" id="{29203866-40A8-4140-B11F-EA99D624BA74}"/>
-              </a:ext>
-            </a:extLst>
-          </p:cNvPr>
-          <p:cNvSpPr txBox="1"/>
-          <p:nvPr/>
-        </p:nvSpPr>
-        <p:spPr>
-          <a:xfrm>
-            <a:off x="590550" y="6315015"/>
-            <a:ext cx="7867650" cy="215444"/>
-          </a:xfrm>
-          <a:prstGeom prst="rect">
-            <a:avLst/>
-          </a:prstGeom>
-          <a:noFill/>
-        </p:spPr>
-        <p:txBody>
-          <a:bodyPr wrap="square" rtlCol="0">
-            <a:spAutoFit/>
-          </a:bodyPr>
-          <a:lstStyle/>
-          <a:p>
-            <a:r>
-              <a:rPr lang="en-US" sz="800" dirty="0">
-                <a:solidFill>
-                  <a:srgbClr val="000000"/>
-                </a:solidFill>
-              </a:rPr>
-              <a:t>Source: ISC Research</a:t>
-            </a:r>
-          </a:p>
-        </p:txBody>
-      </p:sp>
     </p:spTree>
     <p:extLst>
       <p:ext uri="{BB962C8B-B14F-4D97-AF65-F5344CB8AC3E}">
-        <p14:creationId xmlns:p14="http://schemas.microsoft.com/office/powerpoint/2010/main" val="2971807086"/>
+        <p14:creationId xmlns:p14="http://schemas.microsoft.com/office/powerpoint/2010/main" val="2311429671"/>
       </p:ext>
     </p:extLst>
   </p:cSld>
   <p:clrMapOvr>
     <a:masterClrMapping/>
   </p:clrMapOvr>
-  <p:timing>
-    <p:tnLst>
-      <p:par>
-        <p:cTn id="1" dur="indefinite" restart="never" nodeType="tmRoot">
-          <p:childTnLst>
-            <p:seq concurrent="1" nextAc="seek">
-              <p:cTn id="2" dur="indefinite" nodeType="mainSeq">
-                <p:childTnLst>
-                  <p:par>
-                    <p:cTn id="3" fill="hold">
-                      <p:stCondLst>
-                        <p:cond delay="indefinite"/>
-                      </p:stCondLst>
-                      <p:childTnLst>
-                        <p:par>
-                          <p:cTn id="4" fill="hold">
-                            <p:stCondLst>
-                              <p:cond delay="0"/>
-                            </p:stCondLst>
-                            <p:childTnLst>
-                              <p:par>
-                                <p:cTn id="5" presetID="1" presetClass="entr" presetSubtype="0" fill="hold" grpId="0" nodeType="clickEffect">
-                                  <p:stCondLst>
-                                    <p:cond delay="0"/>
-                                  </p:stCondLst>
-                                  <p:childTnLst>
-                                    <p:set>
-                                      <p:cBhvr>
-                                        <p:cTn id="6" dur="1" fill="hold">
-                                          <p:stCondLst>
-                                            <p:cond delay="0"/>
-                                          </p:stCondLst>
-                                        </p:cTn>
-                                        <p:tgtEl>
-                                          <p:spTgt spid="9"/>
-                                        </p:tgtEl>
-                                        <p:attrNameLst>
-                                          <p:attrName>style.visibility</p:attrName>
-                                        </p:attrNameLst>
-                                      </p:cBhvr>
-                                      <p:to>
-                                        <p:strVal val="visible"/>
-                                      </p:to>
-                                    </p:set>
-                                  </p:childTnLst>
-                                </p:cTn>
-                              </p:par>
-                            </p:childTnLst>
-                          </p:cTn>
-                        </p:par>
-                      </p:childTnLst>
-                    </p:cTn>
-                  </p:par>
-                  <p:par>
-                    <p:cTn id="7" fill="hold">
-                      <p:stCondLst>
-                        <p:cond delay="indefinite"/>
-                      </p:stCondLst>
-                      <p:childTnLst>
-                        <p:par>
-                          <p:cTn id="8" fill="hold">
-                            <p:stCondLst>
-                              <p:cond delay="0"/>
-                            </p:stCondLst>
-                            <p:childTnLst>
-                              <p:par>
-                                <p:cTn id="9" presetID="1" presetClass="entr" presetSubtype="0" fill="hold" grpId="0" nodeType="clickEffect">
-                                  <p:stCondLst>
-                                    <p:cond delay="0"/>
-                                  </p:stCondLst>
-                                  <p:childTnLst>
-                                    <p:set>
-                                      <p:cBhvr>
-                                        <p:cTn id="10" dur="1" fill="hold">
-                                          <p:stCondLst>
-                                            <p:cond delay="0"/>
-                                          </p:stCondLst>
-                                        </p:cTn>
-                                        <p:tgtEl>
-                                          <p:spTgt spid="10"/>
-                                        </p:tgtEl>
-                                        <p:attrNameLst>
-                                          <p:attrName>style.visibility</p:attrName>
-                                        </p:attrNameLst>
-                                      </p:cBhvr>
-                                      <p:to>
-                                        <p:strVal val="visible"/>
-                                      </p:to>
-                                    </p:set>
-                                  </p:childTnLst>
-                                </p:cTn>
-                              </p:par>
-                            </p:childTnLst>
-                          </p:cTn>
-                        </p:par>
-                      </p:childTnLst>
-                    </p:cTn>
-                  </p:par>
-                </p:childTnLst>
-              </p:cTn>
-              <p:prevCondLst>
-                <p:cond evt="onPrev" delay="0">
-                  <p:tgtEl>
-                    <p:sldTgt/>
-                  </p:tgtEl>
-                </p:cond>
-              </p:prevCondLst>
-              <p:nextCondLst>
-                <p:cond evt="onNext" delay="0">
-                  <p:tgtEl>
-                    <p:sldTgt/>
-                  </p:tgtEl>
-                </p:cond>
-              </p:nextCondLst>
-            </p:seq>
-          </p:childTnLst>
-        </p:cTn>
-      </p:par>
-    </p:tnLst>
-    <p:bldLst>
-      <p:bldP spid="9" grpId="0"/>
-      <p:bldP spid="10" grpId="0"/>
-    </p:bldLst>
-  </p:timing>
 </p:sld>
 </file>
 
-<file path=ppt/slides/slide4.xml><?xml version="1.0" encoding="utf-8"?>
+<file path=ppt/slides/slide5.xml><?xml version="1.0" encoding="utf-8"?>
 <p:sld xmlns:a="http://schemas.openxmlformats.org/drawingml/2006/main" xmlns:r="http://schemas.openxmlformats.org/officeDocument/2006/relationships" xmlns:p="http://schemas.openxmlformats.org/presentationml/2006/main">
   <p:cSld>
     <p:spTree>
@@ -5825,7 +6263,7 @@
           <a:graphicData uri="http://schemas.openxmlformats.org/presentationml/2006/ole">
             <mc:AlternateContent xmlns:mc="http://schemas.openxmlformats.org/markup-compatibility/2006">
               <mc:Choice xmlns:v="urn:schemas-microsoft-com:vml" Requires="v">
-                <p:oleObj spid="_x0000_s20498" r:id="rId5" imgW="0" imgH="0" progId="TCLayout.ActiveDocument.1">
+                <p:oleObj spid="_x0000_s12345" r:id="rId5" imgW="0" imgH="0" progId="TCLayout.ActiveDocument.1">
                   <p:embed/>
                 </p:oleObj>
               </mc:Choice>
@@ -5917,17 +6355,57 @@
             <a:pPr algn="l"/>
             <a:r>
               <a:rPr lang="en-US" sz="1800" b="1" dirty="0"/>
-              <a:t>Trends in Volume and Origin of International Students attending U.S. Universities</a:t>
-            </a:r>
+              <a:t>Rankings of Top Global Higher Education Universities</a:t>
+            </a:r>
+          </a:p>
+        </p:txBody>
+      </p:sp>
+      <p:sp>
+        <p:nvSpPr>
+          <p:cNvPr id="8" name="TextBox 7">
+            <a:extLst>
+              <a:ext uri="{FF2B5EF4-FFF2-40B4-BE49-F238E27FC236}">
+                <a16:creationId xmlns:a16="http://schemas.microsoft.com/office/drawing/2014/main" id="{47E41CCE-D198-45AA-B43F-2D8DF6492A56}"/>
+              </a:ext>
+            </a:extLst>
+          </p:cNvPr>
+          <p:cNvSpPr txBox="1"/>
+          <p:nvPr/>
+        </p:nvSpPr>
+        <p:spPr>
+          <a:xfrm>
+            <a:off x="533400" y="1066800"/>
+            <a:ext cx="7867650" cy="338554"/>
+          </a:xfrm>
+          <a:prstGeom prst="rect">
+            <a:avLst/>
+          </a:prstGeom>
+          <a:noFill/>
+        </p:spPr>
+        <p:txBody>
+          <a:bodyPr wrap="square" rtlCol="0">
+            <a:spAutoFit/>
+          </a:bodyPr>
+          <a:lstStyle/>
+          <a:p>
+            <a:r>
+              <a:rPr lang="en-US" sz="1600" dirty="0">
+                <a:solidFill>
+                  <a:srgbClr val="000000"/>
+                </a:solidFill>
+              </a:rPr>
+              <a:t>U.S. continues to lead top-20 global university rankings</a:t>
+            </a:r>
+            <a:endParaRPr lang="en-US" sz="1200" dirty="0"/>
           </a:p>
         </p:txBody>
       </p:sp>
       <p:pic>
         <p:nvPicPr>
-          <p:cNvPr id="3" name="Picture 2">
+          <p:cNvPr id="5" name="Picture 4">
             <a:extLst>
               <a:ext uri="{FF2B5EF4-FFF2-40B4-BE49-F238E27FC236}">
-                <a16:creationId xmlns:a16="http://schemas.microsoft.com/office/drawing/2014/main" id="{6D3B294A-2924-403E-9D33-6F94BFD7F3BD}"/>
+                <a16:creationId xmlns:a16="http://schemas.microsoft.com/office/drawing/2014/main" id="{55DD2E57-CAB7-4872-91AF-F43AB4869E2F}"/>
               </a:ext>
             </a:extLst>
           </p:cNvPr>
@@ -5944,8 +6422,8 @@
         </p:blipFill>
         <p:spPr>
           <a:xfrm>
-            <a:off x="609600" y="1600200"/>
-            <a:ext cx="8115168" cy="4724398"/>
+            <a:off x="838200" y="1432568"/>
+            <a:ext cx="6648450" cy="5236908"/>
           </a:xfrm>
           <a:prstGeom prst="rect">
             <a:avLst/>
@@ -5954,166 +6432,10 @@
       </p:pic>
       <p:sp>
         <p:nvSpPr>
-          <p:cNvPr id="4" name="Star: 5 Points 3">
-            <a:extLst>
-              <a:ext uri="{FF2B5EF4-FFF2-40B4-BE49-F238E27FC236}">
-                <a16:creationId xmlns:a16="http://schemas.microsoft.com/office/drawing/2014/main" id="{5DBB10AA-4E5D-418B-9116-095EF7F2742E}"/>
-              </a:ext>
-            </a:extLst>
-          </p:cNvPr>
-          <p:cNvSpPr/>
-          <p:nvPr/>
-        </p:nvSpPr>
-        <p:spPr>
-          <a:xfrm>
-            <a:off x="433820" y="2057400"/>
-            <a:ext cx="76200" cy="76200"/>
-          </a:xfrm>
-          <a:prstGeom prst="star5">
-            <a:avLst/>
-          </a:prstGeom>
-          <a:solidFill>
-            <a:schemeClr val="accent2"/>
-          </a:solidFill>
-          <a:ln>
-            <a:noFill/>
-          </a:ln>
-        </p:spPr>
-        <p:style>
-          <a:lnRef idx="2">
-            <a:schemeClr val="accent1">
-              <a:shade val="50000"/>
-            </a:schemeClr>
-          </a:lnRef>
-          <a:fillRef idx="1">
-            <a:schemeClr val="accent1"/>
-          </a:fillRef>
-          <a:effectRef idx="0">
-            <a:schemeClr val="accent1"/>
-          </a:effectRef>
-          <a:fontRef idx="minor">
-            <a:schemeClr val="lt1"/>
-          </a:fontRef>
-        </p:style>
-        <p:txBody>
-          <a:bodyPr rtlCol="0" anchor="ctr"/>
-          <a:lstStyle/>
-          <a:p>
-            <a:pPr algn="ctr"/>
-            <a:endParaRPr lang="en-US"/>
-          </a:p>
-        </p:txBody>
-      </p:sp>
-      <p:sp>
-        <p:nvSpPr>
-          <p:cNvPr id="7" name="Star: 5 Points 6">
-            <a:extLst>
-              <a:ext uri="{FF2B5EF4-FFF2-40B4-BE49-F238E27FC236}">
-                <a16:creationId xmlns:a16="http://schemas.microsoft.com/office/drawing/2014/main" id="{1C9BEF6D-F56C-417B-A3AD-FD45D296E492}"/>
-              </a:ext>
-            </a:extLst>
-          </p:cNvPr>
-          <p:cNvSpPr/>
-          <p:nvPr/>
-        </p:nvSpPr>
-        <p:spPr>
-          <a:xfrm>
-            <a:off x="433820" y="2362200"/>
-            <a:ext cx="76200" cy="76200"/>
-          </a:xfrm>
-          <a:prstGeom prst="star5">
-            <a:avLst/>
-          </a:prstGeom>
-          <a:solidFill>
-            <a:schemeClr val="accent2"/>
-          </a:solidFill>
-          <a:ln>
-            <a:noFill/>
-          </a:ln>
-        </p:spPr>
-        <p:style>
-          <a:lnRef idx="2">
-            <a:schemeClr val="accent1">
-              <a:shade val="50000"/>
-            </a:schemeClr>
-          </a:lnRef>
-          <a:fillRef idx="1">
-            <a:schemeClr val="accent1"/>
-          </a:fillRef>
-          <a:effectRef idx="0">
-            <a:schemeClr val="accent1"/>
-          </a:effectRef>
-          <a:fontRef idx="minor">
-            <a:schemeClr val="lt1"/>
-          </a:fontRef>
-        </p:style>
-        <p:txBody>
-          <a:bodyPr rtlCol="0" anchor="ctr"/>
-          <a:lstStyle/>
-          <a:p>
-            <a:pPr algn="ctr"/>
-            <a:endParaRPr lang="en-US"/>
-          </a:p>
-        </p:txBody>
-      </p:sp>
-      <p:sp>
-        <p:nvSpPr>
-          <p:cNvPr id="8" name="Star: 5 Points 7">
-            <a:extLst>
-              <a:ext uri="{FF2B5EF4-FFF2-40B4-BE49-F238E27FC236}">
-                <a16:creationId xmlns:a16="http://schemas.microsoft.com/office/drawing/2014/main" id="{BA503142-E2D8-4207-A645-B8A44B598A79}"/>
-              </a:ext>
-            </a:extLst>
-          </p:cNvPr>
-          <p:cNvSpPr/>
-          <p:nvPr/>
-        </p:nvSpPr>
-        <p:spPr>
-          <a:xfrm>
-            <a:off x="433820" y="3810000"/>
-            <a:ext cx="76200" cy="76200"/>
-          </a:xfrm>
-          <a:prstGeom prst="star5">
-            <a:avLst/>
-          </a:prstGeom>
-          <a:solidFill>
-            <a:schemeClr val="accent2"/>
-          </a:solidFill>
-          <a:ln>
-            <a:noFill/>
-          </a:ln>
-        </p:spPr>
-        <p:style>
-          <a:lnRef idx="2">
-            <a:schemeClr val="accent1">
-              <a:shade val="50000"/>
-            </a:schemeClr>
-          </a:lnRef>
-          <a:fillRef idx="1">
-            <a:schemeClr val="accent1"/>
-          </a:fillRef>
-          <a:effectRef idx="0">
-            <a:schemeClr val="accent1"/>
-          </a:effectRef>
-          <a:fontRef idx="minor">
-            <a:schemeClr val="lt1"/>
-          </a:fontRef>
-        </p:style>
-        <p:txBody>
-          <a:bodyPr rtlCol="0" anchor="ctr"/>
-          <a:lstStyle/>
-          <a:p>
-            <a:pPr algn="ctr"/>
-            <a:endParaRPr lang="en-US"/>
-          </a:p>
-        </p:txBody>
-      </p:sp>
-      <p:sp>
-        <p:nvSpPr>
           <p:cNvPr id="9" name="TextBox 8">
             <a:extLst>
               <a:ext uri="{FF2B5EF4-FFF2-40B4-BE49-F238E27FC236}">
-                <a16:creationId xmlns:a16="http://schemas.microsoft.com/office/drawing/2014/main" id="{DBC1203B-331D-4C84-9749-662B199D4B77}"/>
+                <a16:creationId xmlns:a16="http://schemas.microsoft.com/office/drawing/2014/main" id="{FEE8F938-12E7-4107-883D-A6944381F53B}"/>
               </a:ext>
             </a:extLst>
           </p:cNvPr>
@@ -6122,48 +6444,8 @@
         </p:nvSpPr>
         <p:spPr>
           <a:xfrm>
-            <a:off x="533400" y="1066800"/>
-            <a:ext cx="7867650" cy="338554"/>
-          </a:xfrm>
-          <a:prstGeom prst="rect">
-            <a:avLst/>
-          </a:prstGeom>
-          <a:noFill/>
-        </p:spPr>
-        <p:txBody>
-          <a:bodyPr wrap="square" rtlCol="0">
-            <a:spAutoFit/>
-          </a:bodyPr>
-          <a:lstStyle/>
-          <a:p>
-            <a:r>
-              <a:rPr lang="en-US" sz="1600" dirty="0">
-                <a:solidFill>
-                  <a:srgbClr val="000000"/>
-                </a:solidFill>
-              </a:rPr>
-              <a:t>Top country origins align with leading growth markets for International Schools</a:t>
-            </a:r>
-            <a:endParaRPr lang="en-US" sz="1200" dirty="0"/>
-          </a:p>
-        </p:txBody>
-      </p:sp>
-      <p:sp>
-        <p:nvSpPr>
-          <p:cNvPr id="10" name="TextBox 9">
-            <a:extLst>
-              <a:ext uri="{FF2B5EF4-FFF2-40B4-BE49-F238E27FC236}">
-                <a16:creationId xmlns:a16="http://schemas.microsoft.com/office/drawing/2014/main" id="{86ACBD08-9BAE-4C28-BD76-3A8379268134}"/>
-              </a:ext>
-            </a:extLst>
-          </p:cNvPr>
-          <p:cNvSpPr txBox="1"/>
-          <p:nvPr/>
-        </p:nvSpPr>
-        <p:spPr>
-          <a:xfrm>
-            <a:off x="590550" y="6315015"/>
-            <a:ext cx="7867650" cy="215444"/>
+            <a:off x="2057400" y="6337756"/>
+            <a:ext cx="5200650" cy="215444"/>
           </a:xfrm>
           <a:prstGeom prst="rect">
             <a:avLst/>
@@ -6190,141 +6472,273 @@
     </p:spTree>
     <p:extLst>
       <p:ext uri="{BB962C8B-B14F-4D97-AF65-F5344CB8AC3E}">
-        <p14:creationId xmlns:p14="http://schemas.microsoft.com/office/powerpoint/2010/main" val="2311429671"/>
+        <p14:creationId xmlns:p14="http://schemas.microsoft.com/office/powerpoint/2010/main" val="2026854121"/>
       </p:ext>
     </p:extLst>
   </p:cSld>
   <p:clrMapOvr>
     <a:masterClrMapping/>
   </p:clrMapOvr>
-  <p:timing>
-    <p:tnLst>
-      <p:par>
-        <p:cTn id="1" dur="indefinite" restart="never" nodeType="tmRoot">
-          <p:childTnLst>
-            <p:seq concurrent="1" nextAc="seek">
-              <p:cTn id="2" dur="indefinite" nodeType="mainSeq">
-                <p:childTnLst>
-                  <p:par>
-                    <p:cTn id="3" fill="hold">
-                      <p:stCondLst>
-                        <p:cond delay="indefinite"/>
-                      </p:stCondLst>
-                      <p:childTnLst>
-                        <p:par>
-                          <p:cTn id="4" fill="hold">
-                            <p:stCondLst>
-                              <p:cond delay="0"/>
-                            </p:stCondLst>
-                            <p:childTnLst>
-                              <p:par>
-                                <p:cTn id="5" presetID="1" presetClass="entr" presetSubtype="0" fill="hold" grpId="0" nodeType="clickEffect">
-                                  <p:stCondLst>
-                                    <p:cond delay="0"/>
-                                  </p:stCondLst>
-                                  <p:childTnLst>
-                                    <p:set>
-                                      <p:cBhvr>
-                                        <p:cTn id="6" dur="1" fill="hold">
-                                          <p:stCondLst>
-                                            <p:cond delay="0"/>
-                                          </p:stCondLst>
-                                        </p:cTn>
-                                        <p:tgtEl>
-                                          <p:spTgt spid="9"/>
-                                        </p:tgtEl>
-                                        <p:attrNameLst>
-                                          <p:attrName>style.visibility</p:attrName>
-                                        </p:attrNameLst>
-                                      </p:cBhvr>
-                                      <p:to>
-                                        <p:strVal val="visible"/>
-                                      </p:to>
-                                    </p:set>
-                                  </p:childTnLst>
-                                </p:cTn>
-                              </p:par>
-                            </p:childTnLst>
-                          </p:cTn>
-                        </p:par>
-                      </p:childTnLst>
-                    </p:cTn>
-                  </p:par>
-                  <p:par>
-                    <p:cTn id="7" fill="hold">
-                      <p:stCondLst>
-                        <p:cond delay="indefinite"/>
-                      </p:stCondLst>
-                      <p:childTnLst>
-                        <p:par>
-                          <p:cTn id="8" fill="hold">
-                            <p:stCondLst>
-                              <p:cond delay="0"/>
-                            </p:stCondLst>
-                            <p:childTnLst>
-                              <p:par>
-                                <p:cTn id="9" presetID="1" presetClass="entr" presetSubtype="0" fill="hold" grpId="0" nodeType="clickEffect">
-                                  <p:stCondLst>
-                                    <p:cond delay="0"/>
-                                  </p:stCondLst>
-                                  <p:childTnLst>
-                                    <p:set>
-                                      <p:cBhvr>
-                                        <p:cTn id="10" dur="1" fill="hold">
-                                          <p:stCondLst>
-                                            <p:cond delay="0"/>
-                                          </p:stCondLst>
-                                        </p:cTn>
-                                        <p:tgtEl>
-                                          <p:spTgt spid="10"/>
-                                        </p:tgtEl>
-                                        <p:attrNameLst>
-                                          <p:attrName>style.visibility</p:attrName>
-                                        </p:attrNameLst>
-                                      </p:cBhvr>
-                                      <p:to>
-                                        <p:strVal val="visible"/>
-                                      </p:to>
-                                    </p:set>
-                                  </p:childTnLst>
-                                </p:cTn>
-                              </p:par>
-                            </p:childTnLst>
-                          </p:cTn>
-                        </p:par>
-                      </p:childTnLst>
-                    </p:cTn>
-                  </p:par>
-                </p:childTnLst>
-              </p:cTn>
-              <p:prevCondLst>
-                <p:cond evt="onPrev" delay="0">
-                  <p:tgtEl>
-                    <p:sldTgt/>
-                  </p:tgtEl>
-                </p:cond>
-              </p:prevCondLst>
-              <p:nextCondLst>
-                <p:cond evt="onNext" delay="0">
-                  <p:tgtEl>
-                    <p:sldTgt/>
-                  </p:tgtEl>
-                </p:cond>
-              </p:nextCondLst>
-            </p:seq>
-          </p:childTnLst>
-        </p:cTn>
-      </p:par>
-    </p:tnLst>
-    <p:bldLst>
-      <p:bldP spid="9" grpId="0"/>
-      <p:bldP spid="10" grpId="0"/>
-    </p:bldLst>
-  </p:timing>
 </p:sld>
 </file>
 
-<file path=ppt/slides/slide5.xml><?xml version="1.0" encoding="utf-8"?>
+<file path=ppt/slides/slide6.xml><?xml version="1.0" encoding="utf-8"?>
+<p:sld xmlns:a="http://schemas.openxmlformats.org/drawingml/2006/main" xmlns:r="http://schemas.openxmlformats.org/officeDocument/2006/relationships" xmlns:p="http://schemas.openxmlformats.org/presentationml/2006/main">
+  <p:cSld>
+    <p:spTree>
+      <p:nvGrpSpPr>
+        <p:cNvPr id="1" name=""/>
+        <p:cNvGrpSpPr/>
+        <p:nvPr/>
+      </p:nvGrpSpPr>
+      <p:grpSpPr>
+        <a:xfrm>
+          <a:off x="0" y="0"/>
+          <a:ext cx="0" cy="0"/>
+          <a:chOff x="0" y="0"/>
+          <a:chExt cx="0" cy="0"/>
+        </a:xfrm>
+      </p:grpSpPr>
+      <p:pic>
+        <p:nvPicPr>
+          <p:cNvPr id="4" name="Picture 3">
+            <a:extLst>
+              <a:ext uri="{FF2B5EF4-FFF2-40B4-BE49-F238E27FC236}">
+                <a16:creationId xmlns:a16="http://schemas.microsoft.com/office/drawing/2014/main" id="{9910E4CE-E7B5-4D4B-B758-ABCC642E4D34}"/>
+              </a:ext>
+            </a:extLst>
+          </p:cNvPr>
+          <p:cNvPicPr>
+            <a:picLocks noChangeAspect="1"/>
+          </p:cNvPicPr>
+          <p:nvPr/>
+        </p:nvPicPr>
+        <p:blipFill>
+          <a:blip r:embed="rId5"/>
+          <a:stretch>
+            <a:fillRect/>
+          </a:stretch>
+        </p:blipFill>
+        <p:spPr>
+          <a:xfrm>
+            <a:off x="609600" y="1524000"/>
+            <a:ext cx="7715250" cy="5102326"/>
+          </a:xfrm>
+          <a:prstGeom prst="rect">
+            <a:avLst/>
+          </a:prstGeom>
+        </p:spPr>
+      </p:pic>
+      <p:graphicFrame>
+        <p:nvGraphicFramePr>
+          <p:cNvPr id="235522" name="Rectangle 2" hidden="1"/>
+          <p:cNvGraphicFramePr>
+            <a:graphicFrameLocks/>
+          </p:cNvGraphicFramePr>
+          <p:nvPr>
+            <p:custDataLst>
+              <p:tags r:id="rId2"/>
+            </p:custDataLst>
+          </p:nvPr>
+        </p:nvGraphicFramePr>
+        <p:xfrm>
+          <a:off x="0" y="-305118"/>
+          <a:ext cx="158519" cy="158518"/>
+        </p:xfrm>
+        <a:graphic>
+          <a:graphicData uri="http://schemas.openxmlformats.org/presentationml/2006/ole">
+            <mc:AlternateContent xmlns:mc="http://schemas.openxmlformats.org/markup-compatibility/2006">
+              <mc:Choice xmlns:v="urn:schemas-microsoft-com:vml" Requires="v">
+                <p:oleObj spid="_x0000_s16439" r:id="rId6" imgW="0" imgH="0" progId="TCLayout.ActiveDocument.1">
+                  <p:embed/>
+                </p:oleObj>
+              </mc:Choice>
+              <mc:Fallback>
+                <p:oleObj r:id="rId6" imgW="0" imgH="0" progId="TCLayout.ActiveDocument.1">
+                  <p:embed/>
+                  <p:pic>
+                    <p:nvPicPr>
+                      <p:cNvPr id="235522" name="Rectangle 2" hidden="1"/>
+                      <p:cNvPicPr preferRelativeResize="0">
+                        <a:picLocks noChangeArrowheads="1"/>
+                      </p:cNvPicPr>
+                      <p:nvPr/>
+                    </p:nvPicPr>
+                    <p:blipFill>
+                      <a:blip>
+                        <a:extLst>
+                          <a:ext uri="{28A0092B-C50C-407E-A947-70E740481C1C}">
+                            <a14:useLocalDpi xmlns:a14="http://schemas.microsoft.com/office/drawing/2010/main" val="0"/>
+                          </a:ext>
+                        </a:extLst>
+                      </a:blip>
+                      <a:srcRect/>
+                      <a:stretch>
+                        <a:fillRect/>
+                      </a:stretch>
+                    </p:blipFill>
+                    <p:spPr bwMode="auto">
+                      <a:xfrm>
+                        <a:off x="0" y="-305118"/>
+                        <a:ext cx="158519" cy="158518"/>
+                      </a:xfrm>
+                      <a:prstGeom prst="rect">
+                        <a:avLst/>
+                      </a:prstGeom>
+                      <a:noFill/>
+                      <a:ln>
+                        <a:noFill/>
+                      </a:ln>
+                      <a:extLst>
+                        <a:ext uri="{909E8E84-426E-40DD-AFC4-6F175D3DCCD1}">
+                          <a14:hiddenFill xmlns:a14="http://schemas.microsoft.com/office/drawing/2010/main">
+                            <a:solidFill>
+                              <a:srgbClr val="FFFFFF"/>
+                            </a:solidFill>
+                          </a14:hiddenFill>
+                        </a:ext>
+                        <a:ext uri="{91240B29-F687-4F45-9708-019B960494DF}">
+                          <a14:hiddenLine xmlns:a14="http://schemas.microsoft.com/office/drawing/2010/main" w="9525">
+                            <a:solidFill>
+                              <a:srgbClr val="000000"/>
+                            </a:solidFill>
+                            <a:miter lim="800000"/>
+                            <a:headEnd/>
+                            <a:tailEnd/>
+                          </a14:hiddenLine>
+                        </a:ext>
+                      </a:extLst>
+                    </p:spPr>
+                  </p:pic>
+                </p:oleObj>
+              </mc:Fallback>
+            </mc:AlternateContent>
+          </a:graphicData>
+        </a:graphic>
+      </p:graphicFrame>
+      <p:sp>
+        <p:nvSpPr>
+          <p:cNvPr id="47" name="Title 40"/>
+          <p:cNvSpPr>
+            <a:spLocks noGrp="1"/>
+          </p:cNvSpPr>
+          <p:nvPr>
+            <p:ph type="title"/>
+          </p:nvPr>
+        </p:nvSpPr>
+        <p:spPr>
+          <a:xfrm>
+            <a:off x="533400" y="411162"/>
+            <a:ext cx="8001000" cy="808038"/>
+          </a:xfrm>
+        </p:spPr>
+        <p:txBody>
+          <a:bodyPr>
+            <a:normAutofit/>
+          </a:bodyPr>
+          <a:lstStyle/>
+          <a:p>
+            <a:pPr algn="l"/>
+            <a:r>
+              <a:rPr lang="en-US" sz="1800" b="1" dirty="0"/>
+              <a:t>Growth of International Students University Destinations</a:t>
+            </a:r>
+          </a:p>
+        </p:txBody>
+      </p:sp>
+      <p:sp>
+        <p:nvSpPr>
+          <p:cNvPr id="6" name="TextBox 5">
+            <a:extLst>
+              <a:ext uri="{FF2B5EF4-FFF2-40B4-BE49-F238E27FC236}">
+                <a16:creationId xmlns:a16="http://schemas.microsoft.com/office/drawing/2014/main" id="{83191124-4FA7-4632-BCE7-455E6ECDDBBC}"/>
+              </a:ext>
+            </a:extLst>
+          </p:cNvPr>
+          <p:cNvSpPr txBox="1"/>
+          <p:nvPr/>
+        </p:nvSpPr>
+        <p:spPr>
+          <a:xfrm>
+            <a:off x="533400" y="1066800"/>
+            <a:ext cx="7867650" cy="338554"/>
+          </a:xfrm>
+          <a:prstGeom prst="rect">
+            <a:avLst/>
+          </a:prstGeom>
+          <a:noFill/>
+        </p:spPr>
+        <p:txBody>
+          <a:bodyPr wrap="square" rtlCol="0">
+            <a:spAutoFit/>
+          </a:bodyPr>
+          <a:lstStyle/>
+          <a:p>
+            <a:r>
+              <a:rPr lang="en-US" sz="1600" dirty="0">
+                <a:solidFill>
+                  <a:srgbClr val="000000"/>
+                </a:solidFill>
+              </a:rPr>
+              <a:t>The leading city and county destinations of international university students</a:t>
+            </a:r>
+            <a:endParaRPr lang="en-US" sz="1200" dirty="0"/>
+          </a:p>
+        </p:txBody>
+      </p:sp>
+      <p:sp>
+        <p:nvSpPr>
+          <p:cNvPr id="7" name="TextBox 6">
+            <a:extLst>
+              <a:ext uri="{FF2B5EF4-FFF2-40B4-BE49-F238E27FC236}">
+                <a16:creationId xmlns:a16="http://schemas.microsoft.com/office/drawing/2014/main" id="{FF90D483-10FC-4E1A-BD65-7BD192EE77BC}"/>
+              </a:ext>
+            </a:extLst>
+          </p:cNvPr>
+          <p:cNvSpPr txBox="1"/>
+          <p:nvPr/>
+        </p:nvSpPr>
+        <p:spPr>
+          <a:xfrm>
+            <a:off x="2114550" y="6248400"/>
+            <a:ext cx="933450" cy="215444"/>
+          </a:xfrm>
+          <a:prstGeom prst="rect">
+            <a:avLst/>
+          </a:prstGeom>
+          <a:noFill/>
+        </p:spPr>
+        <p:txBody>
+          <a:bodyPr wrap="square" rtlCol="0">
+            <a:spAutoFit/>
+          </a:bodyPr>
+          <a:lstStyle/>
+          <a:p>
+            <a:r>
+              <a:rPr lang="en-US" sz="800" dirty="0">
+                <a:solidFill>
+                  <a:srgbClr val="000000"/>
+                </a:solidFill>
+              </a:rPr>
+              <a:t>Source: IIE</a:t>
+            </a:r>
+          </a:p>
+        </p:txBody>
+      </p:sp>
+    </p:spTree>
+    <p:extLst>
+      <p:ext uri="{BB962C8B-B14F-4D97-AF65-F5344CB8AC3E}">
+        <p14:creationId xmlns:p14="http://schemas.microsoft.com/office/powerpoint/2010/main" val="534505868"/>
+      </p:ext>
+    </p:extLst>
+  </p:cSld>
+  <p:clrMapOvr>
+    <a:masterClrMapping/>
+  </p:clrMapOvr>
+</p:sld>
+</file>
+
+<file path=ppt/slides/slide7.xml><?xml version="1.0" encoding="utf-8"?>
 <p:sld xmlns:a="http://schemas.openxmlformats.org/drawingml/2006/main" xmlns:r="http://schemas.openxmlformats.org/officeDocument/2006/relationships" xmlns:p="http://schemas.openxmlformats.org/presentationml/2006/main">
   <p:cSld>
     <p:spTree>
@@ -6361,7 +6775,7 @@
           <a:graphicData uri="http://schemas.openxmlformats.org/presentationml/2006/ole">
             <mc:AlternateContent xmlns:mc="http://schemas.openxmlformats.org/markup-compatibility/2006">
               <mc:Choice xmlns:v="urn:schemas-microsoft-com:vml" Requires="v">
-                <p:oleObj spid="_x0000_s12316" r:id="rId5" imgW="0" imgH="0" progId="TCLayout.ActiveDocument.1">
+                <p:oleObj spid="_x0000_s15416" r:id="rId5" imgW="0" imgH="0" progId="TCLayout.ActiveDocument.1">
                   <p:embed/>
                 </p:oleObj>
               </mc:Choice>
@@ -6453,47 +6867,17 @@
             <a:pPr algn="l"/>
             <a:r>
               <a:rPr lang="en-US" sz="1800" b="1" dirty="0"/>
-              <a:t>Rankings of Top Global Higher Education Universities</a:t>
-            </a:r>
-          </a:p>
-        </p:txBody>
-      </p:sp>
-      <p:pic>
-        <p:nvPicPr>
-          <p:cNvPr id="4" name="Picture 3">
+              <a:t>Trends in minority household composition by county/city</a:t>
+            </a:r>
+          </a:p>
+        </p:txBody>
+      </p:sp>
+      <p:sp>
+        <p:nvSpPr>
+          <p:cNvPr id="4" name="TextBox 3">
             <a:extLst>
               <a:ext uri="{FF2B5EF4-FFF2-40B4-BE49-F238E27FC236}">
-                <a16:creationId xmlns:a16="http://schemas.microsoft.com/office/drawing/2014/main" id="{5E6AE00D-860A-4C59-9518-7E595AAF2F8C}"/>
-              </a:ext>
-            </a:extLst>
-          </p:cNvPr>
-          <p:cNvPicPr>
-            <a:picLocks noChangeAspect="1"/>
-          </p:cNvPicPr>
-          <p:nvPr/>
-        </p:nvPicPr>
-        <p:blipFill>
-          <a:blip r:embed="rId6"/>
-          <a:stretch>
-            <a:fillRect/>
-          </a:stretch>
-        </p:blipFill>
-        <p:spPr>
-          <a:xfrm>
-            <a:off x="1158468" y="1511808"/>
-            <a:ext cx="7561333" cy="4935030"/>
-          </a:xfrm>
-          <a:prstGeom prst="rect">
-            <a:avLst/>
-          </a:prstGeom>
-        </p:spPr>
-      </p:pic>
-      <p:sp>
-        <p:nvSpPr>
-          <p:cNvPr id="8" name="TextBox 7">
-            <a:extLst>
-              <a:ext uri="{FF2B5EF4-FFF2-40B4-BE49-F238E27FC236}">
-                <a16:creationId xmlns:a16="http://schemas.microsoft.com/office/drawing/2014/main" id="{47E41CCE-D198-45AA-B43F-2D8DF6492A56}"/>
+                <a16:creationId xmlns:a16="http://schemas.microsoft.com/office/drawing/2014/main" id="{5C6E2C4A-BB98-4D92-89E1-6FBF5EDC9F78}"/>
               </a:ext>
             </a:extLst>
           </p:cNvPr>
@@ -6502,46 +6886,6 @@
         </p:nvSpPr>
         <p:spPr>
           <a:xfrm>
-            <a:off x="533400" y="1066800"/>
-            <a:ext cx="7867650" cy="338554"/>
-          </a:xfrm>
-          <a:prstGeom prst="rect">
-            <a:avLst/>
-          </a:prstGeom>
-          <a:noFill/>
-        </p:spPr>
-        <p:txBody>
-          <a:bodyPr wrap="square" rtlCol="0">
-            <a:spAutoFit/>
-          </a:bodyPr>
-          <a:lstStyle/>
-          <a:p>
-            <a:r>
-              <a:rPr lang="en-US" sz="1600" dirty="0">
-                <a:solidFill>
-                  <a:srgbClr val="000000"/>
-                </a:solidFill>
-              </a:rPr>
-              <a:t>U.S. Universities continue to lead top global rankings</a:t>
-            </a:r>
-            <a:endParaRPr lang="en-US" sz="1200" dirty="0"/>
-          </a:p>
-        </p:txBody>
-      </p:sp>
-      <p:sp>
-        <p:nvSpPr>
-          <p:cNvPr id="9" name="TextBox 8">
-            <a:extLst>
-              <a:ext uri="{FF2B5EF4-FFF2-40B4-BE49-F238E27FC236}">
-                <a16:creationId xmlns:a16="http://schemas.microsoft.com/office/drawing/2014/main" id="{FEE8F938-12E7-4107-883D-A6944381F53B}"/>
-              </a:ext>
-            </a:extLst>
-          </p:cNvPr>
-          <p:cNvSpPr txBox="1"/>
-          <p:nvPr/>
-        </p:nvSpPr>
-        <p:spPr>
-          <a:xfrm>
             <a:off x="590550" y="6315015"/>
             <a:ext cx="7867650" cy="215444"/>
           </a:xfrm>
@@ -6562,7 +6906,7 @@
                   <a:srgbClr val="000000"/>
                 </a:solidFill>
               </a:rPr>
-              <a:t>Source: IIE</a:t>
+              <a:t>Source: 2000-2016 Census</a:t>
             </a:r>
           </a:p>
         </p:txBody>
@@ -6570,141 +6914,17 @@
     </p:spTree>
     <p:extLst>
       <p:ext uri="{BB962C8B-B14F-4D97-AF65-F5344CB8AC3E}">
-        <p14:creationId xmlns:p14="http://schemas.microsoft.com/office/powerpoint/2010/main" val="2026854121"/>
+        <p14:creationId xmlns:p14="http://schemas.microsoft.com/office/powerpoint/2010/main" val="3757983748"/>
       </p:ext>
     </p:extLst>
   </p:cSld>
   <p:clrMapOvr>
     <a:masterClrMapping/>
   </p:clrMapOvr>
-  <p:timing>
-    <p:tnLst>
-      <p:par>
-        <p:cTn id="1" dur="indefinite" restart="never" nodeType="tmRoot">
-          <p:childTnLst>
-            <p:seq concurrent="1" nextAc="seek">
-              <p:cTn id="2" dur="indefinite" nodeType="mainSeq">
-                <p:childTnLst>
-                  <p:par>
-                    <p:cTn id="3" fill="hold">
-                      <p:stCondLst>
-                        <p:cond delay="indefinite"/>
-                      </p:stCondLst>
-                      <p:childTnLst>
-                        <p:par>
-                          <p:cTn id="4" fill="hold">
-                            <p:stCondLst>
-                              <p:cond delay="0"/>
-                            </p:stCondLst>
-                            <p:childTnLst>
-                              <p:par>
-                                <p:cTn id="5" presetID="1" presetClass="entr" presetSubtype="0" fill="hold" grpId="0" nodeType="clickEffect">
-                                  <p:stCondLst>
-                                    <p:cond delay="0"/>
-                                  </p:stCondLst>
-                                  <p:childTnLst>
-                                    <p:set>
-                                      <p:cBhvr>
-                                        <p:cTn id="6" dur="1" fill="hold">
-                                          <p:stCondLst>
-                                            <p:cond delay="0"/>
-                                          </p:stCondLst>
-                                        </p:cTn>
-                                        <p:tgtEl>
-                                          <p:spTgt spid="8"/>
-                                        </p:tgtEl>
-                                        <p:attrNameLst>
-                                          <p:attrName>style.visibility</p:attrName>
-                                        </p:attrNameLst>
-                                      </p:cBhvr>
-                                      <p:to>
-                                        <p:strVal val="visible"/>
-                                      </p:to>
-                                    </p:set>
-                                  </p:childTnLst>
-                                </p:cTn>
-                              </p:par>
-                            </p:childTnLst>
-                          </p:cTn>
-                        </p:par>
-                      </p:childTnLst>
-                    </p:cTn>
-                  </p:par>
-                  <p:par>
-                    <p:cTn id="7" fill="hold">
-                      <p:stCondLst>
-                        <p:cond delay="indefinite"/>
-                      </p:stCondLst>
-                      <p:childTnLst>
-                        <p:par>
-                          <p:cTn id="8" fill="hold">
-                            <p:stCondLst>
-                              <p:cond delay="0"/>
-                            </p:stCondLst>
-                            <p:childTnLst>
-                              <p:par>
-                                <p:cTn id="9" presetID="1" presetClass="entr" presetSubtype="0" fill="hold" grpId="0" nodeType="clickEffect">
-                                  <p:stCondLst>
-                                    <p:cond delay="0"/>
-                                  </p:stCondLst>
-                                  <p:childTnLst>
-                                    <p:set>
-                                      <p:cBhvr>
-                                        <p:cTn id="10" dur="1" fill="hold">
-                                          <p:stCondLst>
-                                            <p:cond delay="0"/>
-                                          </p:stCondLst>
-                                        </p:cTn>
-                                        <p:tgtEl>
-                                          <p:spTgt spid="9"/>
-                                        </p:tgtEl>
-                                        <p:attrNameLst>
-                                          <p:attrName>style.visibility</p:attrName>
-                                        </p:attrNameLst>
-                                      </p:cBhvr>
-                                      <p:to>
-                                        <p:strVal val="visible"/>
-                                      </p:to>
-                                    </p:set>
-                                  </p:childTnLst>
-                                </p:cTn>
-                              </p:par>
-                            </p:childTnLst>
-                          </p:cTn>
-                        </p:par>
-                      </p:childTnLst>
-                    </p:cTn>
-                  </p:par>
-                </p:childTnLst>
-              </p:cTn>
-              <p:prevCondLst>
-                <p:cond evt="onPrev" delay="0">
-                  <p:tgtEl>
-                    <p:sldTgt/>
-                  </p:tgtEl>
-                </p:cond>
-              </p:prevCondLst>
-              <p:nextCondLst>
-                <p:cond evt="onNext" delay="0">
-                  <p:tgtEl>
-                    <p:sldTgt/>
-                  </p:tgtEl>
-                </p:cond>
-              </p:nextCondLst>
-            </p:seq>
-          </p:childTnLst>
-        </p:cTn>
-      </p:par>
-    </p:tnLst>
-    <p:bldLst>
-      <p:bldP spid="8" grpId="0"/>
-      <p:bldP spid="9" grpId="0"/>
-    </p:bldLst>
-  </p:timing>
 </p:sld>
 </file>
 
-<file path=ppt/slides/slide6.xml><?xml version="1.0" encoding="utf-8"?>
+<file path=ppt/slides/slide8.xml><?xml version="1.0" encoding="utf-8"?>
 <p:sld xmlns:a="http://schemas.openxmlformats.org/drawingml/2006/main" xmlns:r="http://schemas.openxmlformats.org/officeDocument/2006/relationships" xmlns:p="http://schemas.openxmlformats.org/presentationml/2006/main">
   <p:cSld>
     <p:spTree>
@@ -6741,7 +6961,7 @@
           <a:graphicData uri="http://schemas.openxmlformats.org/presentationml/2006/ole">
             <mc:AlternateContent xmlns:mc="http://schemas.openxmlformats.org/markup-compatibility/2006">
               <mc:Choice xmlns:v="urn:schemas-microsoft-com:vml" Requires="v">
-                <p:oleObj spid="_x0000_s16410" r:id="rId5" imgW="0" imgH="0" progId="TCLayout.ActiveDocument.1">
+                <p:oleObj spid="_x0000_s17463" r:id="rId5" imgW="0" imgH="0" progId="TCLayout.ActiveDocument.1">
                   <p:embed/>
                 </p:oleObj>
               </mc:Choice>
@@ -6833,47 +7053,17 @@
             <a:pPr algn="l"/>
             <a:r>
               <a:rPr lang="en-US" sz="1800" b="1" dirty="0"/>
-              <a:t>Growth of International Students University Destinations</a:t>
-            </a:r>
-          </a:p>
-        </p:txBody>
-      </p:sp>
-      <p:pic>
-        <p:nvPicPr>
-          <p:cNvPr id="3" name="Picture 2">
+              <a:t>Trends in minority household income composition by county/city</a:t>
+            </a:r>
+          </a:p>
+        </p:txBody>
+      </p:sp>
+      <p:sp>
+        <p:nvSpPr>
+          <p:cNvPr id="4" name="TextBox 3">
             <a:extLst>
               <a:ext uri="{FF2B5EF4-FFF2-40B4-BE49-F238E27FC236}">
-                <a16:creationId xmlns:a16="http://schemas.microsoft.com/office/drawing/2014/main" id="{7AA9764F-C78B-4461-B879-FEE2082F42E3}"/>
-              </a:ext>
-            </a:extLst>
-          </p:cNvPr>
-          <p:cNvPicPr>
-            <a:picLocks noChangeAspect="1"/>
-          </p:cNvPicPr>
-          <p:nvPr/>
-        </p:nvPicPr>
-        <p:blipFill>
-          <a:blip r:embed="rId6"/>
-          <a:stretch>
-            <a:fillRect/>
-          </a:stretch>
-        </p:blipFill>
-        <p:spPr>
-          <a:xfrm>
-            <a:off x="533400" y="1524000"/>
-            <a:ext cx="8359713" cy="4540806"/>
-          </a:xfrm>
-          <a:prstGeom prst="rect">
-            <a:avLst/>
-          </a:prstGeom>
-        </p:spPr>
-      </p:pic>
-      <p:sp>
-        <p:nvSpPr>
-          <p:cNvPr id="6" name="TextBox 5">
-            <a:extLst>
-              <a:ext uri="{FF2B5EF4-FFF2-40B4-BE49-F238E27FC236}">
-                <a16:creationId xmlns:a16="http://schemas.microsoft.com/office/drawing/2014/main" id="{83191124-4FA7-4632-BCE7-455E6ECDDBBC}"/>
+                <a16:creationId xmlns:a16="http://schemas.microsoft.com/office/drawing/2014/main" id="{B904D8BB-38A8-4C02-8677-84021042CDBD}"/>
               </a:ext>
             </a:extLst>
           </p:cNvPr>
@@ -6882,46 +7072,6 @@
         </p:nvSpPr>
         <p:spPr>
           <a:xfrm>
-            <a:off x="533400" y="1066800"/>
-            <a:ext cx="7867650" cy="338554"/>
-          </a:xfrm>
-          <a:prstGeom prst="rect">
-            <a:avLst/>
-          </a:prstGeom>
-          <a:noFill/>
-        </p:spPr>
-        <p:txBody>
-          <a:bodyPr wrap="square" rtlCol="0">
-            <a:spAutoFit/>
-          </a:bodyPr>
-          <a:lstStyle/>
-          <a:p>
-            <a:r>
-              <a:rPr lang="en-US" sz="1600" dirty="0">
-                <a:solidFill>
-                  <a:srgbClr val="000000"/>
-                </a:solidFill>
-              </a:rPr>
-              <a:t>The leading city and county destinations of international university students</a:t>
-            </a:r>
-            <a:endParaRPr lang="en-US" sz="1200" dirty="0"/>
-          </a:p>
-        </p:txBody>
-      </p:sp>
-      <p:sp>
-        <p:nvSpPr>
-          <p:cNvPr id="7" name="TextBox 6">
-            <a:extLst>
-              <a:ext uri="{FF2B5EF4-FFF2-40B4-BE49-F238E27FC236}">
-                <a16:creationId xmlns:a16="http://schemas.microsoft.com/office/drawing/2014/main" id="{FF90D483-10FC-4E1A-BD65-7BD192EE77BC}"/>
-              </a:ext>
-            </a:extLst>
-          </p:cNvPr>
-          <p:cNvSpPr txBox="1"/>
-          <p:nvPr/>
-        </p:nvSpPr>
-        <p:spPr>
-          <a:xfrm>
             <a:off x="590550" y="6315015"/>
             <a:ext cx="7867650" cy="215444"/>
           </a:xfrm>
@@ -6942,7 +7092,7 @@
                   <a:srgbClr val="000000"/>
                 </a:solidFill>
               </a:rPr>
-              <a:t>Source: IIE</a:t>
+              <a:t>Source: 2000-2016 Census</a:t>
             </a:r>
           </a:p>
         </p:txBody>
@@ -6950,141 +7100,17 @@
     </p:spTree>
     <p:extLst>
       <p:ext uri="{BB962C8B-B14F-4D97-AF65-F5344CB8AC3E}">
-        <p14:creationId xmlns:p14="http://schemas.microsoft.com/office/powerpoint/2010/main" val="534505868"/>
+        <p14:creationId xmlns:p14="http://schemas.microsoft.com/office/powerpoint/2010/main" val="1559874434"/>
       </p:ext>
     </p:extLst>
   </p:cSld>
   <p:clrMapOvr>
     <a:masterClrMapping/>
   </p:clrMapOvr>
-  <p:timing>
-    <p:tnLst>
-      <p:par>
-        <p:cTn id="1" dur="indefinite" restart="never" nodeType="tmRoot">
-          <p:childTnLst>
-            <p:seq concurrent="1" nextAc="seek">
-              <p:cTn id="2" dur="indefinite" nodeType="mainSeq">
-                <p:childTnLst>
-                  <p:par>
-                    <p:cTn id="3" fill="hold">
-                      <p:stCondLst>
-                        <p:cond delay="indefinite"/>
-                      </p:stCondLst>
-                      <p:childTnLst>
-                        <p:par>
-                          <p:cTn id="4" fill="hold">
-                            <p:stCondLst>
-                              <p:cond delay="0"/>
-                            </p:stCondLst>
-                            <p:childTnLst>
-                              <p:par>
-                                <p:cTn id="5" presetID="1" presetClass="entr" presetSubtype="0" fill="hold" grpId="0" nodeType="clickEffect">
-                                  <p:stCondLst>
-                                    <p:cond delay="0"/>
-                                  </p:stCondLst>
-                                  <p:childTnLst>
-                                    <p:set>
-                                      <p:cBhvr>
-                                        <p:cTn id="6" dur="1" fill="hold">
-                                          <p:stCondLst>
-                                            <p:cond delay="0"/>
-                                          </p:stCondLst>
-                                        </p:cTn>
-                                        <p:tgtEl>
-                                          <p:spTgt spid="6"/>
-                                        </p:tgtEl>
-                                        <p:attrNameLst>
-                                          <p:attrName>style.visibility</p:attrName>
-                                        </p:attrNameLst>
-                                      </p:cBhvr>
-                                      <p:to>
-                                        <p:strVal val="visible"/>
-                                      </p:to>
-                                    </p:set>
-                                  </p:childTnLst>
-                                </p:cTn>
-                              </p:par>
-                            </p:childTnLst>
-                          </p:cTn>
-                        </p:par>
-                      </p:childTnLst>
-                    </p:cTn>
-                  </p:par>
-                  <p:par>
-                    <p:cTn id="7" fill="hold">
-                      <p:stCondLst>
-                        <p:cond delay="indefinite"/>
-                      </p:stCondLst>
-                      <p:childTnLst>
-                        <p:par>
-                          <p:cTn id="8" fill="hold">
-                            <p:stCondLst>
-                              <p:cond delay="0"/>
-                            </p:stCondLst>
-                            <p:childTnLst>
-                              <p:par>
-                                <p:cTn id="9" presetID="1" presetClass="entr" presetSubtype="0" fill="hold" grpId="0" nodeType="clickEffect">
-                                  <p:stCondLst>
-                                    <p:cond delay="0"/>
-                                  </p:stCondLst>
-                                  <p:childTnLst>
-                                    <p:set>
-                                      <p:cBhvr>
-                                        <p:cTn id="10" dur="1" fill="hold">
-                                          <p:stCondLst>
-                                            <p:cond delay="0"/>
-                                          </p:stCondLst>
-                                        </p:cTn>
-                                        <p:tgtEl>
-                                          <p:spTgt spid="7"/>
-                                        </p:tgtEl>
-                                        <p:attrNameLst>
-                                          <p:attrName>style.visibility</p:attrName>
-                                        </p:attrNameLst>
-                                      </p:cBhvr>
-                                      <p:to>
-                                        <p:strVal val="visible"/>
-                                      </p:to>
-                                    </p:set>
-                                  </p:childTnLst>
-                                </p:cTn>
-                              </p:par>
-                            </p:childTnLst>
-                          </p:cTn>
-                        </p:par>
-                      </p:childTnLst>
-                    </p:cTn>
-                  </p:par>
-                </p:childTnLst>
-              </p:cTn>
-              <p:prevCondLst>
-                <p:cond evt="onPrev" delay="0">
-                  <p:tgtEl>
-                    <p:sldTgt/>
-                  </p:tgtEl>
-                </p:cond>
-              </p:prevCondLst>
-              <p:nextCondLst>
-                <p:cond evt="onNext" delay="0">
-                  <p:tgtEl>
-                    <p:sldTgt/>
-                  </p:tgtEl>
-                </p:cond>
-              </p:nextCondLst>
-            </p:seq>
-          </p:childTnLst>
-        </p:cTn>
-      </p:par>
-    </p:tnLst>
-    <p:bldLst>
-      <p:bldP spid="6" grpId="0"/>
-      <p:bldP spid="7" grpId="0"/>
-    </p:bldLst>
-  </p:timing>
 </p:sld>
 </file>
 
-<file path=ppt/slides/slide7.xml><?xml version="1.0" encoding="utf-8"?>
+<file path=ppt/slides/slide9.xml><?xml version="1.0" encoding="utf-8"?>
 <p:sld xmlns:a="http://schemas.openxmlformats.org/drawingml/2006/main" xmlns:r="http://schemas.openxmlformats.org/officeDocument/2006/relationships" xmlns:p="http://schemas.openxmlformats.org/presentationml/2006/main">
   <p:cSld>
     <p:spTree>
@@ -7121,7 +7147,7 @@
           <a:graphicData uri="http://schemas.openxmlformats.org/presentationml/2006/ole">
             <mc:AlternateContent xmlns:mc="http://schemas.openxmlformats.org/markup-compatibility/2006">
               <mc:Choice xmlns:v="urn:schemas-microsoft-com:vml" Requires="v">
-                <p:oleObj spid="_x0000_s15387" r:id="rId5" imgW="0" imgH="0" progId="TCLayout.ActiveDocument.1">
+                <p:oleObj spid="_x0000_s13369" r:id="rId5" imgW="0" imgH="0" progId="TCLayout.ActiveDocument.1">
                   <p:embed/>
                 </p:oleObj>
               </mc:Choice>
@@ -7213,534 +7239,6 @@
             <a:pPr algn="l"/>
             <a:r>
               <a:rPr lang="en-US" sz="1800" b="1" dirty="0"/>
-              <a:t>Trends in minority household composition by county/city</a:t>
-            </a:r>
-          </a:p>
-        </p:txBody>
-      </p:sp>
-      <p:sp>
-        <p:nvSpPr>
-          <p:cNvPr id="4" name="TextBox 3">
-            <a:extLst>
-              <a:ext uri="{FF2B5EF4-FFF2-40B4-BE49-F238E27FC236}">
-                <a16:creationId xmlns:a16="http://schemas.microsoft.com/office/drawing/2014/main" id="{5C6E2C4A-BB98-4D92-89E1-6FBF5EDC9F78}"/>
-              </a:ext>
-            </a:extLst>
-          </p:cNvPr>
-          <p:cNvSpPr txBox="1"/>
-          <p:nvPr/>
-        </p:nvSpPr>
-        <p:spPr>
-          <a:xfrm>
-            <a:off x="590550" y="6315015"/>
-            <a:ext cx="7867650" cy="215444"/>
-          </a:xfrm>
-          <a:prstGeom prst="rect">
-            <a:avLst/>
-          </a:prstGeom>
-          <a:noFill/>
-        </p:spPr>
-        <p:txBody>
-          <a:bodyPr wrap="square" rtlCol="0">
-            <a:spAutoFit/>
-          </a:bodyPr>
-          <a:lstStyle/>
-          <a:p>
-            <a:r>
-              <a:rPr lang="en-US" sz="800" dirty="0">
-                <a:solidFill>
-                  <a:srgbClr val="000000"/>
-                </a:solidFill>
-              </a:rPr>
-              <a:t>Source: 2000-2016 Census</a:t>
-            </a:r>
-          </a:p>
-        </p:txBody>
-      </p:sp>
-    </p:spTree>
-    <p:extLst>
-      <p:ext uri="{BB962C8B-B14F-4D97-AF65-F5344CB8AC3E}">
-        <p14:creationId xmlns:p14="http://schemas.microsoft.com/office/powerpoint/2010/main" val="3757983748"/>
-      </p:ext>
-    </p:extLst>
-  </p:cSld>
-  <p:clrMapOvr>
-    <a:masterClrMapping/>
-  </p:clrMapOvr>
-  <p:timing>
-    <p:tnLst>
-      <p:par>
-        <p:cTn id="1" dur="indefinite" restart="never" nodeType="tmRoot">
-          <p:childTnLst>
-            <p:seq concurrent="1" nextAc="seek">
-              <p:cTn id="2" dur="indefinite" nodeType="mainSeq">
-                <p:childTnLst>
-                  <p:par>
-                    <p:cTn id="3" fill="hold">
-                      <p:stCondLst>
-                        <p:cond delay="indefinite"/>
-                      </p:stCondLst>
-                      <p:childTnLst>
-                        <p:par>
-                          <p:cTn id="4" fill="hold">
-                            <p:stCondLst>
-                              <p:cond delay="0"/>
-                            </p:stCondLst>
-                            <p:childTnLst>
-                              <p:par>
-                                <p:cTn id="5" presetID="1" presetClass="entr" presetSubtype="0" fill="hold" grpId="0" nodeType="clickEffect">
-                                  <p:stCondLst>
-                                    <p:cond delay="0"/>
-                                  </p:stCondLst>
-                                  <p:childTnLst>
-                                    <p:set>
-                                      <p:cBhvr>
-                                        <p:cTn id="6" dur="1" fill="hold">
-                                          <p:stCondLst>
-                                            <p:cond delay="0"/>
-                                          </p:stCondLst>
-                                        </p:cTn>
-                                        <p:tgtEl>
-                                          <p:spTgt spid="4"/>
-                                        </p:tgtEl>
-                                        <p:attrNameLst>
-                                          <p:attrName>style.visibility</p:attrName>
-                                        </p:attrNameLst>
-                                      </p:cBhvr>
-                                      <p:to>
-                                        <p:strVal val="visible"/>
-                                      </p:to>
-                                    </p:set>
-                                  </p:childTnLst>
-                                </p:cTn>
-                              </p:par>
-                            </p:childTnLst>
-                          </p:cTn>
-                        </p:par>
-                      </p:childTnLst>
-                    </p:cTn>
-                  </p:par>
-                </p:childTnLst>
-              </p:cTn>
-              <p:prevCondLst>
-                <p:cond evt="onPrev" delay="0">
-                  <p:tgtEl>
-                    <p:sldTgt/>
-                  </p:tgtEl>
-                </p:cond>
-              </p:prevCondLst>
-              <p:nextCondLst>
-                <p:cond evt="onNext" delay="0">
-                  <p:tgtEl>
-                    <p:sldTgt/>
-                  </p:tgtEl>
-                </p:cond>
-              </p:nextCondLst>
-            </p:seq>
-          </p:childTnLst>
-        </p:cTn>
-      </p:par>
-    </p:tnLst>
-    <p:bldLst>
-      <p:bldP spid="4" grpId="0"/>
-    </p:bldLst>
-  </p:timing>
-</p:sld>
-</file>
-
-<file path=ppt/slides/slide8.xml><?xml version="1.0" encoding="utf-8"?>
-<p:sld xmlns:a="http://schemas.openxmlformats.org/drawingml/2006/main" xmlns:r="http://schemas.openxmlformats.org/officeDocument/2006/relationships" xmlns:p="http://schemas.openxmlformats.org/presentationml/2006/main">
-  <p:cSld>
-    <p:spTree>
-      <p:nvGrpSpPr>
-        <p:cNvPr id="1" name=""/>
-        <p:cNvGrpSpPr/>
-        <p:nvPr/>
-      </p:nvGrpSpPr>
-      <p:grpSpPr>
-        <a:xfrm>
-          <a:off x="0" y="0"/>
-          <a:ext cx="0" cy="0"/>
-          <a:chOff x="0" y="0"/>
-          <a:chExt cx="0" cy="0"/>
-        </a:xfrm>
-      </p:grpSpPr>
-      <p:graphicFrame>
-        <p:nvGraphicFramePr>
-          <p:cNvPr id="235522" name="Rectangle 2" hidden="1"/>
-          <p:cNvGraphicFramePr>
-            <a:graphicFrameLocks/>
-          </p:cNvGraphicFramePr>
-          <p:nvPr>
-            <p:custDataLst>
-              <p:tags r:id="rId2"/>
-            </p:custDataLst>
-          </p:nvPr>
-        </p:nvGraphicFramePr>
-        <p:xfrm>
-          <a:off x="0" y="-305118"/>
-          <a:ext cx="158519" cy="158518"/>
-        </p:xfrm>
-        <a:graphic>
-          <a:graphicData uri="http://schemas.openxmlformats.org/presentationml/2006/ole">
-            <mc:AlternateContent xmlns:mc="http://schemas.openxmlformats.org/markup-compatibility/2006">
-              <mc:Choice xmlns:v="urn:schemas-microsoft-com:vml" Requires="v">
-                <p:oleObj spid="_x0000_s17434" r:id="rId5" imgW="0" imgH="0" progId="TCLayout.ActiveDocument.1">
-                  <p:embed/>
-                </p:oleObj>
-              </mc:Choice>
-              <mc:Fallback>
-                <p:oleObj r:id="rId5" imgW="0" imgH="0" progId="TCLayout.ActiveDocument.1">
-                  <p:embed/>
-                  <p:pic>
-                    <p:nvPicPr>
-                      <p:cNvPr id="235522" name="Rectangle 2" hidden="1"/>
-                      <p:cNvPicPr preferRelativeResize="0">
-                        <a:picLocks noChangeArrowheads="1"/>
-                      </p:cNvPicPr>
-                      <p:nvPr/>
-                    </p:nvPicPr>
-                    <p:blipFill>
-                      <a:blip>
-                        <a:extLst>
-                          <a:ext uri="{28A0092B-C50C-407E-A947-70E740481C1C}">
-                            <a14:useLocalDpi xmlns:a14="http://schemas.microsoft.com/office/drawing/2010/main" val="0"/>
-                          </a:ext>
-                        </a:extLst>
-                      </a:blip>
-                      <a:srcRect/>
-                      <a:stretch>
-                        <a:fillRect/>
-                      </a:stretch>
-                    </p:blipFill>
-                    <p:spPr bwMode="auto">
-                      <a:xfrm>
-                        <a:off x="0" y="-305118"/>
-                        <a:ext cx="158519" cy="158518"/>
-                      </a:xfrm>
-                      <a:prstGeom prst="rect">
-                        <a:avLst/>
-                      </a:prstGeom>
-                      <a:noFill/>
-                      <a:ln>
-                        <a:noFill/>
-                      </a:ln>
-                      <a:extLst>
-                        <a:ext uri="{909E8E84-426E-40DD-AFC4-6F175D3DCCD1}">
-                          <a14:hiddenFill xmlns:a14="http://schemas.microsoft.com/office/drawing/2010/main">
-                            <a:solidFill>
-                              <a:srgbClr val="FFFFFF"/>
-                            </a:solidFill>
-                          </a14:hiddenFill>
-                        </a:ext>
-                        <a:ext uri="{91240B29-F687-4F45-9708-019B960494DF}">
-                          <a14:hiddenLine xmlns:a14="http://schemas.microsoft.com/office/drawing/2010/main" w="9525">
-                            <a:solidFill>
-                              <a:srgbClr val="000000"/>
-                            </a:solidFill>
-                            <a:miter lim="800000"/>
-                            <a:headEnd/>
-                            <a:tailEnd/>
-                          </a14:hiddenLine>
-                        </a:ext>
-                      </a:extLst>
-                    </p:spPr>
-                  </p:pic>
-                </p:oleObj>
-              </mc:Fallback>
-            </mc:AlternateContent>
-          </a:graphicData>
-        </a:graphic>
-      </p:graphicFrame>
-      <p:sp>
-        <p:nvSpPr>
-          <p:cNvPr id="47" name="Title 40"/>
-          <p:cNvSpPr>
-            <a:spLocks noGrp="1"/>
-          </p:cNvSpPr>
-          <p:nvPr>
-            <p:ph type="title"/>
-          </p:nvPr>
-        </p:nvSpPr>
-        <p:spPr>
-          <a:xfrm>
-            <a:off x="533400" y="411162"/>
-            <a:ext cx="8001000" cy="808038"/>
-          </a:xfrm>
-        </p:spPr>
-        <p:txBody>
-          <a:bodyPr>
-            <a:normAutofit/>
-          </a:bodyPr>
-          <a:lstStyle/>
-          <a:p>
-            <a:pPr algn="l"/>
-            <a:r>
-              <a:rPr lang="en-US" sz="1800" b="1" dirty="0"/>
-              <a:t>Trends in minority household income composition by county/city</a:t>
-            </a:r>
-          </a:p>
-        </p:txBody>
-      </p:sp>
-      <p:sp>
-        <p:nvSpPr>
-          <p:cNvPr id="4" name="TextBox 3">
-            <a:extLst>
-              <a:ext uri="{FF2B5EF4-FFF2-40B4-BE49-F238E27FC236}">
-                <a16:creationId xmlns:a16="http://schemas.microsoft.com/office/drawing/2014/main" id="{B904D8BB-38A8-4C02-8677-84021042CDBD}"/>
-              </a:ext>
-            </a:extLst>
-          </p:cNvPr>
-          <p:cNvSpPr txBox="1"/>
-          <p:nvPr/>
-        </p:nvSpPr>
-        <p:spPr>
-          <a:xfrm>
-            <a:off x="590550" y="6315015"/>
-            <a:ext cx="7867650" cy="215444"/>
-          </a:xfrm>
-          <a:prstGeom prst="rect">
-            <a:avLst/>
-          </a:prstGeom>
-          <a:noFill/>
-        </p:spPr>
-        <p:txBody>
-          <a:bodyPr wrap="square" rtlCol="0">
-            <a:spAutoFit/>
-          </a:bodyPr>
-          <a:lstStyle/>
-          <a:p>
-            <a:r>
-              <a:rPr lang="en-US" sz="800" dirty="0">
-                <a:solidFill>
-                  <a:srgbClr val="000000"/>
-                </a:solidFill>
-              </a:rPr>
-              <a:t>Source: 2000-2016 Census</a:t>
-            </a:r>
-          </a:p>
-        </p:txBody>
-      </p:sp>
-    </p:spTree>
-    <p:extLst>
-      <p:ext uri="{BB962C8B-B14F-4D97-AF65-F5344CB8AC3E}">
-        <p14:creationId xmlns:p14="http://schemas.microsoft.com/office/powerpoint/2010/main" val="1559874434"/>
-      </p:ext>
-    </p:extLst>
-  </p:cSld>
-  <p:clrMapOvr>
-    <a:masterClrMapping/>
-  </p:clrMapOvr>
-  <p:timing>
-    <p:tnLst>
-      <p:par>
-        <p:cTn id="1" dur="indefinite" restart="never" nodeType="tmRoot">
-          <p:childTnLst>
-            <p:seq concurrent="1" nextAc="seek">
-              <p:cTn id="2" dur="indefinite" nodeType="mainSeq">
-                <p:childTnLst>
-                  <p:par>
-                    <p:cTn id="3" fill="hold">
-                      <p:stCondLst>
-                        <p:cond delay="indefinite"/>
-                      </p:stCondLst>
-                      <p:childTnLst>
-                        <p:par>
-                          <p:cTn id="4" fill="hold">
-                            <p:stCondLst>
-                              <p:cond delay="0"/>
-                            </p:stCondLst>
-                            <p:childTnLst>
-                              <p:par>
-                                <p:cTn id="5" presetID="1" presetClass="entr" presetSubtype="0" fill="hold" grpId="0" nodeType="clickEffect">
-                                  <p:stCondLst>
-                                    <p:cond delay="0"/>
-                                  </p:stCondLst>
-                                  <p:childTnLst>
-                                    <p:set>
-                                      <p:cBhvr>
-                                        <p:cTn id="6" dur="1" fill="hold">
-                                          <p:stCondLst>
-                                            <p:cond delay="0"/>
-                                          </p:stCondLst>
-                                        </p:cTn>
-                                        <p:tgtEl>
-                                          <p:spTgt spid="4"/>
-                                        </p:tgtEl>
-                                        <p:attrNameLst>
-                                          <p:attrName>style.visibility</p:attrName>
-                                        </p:attrNameLst>
-                                      </p:cBhvr>
-                                      <p:to>
-                                        <p:strVal val="visible"/>
-                                      </p:to>
-                                    </p:set>
-                                  </p:childTnLst>
-                                </p:cTn>
-                              </p:par>
-                            </p:childTnLst>
-                          </p:cTn>
-                        </p:par>
-                      </p:childTnLst>
-                    </p:cTn>
-                  </p:par>
-                </p:childTnLst>
-              </p:cTn>
-              <p:prevCondLst>
-                <p:cond evt="onPrev" delay="0">
-                  <p:tgtEl>
-                    <p:sldTgt/>
-                  </p:tgtEl>
-                </p:cond>
-              </p:prevCondLst>
-              <p:nextCondLst>
-                <p:cond evt="onNext" delay="0">
-                  <p:tgtEl>
-                    <p:sldTgt/>
-                  </p:tgtEl>
-                </p:cond>
-              </p:nextCondLst>
-            </p:seq>
-          </p:childTnLst>
-        </p:cTn>
-      </p:par>
-    </p:tnLst>
-    <p:bldLst>
-      <p:bldP spid="4" grpId="0"/>
-    </p:bldLst>
-  </p:timing>
-</p:sld>
-</file>
-
-<file path=ppt/slides/slide9.xml><?xml version="1.0" encoding="utf-8"?>
-<p:sld xmlns:a="http://schemas.openxmlformats.org/drawingml/2006/main" xmlns:r="http://schemas.openxmlformats.org/officeDocument/2006/relationships" xmlns:p="http://schemas.openxmlformats.org/presentationml/2006/main">
-  <p:cSld>
-    <p:spTree>
-      <p:nvGrpSpPr>
-        <p:cNvPr id="1" name=""/>
-        <p:cNvGrpSpPr/>
-        <p:nvPr/>
-      </p:nvGrpSpPr>
-      <p:grpSpPr>
-        <a:xfrm>
-          <a:off x="0" y="0"/>
-          <a:ext cx="0" cy="0"/>
-          <a:chOff x="0" y="0"/>
-          <a:chExt cx="0" cy="0"/>
-        </a:xfrm>
-      </p:grpSpPr>
-      <p:graphicFrame>
-        <p:nvGraphicFramePr>
-          <p:cNvPr id="235522" name="Rectangle 2" hidden="1"/>
-          <p:cNvGraphicFramePr>
-            <a:graphicFrameLocks/>
-          </p:cNvGraphicFramePr>
-          <p:nvPr>
-            <p:custDataLst>
-              <p:tags r:id="rId2"/>
-            </p:custDataLst>
-          </p:nvPr>
-        </p:nvGraphicFramePr>
-        <p:xfrm>
-          <a:off x="0" y="-305118"/>
-          <a:ext cx="158519" cy="158518"/>
-        </p:xfrm>
-        <a:graphic>
-          <a:graphicData uri="http://schemas.openxmlformats.org/presentationml/2006/ole">
-            <mc:AlternateContent xmlns:mc="http://schemas.openxmlformats.org/markup-compatibility/2006">
-              <mc:Choice xmlns:v="urn:schemas-microsoft-com:vml" Requires="v">
-                <p:oleObj spid="_x0000_s13340" r:id="rId5" imgW="0" imgH="0" progId="TCLayout.ActiveDocument.1">
-                  <p:embed/>
-                </p:oleObj>
-              </mc:Choice>
-              <mc:Fallback>
-                <p:oleObj r:id="rId5" imgW="0" imgH="0" progId="TCLayout.ActiveDocument.1">
-                  <p:embed/>
-                  <p:pic>
-                    <p:nvPicPr>
-                      <p:cNvPr id="235522" name="Rectangle 2" hidden="1"/>
-                      <p:cNvPicPr preferRelativeResize="0">
-                        <a:picLocks noChangeArrowheads="1"/>
-                      </p:cNvPicPr>
-                      <p:nvPr/>
-                    </p:nvPicPr>
-                    <p:blipFill>
-                      <a:blip>
-                        <a:extLst>
-                          <a:ext uri="{28A0092B-C50C-407E-A947-70E740481C1C}">
-                            <a14:useLocalDpi xmlns:a14="http://schemas.microsoft.com/office/drawing/2010/main" val="0"/>
-                          </a:ext>
-                        </a:extLst>
-                      </a:blip>
-                      <a:srcRect/>
-                      <a:stretch>
-                        <a:fillRect/>
-                      </a:stretch>
-                    </p:blipFill>
-                    <p:spPr bwMode="auto">
-                      <a:xfrm>
-                        <a:off x="0" y="-305118"/>
-                        <a:ext cx="158519" cy="158518"/>
-                      </a:xfrm>
-                      <a:prstGeom prst="rect">
-                        <a:avLst/>
-                      </a:prstGeom>
-                      <a:noFill/>
-                      <a:ln>
-                        <a:noFill/>
-                      </a:ln>
-                      <a:extLst>
-                        <a:ext uri="{909E8E84-426E-40DD-AFC4-6F175D3DCCD1}">
-                          <a14:hiddenFill xmlns:a14="http://schemas.microsoft.com/office/drawing/2010/main">
-                            <a:solidFill>
-                              <a:srgbClr val="FFFFFF"/>
-                            </a:solidFill>
-                          </a14:hiddenFill>
-                        </a:ext>
-                        <a:ext uri="{91240B29-F687-4F45-9708-019B960494DF}">
-                          <a14:hiddenLine xmlns:a14="http://schemas.microsoft.com/office/drawing/2010/main" w="9525">
-                            <a:solidFill>
-                              <a:srgbClr val="000000"/>
-                            </a:solidFill>
-                            <a:miter lim="800000"/>
-                            <a:headEnd/>
-                            <a:tailEnd/>
-                          </a14:hiddenLine>
-                        </a:ext>
-                      </a:extLst>
-                    </p:spPr>
-                  </p:pic>
-                </p:oleObj>
-              </mc:Fallback>
-            </mc:AlternateContent>
-          </a:graphicData>
-        </a:graphic>
-      </p:graphicFrame>
-      <p:sp>
-        <p:nvSpPr>
-          <p:cNvPr id="47" name="Title 40"/>
-          <p:cNvSpPr>
-            <a:spLocks noGrp="1"/>
-          </p:cNvSpPr>
-          <p:nvPr>
-            <p:ph type="title"/>
-          </p:nvPr>
-        </p:nvSpPr>
-        <p:spPr>
-          <a:xfrm>
-            <a:off x="533400" y="411162"/>
-            <a:ext cx="8001000" cy="808038"/>
-          </a:xfrm>
-        </p:spPr>
-        <p:txBody>
-          <a:bodyPr>
-            <a:normAutofit/>
-          </a:bodyPr>
-          <a:lstStyle/>
-          <a:p>
-            <a:pPr algn="l"/>
-            <a:r>
-              <a:rPr lang="en-US" sz="1800" b="1" dirty="0"/>
               <a:t>Rankings of Top Global K12 School Scores</a:t>
             </a:r>
           </a:p>
@@ -7917,130 +7415,6 @@
   <p:clrMapOvr>
     <a:masterClrMapping/>
   </p:clrMapOvr>
-  <p:timing>
-    <p:tnLst>
-      <p:par>
-        <p:cTn id="1" dur="indefinite" restart="never" nodeType="tmRoot">
-          <p:childTnLst>
-            <p:seq concurrent="1" nextAc="seek">
-              <p:cTn id="2" dur="indefinite" nodeType="mainSeq">
-                <p:childTnLst>
-                  <p:par>
-                    <p:cTn id="3" fill="hold">
-                      <p:stCondLst>
-                        <p:cond delay="indefinite"/>
-                      </p:stCondLst>
-                      <p:childTnLst>
-                        <p:par>
-                          <p:cTn id="4" fill="hold">
-                            <p:stCondLst>
-                              <p:cond delay="0"/>
-                            </p:stCondLst>
-                            <p:childTnLst>
-                              <p:par>
-                                <p:cTn id="5" presetID="1" presetClass="entr" presetSubtype="0" fill="hold" grpId="0" nodeType="clickEffect">
-                                  <p:stCondLst>
-                                    <p:cond delay="0"/>
-                                  </p:stCondLst>
-                                  <p:childTnLst>
-                                    <p:set>
-                                      <p:cBhvr>
-                                        <p:cTn id="6" dur="1" fill="hold">
-                                          <p:stCondLst>
-                                            <p:cond delay="0"/>
-                                          </p:stCondLst>
-                                        </p:cTn>
-                                        <p:tgtEl>
-                                          <p:spTgt spid="8"/>
-                                        </p:tgtEl>
-                                        <p:attrNameLst>
-                                          <p:attrName>style.visibility</p:attrName>
-                                        </p:attrNameLst>
-                                      </p:cBhvr>
-                                      <p:to>
-                                        <p:strVal val="visible"/>
-                                      </p:to>
-                                    </p:set>
-                                  </p:childTnLst>
-                                </p:cTn>
-                              </p:par>
-                            </p:childTnLst>
-                          </p:cTn>
-                        </p:par>
-                      </p:childTnLst>
-                    </p:cTn>
-                  </p:par>
-                  <p:par>
-                    <p:cTn id="7" fill="hold">
-                      <p:stCondLst>
-                        <p:cond delay="indefinite"/>
-                      </p:stCondLst>
-                      <p:childTnLst>
-                        <p:par>
-                          <p:cTn id="8" fill="hold">
-                            <p:stCondLst>
-                              <p:cond delay="0"/>
-                            </p:stCondLst>
-                            <p:childTnLst>
-                              <p:par>
-                                <p:cTn id="9" presetID="1" presetClass="entr" presetSubtype="0" fill="hold" grpId="0" nodeType="clickEffect">
-                                  <p:stCondLst>
-                                    <p:cond delay="0"/>
-                                  </p:stCondLst>
-                                  <p:childTnLst>
-                                    <p:set>
-                                      <p:cBhvr>
-                                        <p:cTn id="10" dur="1" fill="hold">
-                                          <p:stCondLst>
-                                            <p:cond delay="0"/>
-                                          </p:stCondLst>
-                                        </p:cTn>
-                                        <p:tgtEl>
-                                          <p:spTgt spid="9"/>
-                                        </p:tgtEl>
-                                        <p:attrNameLst>
-                                          <p:attrName>style.visibility</p:attrName>
-                                        </p:attrNameLst>
-                                      </p:cBhvr>
-                                      <p:to>
-                                        <p:strVal val="visible"/>
-                                      </p:to>
-                                    </p:set>
-                                  </p:childTnLst>
-                                </p:cTn>
-                              </p:par>
-                            </p:childTnLst>
-                          </p:cTn>
-                        </p:par>
-                      </p:childTnLst>
-                    </p:cTn>
-                  </p:par>
-                </p:childTnLst>
-              </p:cTn>
-              <p:prevCondLst>
-                <p:cond evt="onPrev" delay="0">
-                  <p:tgtEl>
-                    <p:sldTgt/>
-                  </p:tgtEl>
-                </p:cond>
-              </p:prevCondLst>
-              <p:nextCondLst>
-                <p:cond evt="onNext" delay="0">
-                  <p:tgtEl>
-                    <p:sldTgt/>
-                  </p:tgtEl>
-                </p:cond>
-              </p:nextCondLst>
-            </p:seq>
-          </p:childTnLst>
-        </p:cTn>
-      </p:par>
-    </p:tnLst>
-    <p:bldLst>
-      <p:bldP spid="8" grpId="0"/>
-      <p:bldP spid="9" grpId="0"/>
-    </p:bldLst>
-  </p:timing>
 </p:sld>
 </file>
 

--- a/PowerPoint/International_Schools_DRAFT 13122017.pptx
+++ b/PowerPoint/International_Schools_DRAFT 13122017.pptx
@@ -16,8 +16,8 @@
     <p:sldId id="293" r:id="rId7"/>
     <p:sldId id="292" r:id="rId8"/>
     <p:sldId id="294" r:id="rId9"/>
-    <p:sldId id="290" r:id="rId10"/>
-    <p:sldId id="298" r:id="rId11"/>
+    <p:sldId id="298" r:id="rId10"/>
+    <p:sldId id="290" r:id="rId11"/>
     <p:sldId id="295" r:id="rId12"/>
     <p:sldId id="296" r:id="rId13"/>
   </p:sldIdLst>
@@ -224,7 +224,7 @@
             <a:fld id="{C449B9E2-F6E0-43F1-9141-B8839419D296}" type="datetimeFigureOut">
               <a:rPr lang="en-US" smtClean="0"/>
               <a:pPr/>
-              <a:t>12/14/2017</a:t>
+              <a:t>12/15/2017</a:t>
             </a:fld>
             <a:endParaRPr lang="en-US"/>
           </a:p>
@@ -613,7 +613,10 @@
           <a:bodyPr/>
           <a:lstStyle/>
           <a:p>
-            <a:endParaRPr lang="en-US"/>
+            <a:r>
+              <a:rPr lang="en-US" dirty="0"/>
+              <a:t>This has led to an expansion of International School brands in the U.S.  Though some schools have been in place for decades, from 2000-20014, the number has grown over 70%.  Further analysis illustrates these new schools are in the same specific counties or neighboring counties where minority population and household income have grown the most rapidly.  </a:t>
+            </a:r>
           </a:p>
         </p:txBody>
       </p:sp>
@@ -885,7 +888,10 @@
           <a:bodyPr/>
           <a:lstStyle/>
           <a:p>
-            <a:endParaRPr lang="en-US"/>
+            <a:r>
+              <a:rPr lang="en-US" dirty="0"/>
+              <a:t>The U.S. continues to dominate the list of global university rankings, typically holding top spots for Harvard, Stanford, and MIT year-over-year.   The number of foreign student has also increased as these universities are incentivized to grow enrollment.  This culminates into the U.S. being a leading country for international students.</a:t>
+            </a:r>
           </a:p>
         </p:txBody>
       </p:sp>
@@ -953,7 +959,10 @@
           <a:bodyPr/>
           <a:lstStyle/>
           <a:p>
-            <a:endParaRPr lang="en-US"/>
+            <a:r>
+              <a:rPr lang="en-US" dirty="0"/>
+              <a:t>As foreign student population has grown from 2000-2016 at these top universities and other leading schools, we can visibly see specific regions of concentrated growth.  [transition to D3 map].  </a:t>
+            </a:r>
           </a:p>
         </p:txBody>
       </p:sp>
@@ -1021,7 +1030,10 @@
           <a:bodyPr/>
           <a:lstStyle/>
           <a:p>
-            <a:endParaRPr lang="en-US"/>
+            <a:r>
+              <a:rPr lang="en-US" dirty="0"/>
+              <a:t>[in HTML and D3 charts]  The 2016 census dataset alone illustrated which U.S. counties have the most ethnic diversity.  With the 2000, 2005, 2008, 2010 and 2013 added, we can illustrate the rate of change and composition of each county.</a:t>
+            </a:r>
           </a:p>
         </p:txBody>
       </p:sp>
@@ -1089,7 +1101,10 @@
           <a:bodyPr/>
           <a:lstStyle/>
           <a:p>
-            <a:endParaRPr lang="en-US"/>
+            <a:r>
+              <a:rPr lang="en-US" dirty="0"/>
+              <a:t>[in HTML and D3 charts] We can also isolate household income changes at various brackets as captured by the census data.  This illustrates not just the change in race but a more astute change in minority household income by county</a:t>
+            </a:r>
           </a:p>
         </p:txBody>
       </p:sp>
@@ -1157,14 +1172,17 @@
           <a:bodyPr/>
           <a:lstStyle/>
           <a:p>
-            <a:endParaRPr lang="en-US"/>
+            <a:r>
+              <a:rPr lang="en-US" dirty="0"/>
+              <a:t>Though the U.S. leads in the world in top University rankings, the U.S. public K12 school system does not.   There has been many government programs such as George Bush’s ‘No Child Left Behind’ and Obama’s ‘Race to the Top’, but each of these have failed in achieving the intended results.   In  addition, the privatization of  schools including ‘charter schools’ have met with numerous scandals and subsequent closures.  </a:t>
+            </a:r>
           </a:p>
         </p:txBody>
       </p:sp>
     </p:spTree>
     <p:extLst>
       <p:ext uri="{BB962C8B-B14F-4D97-AF65-F5344CB8AC3E}">
-        <p14:creationId xmlns:p14="http://schemas.microsoft.com/office/powerpoint/2010/main" val="3025289065"/>
+        <p14:creationId xmlns:p14="http://schemas.microsoft.com/office/powerpoint/2010/main" val="469349069"/>
       </p:ext>
     </p:extLst>
   </p:cSld>
@@ -1225,14 +1243,17 @@
           <a:bodyPr/>
           <a:lstStyle/>
           <a:p>
-            <a:endParaRPr lang="en-US"/>
+            <a:r>
+              <a:rPr lang="en-US" dirty="0"/>
+              <a:t>There are over 14,000 school districts in the U.S. and some of those do perform at the top levels.  But in aggregate, the total U.S. K12 system does not and has also declined in rankings over the same 2000-2016 period despite the government and privatization programs mentioned.</a:t>
+            </a:r>
           </a:p>
         </p:txBody>
       </p:sp>
     </p:spTree>
     <p:extLst>
       <p:ext uri="{BB962C8B-B14F-4D97-AF65-F5344CB8AC3E}">
-        <p14:creationId xmlns:p14="http://schemas.microsoft.com/office/powerpoint/2010/main" val="469349069"/>
+        <p14:creationId xmlns:p14="http://schemas.microsoft.com/office/powerpoint/2010/main" val="3025289065"/>
       </p:ext>
     </p:extLst>
   </p:cSld>
@@ -1422,7 +1443,7 @@
             <a:fld id="{17450E51-4C5E-4BB5-8E54-A147694BC1CA}" type="datetimeFigureOut">
               <a:rPr lang="en-US" smtClean="0"/>
               <a:pPr/>
-              <a:t>12/14/2017</a:t>
+              <a:t>12/15/2017</a:t>
             </a:fld>
             <a:endParaRPr lang="en-US"/>
           </a:p>
@@ -1587,7 +1608,7 @@
             <a:fld id="{17450E51-4C5E-4BB5-8E54-A147694BC1CA}" type="datetimeFigureOut">
               <a:rPr lang="en-US" smtClean="0"/>
               <a:pPr/>
-              <a:t>12/14/2017</a:t>
+              <a:t>12/15/2017</a:t>
             </a:fld>
             <a:endParaRPr lang="en-US"/>
           </a:p>
@@ -1762,7 +1783,7 @@
             <a:fld id="{17450E51-4C5E-4BB5-8E54-A147694BC1CA}" type="datetimeFigureOut">
               <a:rPr lang="en-US" smtClean="0"/>
               <a:pPr/>
-              <a:t>12/14/2017</a:t>
+              <a:t>12/15/2017</a:t>
             </a:fld>
             <a:endParaRPr lang="en-US"/>
           </a:p>
@@ -1927,7 +1948,7 @@
             <a:fld id="{17450E51-4C5E-4BB5-8E54-A147694BC1CA}" type="datetimeFigureOut">
               <a:rPr lang="en-US" smtClean="0"/>
               <a:pPr/>
-              <a:t>12/14/2017</a:t>
+              <a:t>12/15/2017</a:t>
             </a:fld>
             <a:endParaRPr lang="en-US"/>
           </a:p>
@@ -2169,7 +2190,7 @@
             <a:fld id="{17450E51-4C5E-4BB5-8E54-A147694BC1CA}" type="datetimeFigureOut">
               <a:rPr lang="en-US" smtClean="0"/>
               <a:pPr/>
-              <a:t>12/14/2017</a:t>
+              <a:t>12/15/2017</a:t>
             </a:fld>
             <a:endParaRPr lang="en-US"/>
           </a:p>
@@ -2451,7 +2472,7 @@
             <a:fld id="{17450E51-4C5E-4BB5-8E54-A147694BC1CA}" type="datetimeFigureOut">
               <a:rPr lang="en-US" smtClean="0"/>
               <a:pPr/>
-              <a:t>12/14/2017</a:t>
+              <a:t>12/15/2017</a:t>
             </a:fld>
             <a:endParaRPr lang="en-US"/>
           </a:p>
@@ -2867,7 +2888,7 @@
             <a:fld id="{17450E51-4C5E-4BB5-8E54-A147694BC1CA}" type="datetimeFigureOut">
               <a:rPr lang="en-US" smtClean="0"/>
               <a:pPr/>
-              <a:t>12/14/2017</a:t>
+              <a:t>12/15/2017</a:t>
             </a:fld>
             <a:endParaRPr lang="en-US"/>
           </a:p>
@@ -2981,7 +3002,7 @@
             <a:fld id="{17450E51-4C5E-4BB5-8E54-A147694BC1CA}" type="datetimeFigureOut">
               <a:rPr lang="en-US" smtClean="0"/>
               <a:pPr/>
-              <a:t>12/14/2017</a:t>
+              <a:t>12/15/2017</a:t>
             </a:fld>
             <a:endParaRPr lang="en-US"/>
           </a:p>
@@ -3073,7 +3094,7 @@
             <a:fld id="{17450E51-4C5E-4BB5-8E54-A147694BC1CA}" type="datetimeFigureOut">
               <a:rPr lang="en-US" smtClean="0"/>
               <a:pPr/>
-              <a:t>12/14/2017</a:t>
+              <a:t>12/15/2017</a:t>
             </a:fld>
             <a:endParaRPr lang="en-US"/>
           </a:p>
@@ -3345,7 +3366,7 @@
             <a:fld id="{17450E51-4C5E-4BB5-8E54-A147694BC1CA}" type="datetimeFigureOut">
               <a:rPr lang="en-US" smtClean="0"/>
               <a:pPr/>
-              <a:t>12/14/2017</a:t>
+              <a:t>12/15/2017</a:t>
             </a:fld>
             <a:endParaRPr lang="en-US"/>
           </a:p>
@@ -3594,7 +3615,7 @@
             <a:fld id="{17450E51-4C5E-4BB5-8E54-A147694BC1CA}" type="datetimeFigureOut">
               <a:rPr lang="en-US" smtClean="0"/>
               <a:pPr/>
-              <a:t>12/14/2017</a:t>
+              <a:t>12/15/2017</a:t>
             </a:fld>
             <a:endParaRPr lang="en-US"/>
           </a:p>
@@ -3802,7 +3823,7 @@
             <a:fld id="{17450E51-4C5E-4BB5-8E54-A147694BC1CA}" type="datetimeFigureOut">
               <a:rPr lang="en-US" smtClean="0"/>
               <a:pPr/>
-              <a:t>12/14/2017</a:t>
+              <a:t>12/15/2017</a:t>
             </a:fld>
             <a:endParaRPr lang="en-US"/>
           </a:p>
@@ -4244,7 +4265,7 @@
             </a:pPr>
             <a:r>
               <a:rPr lang="en-US" sz="1600" b="1" i="1" kern="0" dirty="0"/>
-              <a:t>How emerging wealth, policy, schools and university performance supported rapid expansion of International Schools abroad and it’s extension into key U.S. markets</a:t>
+              <a:t>How emerging market wealth, policy, schools and university performance supported a rapid expansion of International Schools abroad and it’s extension into specific U.S. markets</a:t>
             </a:r>
             <a:endParaRPr lang="en-US" sz="1100" b="1" i="1" kern="0" dirty="0"/>
           </a:p>
@@ -4423,7 +4444,7 @@
           <a:graphicData uri="http://schemas.openxmlformats.org/presentationml/2006/ole">
             <mc:AlternateContent xmlns:mc="http://schemas.openxmlformats.org/markup-compatibility/2006">
               <mc:Choice xmlns:v="urn:schemas-microsoft-com:vml" Requires="v">
-                <p:oleObj spid="_x0000_s21535" r:id="rId5" imgW="0" imgH="0" progId="TCLayout.ActiveDocument.1">
+                <p:oleObj spid="_x0000_s13388" r:id="rId5" imgW="0" imgH="0" progId="TCLayout.ActiveDocument.1">
                   <p:embed/>
                 </p:oleObj>
               </mc:Choice>
@@ -4515,15 +4536,228 @@
             <a:pPr algn="l"/>
             <a:r>
               <a:rPr lang="en-US" sz="1800" b="1" dirty="0"/>
-              <a:t>U.S. School Policy changes from 2000-2016</a:t>
-            </a:r>
+              <a:t>Rankings of Top Global K12 School Scores</a:t>
+            </a:r>
+          </a:p>
+        </p:txBody>
+      </p:sp>
+      <p:pic>
+        <p:nvPicPr>
+          <p:cNvPr id="4" name="Picture 3">
+            <a:extLst>
+              <a:ext uri="{FF2B5EF4-FFF2-40B4-BE49-F238E27FC236}">
+                <a16:creationId xmlns:a16="http://schemas.microsoft.com/office/drawing/2014/main" id="{4D6D0796-F649-4D6F-AC24-F8693C414D7F}"/>
+              </a:ext>
+            </a:extLst>
+          </p:cNvPr>
+          <p:cNvPicPr>
+            <a:picLocks noChangeAspect="1"/>
+          </p:cNvPicPr>
+          <p:nvPr/>
+        </p:nvPicPr>
+        <p:blipFill>
+          <a:blip r:embed="rId6"/>
+          <a:stretch>
+            <a:fillRect/>
+          </a:stretch>
+        </p:blipFill>
+        <p:spPr>
+          <a:xfrm>
+            <a:off x="581025" y="1569719"/>
+            <a:ext cx="8229600" cy="4325661"/>
+          </a:xfrm>
+          <a:prstGeom prst="rect">
+            <a:avLst/>
+          </a:prstGeom>
+        </p:spPr>
+      </p:pic>
+      <p:sp>
+        <p:nvSpPr>
+          <p:cNvPr id="8" name="TextBox 7">
+            <a:extLst>
+              <a:ext uri="{FF2B5EF4-FFF2-40B4-BE49-F238E27FC236}">
+                <a16:creationId xmlns:a16="http://schemas.microsoft.com/office/drawing/2014/main" id="{5DB20A6D-AF83-42F3-8840-367B3C19112F}"/>
+              </a:ext>
+            </a:extLst>
+          </p:cNvPr>
+          <p:cNvSpPr txBox="1"/>
+          <p:nvPr/>
+        </p:nvSpPr>
+        <p:spPr>
+          <a:xfrm>
+            <a:off x="590550" y="6315015"/>
+            <a:ext cx="7867650" cy="338554"/>
+          </a:xfrm>
+          <a:prstGeom prst="rect">
+            <a:avLst/>
+          </a:prstGeom>
+          <a:noFill/>
+        </p:spPr>
+        <p:txBody>
+          <a:bodyPr wrap="square" rtlCol="0">
+            <a:spAutoFit/>
+          </a:bodyPr>
+          <a:lstStyle/>
+          <a:p>
+            <a:r>
+              <a:rPr lang="en-US" sz="800" dirty="0">
+                <a:solidFill>
+                  <a:srgbClr val="000000"/>
+                </a:solidFill>
+              </a:rPr>
+              <a:t>Source: Organization for Economic Co-operation and Development (OECD) global rankings on student performance in mathematics, reading, and science, on the Program for International Student Assessment, or PISA.</a:t>
+            </a:r>
+          </a:p>
+        </p:txBody>
+      </p:sp>
+      <p:sp>
+        <p:nvSpPr>
+          <p:cNvPr id="9" name="TextBox 8">
+            <a:extLst>
+              <a:ext uri="{FF2B5EF4-FFF2-40B4-BE49-F238E27FC236}">
+                <a16:creationId xmlns:a16="http://schemas.microsoft.com/office/drawing/2014/main" id="{ACAE1B30-3014-489E-B324-0B02BBCDD32D}"/>
+              </a:ext>
+            </a:extLst>
+          </p:cNvPr>
+          <p:cNvSpPr txBox="1"/>
+          <p:nvPr/>
+        </p:nvSpPr>
+        <p:spPr>
+          <a:xfrm>
+            <a:off x="533400" y="1066800"/>
+            <a:ext cx="8001000" cy="338554"/>
+          </a:xfrm>
+          <a:prstGeom prst="rect">
+            <a:avLst/>
+          </a:prstGeom>
+          <a:noFill/>
+        </p:spPr>
+        <p:txBody>
+          <a:bodyPr wrap="square" rtlCol="0">
+            <a:spAutoFit/>
+          </a:bodyPr>
+          <a:lstStyle/>
+          <a:p>
+            <a:r>
+              <a:rPr lang="en-US" sz="1600" dirty="0">
+                <a:solidFill>
+                  <a:srgbClr val="000000"/>
+                </a:solidFill>
+              </a:rPr>
+              <a:t>In CY2015, the U.S. rankings fell to 35th from 28th in math and to 24th in science and Reading</a:t>
+            </a:r>
+            <a:endParaRPr lang="en-US" sz="1200" dirty="0"/>
+          </a:p>
+        </p:txBody>
+      </p:sp>
+      <p:sp>
+        <p:nvSpPr>
+          <p:cNvPr id="2" name="Arrow: Right 1">
+            <a:extLst>
+              <a:ext uri="{FF2B5EF4-FFF2-40B4-BE49-F238E27FC236}">
+                <a16:creationId xmlns:a16="http://schemas.microsoft.com/office/drawing/2014/main" id="{A541612F-76ED-4ACE-86C0-D62591DA7893}"/>
+              </a:ext>
+            </a:extLst>
+          </p:cNvPr>
+          <p:cNvSpPr/>
+          <p:nvPr/>
+        </p:nvSpPr>
+        <p:spPr>
+          <a:xfrm>
+            <a:off x="276225" y="4876800"/>
+            <a:ext cx="304800" cy="76200"/>
+          </a:xfrm>
+          <a:prstGeom prst="rightArrow">
+            <a:avLst/>
+          </a:prstGeom>
+          <a:solidFill>
+            <a:schemeClr val="accent2"/>
+          </a:solidFill>
+          <a:ln>
+            <a:noFill/>
+          </a:ln>
+        </p:spPr>
+        <p:style>
+          <a:lnRef idx="2">
+            <a:schemeClr val="accent1">
+              <a:shade val="50000"/>
+            </a:schemeClr>
+          </a:lnRef>
+          <a:fillRef idx="1">
+            <a:schemeClr val="accent1"/>
+          </a:fillRef>
+          <a:effectRef idx="0">
+            <a:schemeClr val="accent1"/>
+          </a:effectRef>
+          <a:fontRef idx="minor">
+            <a:schemeClr val="lt1"/>
+          </a:fontRef>
+        </p:style>
+        <p:txBody>
+          <a:bodyPr rtlCol="0" anchor="ctr"/>
+          <a:lstStyle/>
+          <a:p>
+            <a:pPr algn="ctr"/>
+            <a:endParaRPr lang="en-US"/>
+          </a:p>
+        </p:txBody>
+      </p:sp>
+      <p:sp>
+        <p:nvSpPr>
+          <p:cNvPr id="10" name="Arrow: Right 9">
+            <a:extLst>
+              <a:ext uri="{FF2B5EF4-FFF2-40B4-BE49-F238E27FC236}">
+                <a16:creationId xmlns:a16="http://schemas.microsoft.com/office/drawing/2014/main" id="{20EE2F85-23F5-4463-9B4F-A57FFA48453C}"/>
+              </a:ext>
+            </a:extLst>
+          </p:cNvPr>
+          <p:cNvSpPr/>
+          <p:nvPr/>
+        </p:nvSpPr>
+        <p:spPr>
+          <a:xfrm flipH="1">
+            <a:off x="8458200" y="4876800"/>
+            <a:ext cx="304800" cy="76200"/>
+          </a:xfrm>
+          <a:prstGeom prst="rightArrow">
+            <a:avLst/>
+          </a:prstGeom>
+          <a:solidFill>
+            <a:schemeClr val="accent2"/>
+          </a:solidFill>
+          <a:ln>
+            <a:noFill/>
+          </a:ln>
+        </p:spPr>
+        <p:style>
+          <a:lnRef idx="2">
+            <a:schemeClr val="accent1">
+              <a:shade val="50000"/>
+            </a:schemeClr>
+          </a:lnRef>
+          <a:fillRef idx="1">
+            <a:schemeClr val="accent1"/>
+          </a:fillRef>
+          <a:effectRef idx="0">
+            <a:schemeClr val="accent1"/>
+          </a:effectRef>
+          <a:fontRef idx="minor">
+            <a:schemeClr val="lt1"/>
+          </a:fontRef>
+        </p:style>
+        <p:txBody>
+          <a:bodyPr rtlCol="0" anchor="ctr"/>
+          <a:lstStyle/>
+          <a:p>
+            <a:pPr algn="ctr"/>
+            <a:endParaRPr lang="en-US"/>
           </a:p>
         </p:txBody>
       </p:sp>
     </p:spTree>
     <p:extLst>
       <p:ext uri="{BB962C8B-B14F-4D97-AF65-F5344CB8AC3E}">
-        <p14:creationId xmlns:p14="http://schemas.microsoft.com/office/powerpoint/2010/main" val="4167282398"/>
+        <p14:creationId xmlns:p14="http://schemas.microsoft.com/office/powerpoint/2010/main" val="2112840949"/>
       </p:ext>
     </p:extLst>
   </p:cSld>
@@ -4600,7 +4834,7 @@
           <a:graphicData uri="http://schemas.openxmlformats.org/presentationml/2006/ole">
             <mc:AlternateContent xmlns:mc="http://schemas.openxmlformats.org/markup-compatibility/2006">
               <mc:Choice xmlns:v="urn:schemas-microsoft-com:vml" Requires="v">
-                <p:oleObj spid="_x0000_s18487" r:id="rId6" imgW="0" imgH="0" progId="TCLayout.ActiveDocument.1">
+                <p:oleObj spid="_x0000_s18504" r:id="rId6" imgW="0" imgH="0" progId="TCLayout.ActiveDocument.1">
                   <p:embed/>
                 </p:oleObj>
               </mc:Choice>
@@ -4692,7 +4926,7 @@
             <a:pPr algn="l"/>
             <a:r>
               <a:rPr lang="en-US" sz="1800" b="1" dirty="0"/>
-              <a:t>Expansion of International Schools in the U.S. by county/city</a:t>
+              <a:t>Expansion of International Schools in the U.S. by county</a:t>
             </a:r>
           </a:p>
         </p:txBody>
@@ -4770,7 +5004,7 @@
                   <a:srgbClr val="000000"/>
                 </a:solidFill>
               </a:rPr>
-              <a:t>Since CY 2000, 28 International Schools were added in these U.S. markets extending the total to 73 schools</a:t>
+              <a:t>From CY2000-2015, 28 International Schools were added in these U.S. markets extending the current total to 73 schools</a:t>
             </a:r>
             <a:endParaRPr lang="en-US" sz="1200" dirty="0"/>
           </a:p>
@@ -4826,7 +5060,7 @@
           <a:graphicData uri="http://schemas.openxmlformats.org/presentationml/2006/ole">
             <mc:AlternateContent xmlns:mc="http://schemas.openxmlformats.org/markup-compatibility/2006">
               <mc:Choice xmlns:v="urn:schemas-microsoft-com:vml" Requires="v">
-                <p:oleObj spid="_x0000_s19517" r:id="rId5" imgW="0" imgH="0" progId="TCLayout.ActiveDocument.1">
+                <p:oleObj spid="_x0000_s19534" r:id="rId5" imgW="0" imgH="0" progId="TCLayout.ActiveDocument.1">
                   <p:embed/>
                 </p:oleObj>
               </mc:Choice>
@@ -5005,7 +5239,7 @@
         </p:blipFill>
         <p:spPr>
           <a:xfrm>
-            <a:off x="4633913" y="3984833"/>
+            <a:off x="5029200" y="3798610"/>
             <a:ext cx="2271713" cy="1275893"/>
           </a:xfrm>
           <a:prstGeom prst="rect">
@@ -5080,7 +5314,7 @@
         </p:blipFill>
         <p:spPr>
           <a:xfrm>
-            <a:off x="1143001" y="4436557"/>
+            <a:off x="1447800" y="4436556"/>
             <a:ext cx="2057400" cy="753701"/>
           </a:xfrm>
           <a:prstGeom prst="rect">
@@ -5110,7 +5344,7 @@
         </p:blipFill>
         <p:spPr>
           <a:xfrm>
-            <a:off x="4973912" y="1803149"/>
+            <a:off x="5740675" y="1952159"/>
             <a:ext cx="848762" cy="848762"/>
           </a:xfrm>
           <a:prstGeom prst="rect">
@@ -5140,38 +5374,8 @@
         </p:blipFill>
         <p:spPr>
           <a:xfrm>
-            <a:off x="3571875" y="3038475"/>
+            <a:off x="3463189" y="2950656"/>
             <a:ext cx="1912821" cy="746911"/>
-          </a:xfrm>
-          <a:prstGeom prst="rect">
-            <a:avLst/>
-          </a:prstGeom>
-        </p:spPr>
-      </p:pic>
-      <p:pic>
-        <p:nvPicPr>
-          <p:cNvPr id="60" name="Picture 59">
-            <a:extLst>
-              <a:ext uri="{FF2B5EF4-FFF2-40B4-BE49-F238E27FC236}">
-                <a16:creationId xmlns:a16="http://schemas.microsoft.com/office/drawing/2014/main" id="{2DE85CEC-953C-4C42-9FF7-A50EE3FC2E5E}"/>
-              </a:ext>
-            </a:extLst>
-          </p:cNvPr>
-          <p:cNvPicPr>
-            <a:picLocks noChangeAspect="1"/>
-          </p:cNvPicPr>
-          <p:nvPr/>
-        </p:nvPicPr>
-        <p:blipFill>
-          <a:blip r:embed="rId12"/>
-          <a:stretch>
-            <a:fillRect/>
-          </a:stretch>
-        </p:blipFill>
-        <p:spPr>
-          <a:xfrm>
-            <a:off x="6019800" y="2651911"/>
-            <a:ext cx="1676400" cy="1133475"/>
           </a:xfrm>
           <a:prstGeom prst="rect">
             <a:avLst/>
@@ -5193,14 +5397,14 @@
           <p:nvPr/>
         </p:nvPicPr>
         <p:blipFill>
-          <a:blip r:embed="rId13"/>
+          <a:blip r:embed="rId12"/>
           <a:stretch>
             <a:fillRect/>
           </a:stretch>
         </p:blipFill>
         <p:spPr>
           <a:xfrm>
-            <a:off x="2971800" y="4960164"/>
+            <a:off x="3215489" y="4876800"/>
             <a:ext cx="2271713" cy="811813"/>
           </a:xfrm>
           <a:prstGeom prst="rect">
@@ -5258,7 +5462,7 @@
           <a:graphicData uri="http://schemas.openxmlformats.org/presentationml/2006/ole">
             <mc:AlternateContent xmlns:mc="http://schemas.openxmlformats.org/markup-compatibility/2006">
               <mc:Choice xmlns:v="urn:schemas-microsoft-com:vml" Requires="v">
-                <p:oleObj spid="_x0000_s1092" r:id="rId5" imgW="0" imgH="0" progId="TCLayout.ActiveDocument.1">
+                <p:oleObj spid="_x0000_s1114" r:id="rId5" imgW="0" imgH="0" progId="TCLayout.ActiveDocument.1">
                   <p:embed/>
                 </p:oleObj>
               </mc:Choice>
@@ -5381,7 +5585,7 @@
         <p:spPr>
           <a:xfrm>
             <a:off x="590550" y="1219200"/>
-            <a:ext cx="7867650" cy="4524315"/>
+            <a:ext cx="7867650" cy="4031873"/>
           </a:xfrm>
           <a:prstGeom prst="rect">
             <a:avLst/>
@@ -5400,7 +5604,7 @@
                   <a:srgbClr val="000000"/>
                 </a:solidFill>
               </a:rPr>
-              <a:t>International schools, which were established more than 3 decades ago, have expanded in numbers and students enrollment 5.5x the rate of global population growth</a:t>
+              <a:t>From CY2000-2016, International Schools for K12 have expanded in numbers and student enrollment 5.5x the rate of global population growth</a:t>
             </a:r>
           </a:p>
           <a:p>
@@ -5417,7 +5621,7 @@
                   <a:srgbClr val="000000"/>
                 </a:solidFill>
               </a:rPr>
-              <a:t>Originally formed to serve EU, UK and U.S. ex-patriots abroad, these English medium schools provided curricula aligned for top-tier western university admission</a:t>
+              <a:t>This growth has stemmed from globalization, policy changes, but more commonly, native families you can now afford these schools which best prepared their children for top university acceptance around the world</a:t>
             </a:r>
           </a:p>
           <a:p>
@@ -5434,7 +5638,7 @@
                   <a:srgbClr val="000000"/>
                 </a:solidFill>
               </a:rPr>
-              <a:t>The growth has stemmed from globalization, policy changes but more commonly local and native families you can now afford these schools for their children in emerging markets</a:t>
+              <a:t>While the U.S. continues to dominate top global universities rankings, it’s public K12 performance has slid below many of these emerging markets</a:t>
             </a:r>
           </a:p>
           <a:p>
@@ -5451,7 +5655,7 @@
                   <a:srgbClr val="000000"/>
                 </a:solidFill>
               </a:rPr>
-              <a:t>While the U.S. continues to dominate Top global universities destinations, it’s global K12 performance has slid below many of these emerging markets</a:t>
+              <a:t>An examination over this period illustrates a path from the growth in international schools and growth in international students to U.S. universities in specific markets  </a:t>
             </a:r>
           </a:p>
           <a:p>
@@ -5468,24 +5672,7 @@
                   <a:srgbClr val="000000"/>
                 </a:solidFill>
               </a:rPr>
-              <a:t>An examination over a period from CY2000-2016, illustrates a growth and a ‘path’ in international students in U.S. universities extending to immigration and changes in race and minority household income growth in the same and neighboring communities  </a:t>
-            </a:r>
-          </a:p>
-          <a:p>
-            <a:endParaRPr lang="en-US" sz="1600" dirty="0">
-              <a:solidFill>
-                <a:srgbClr val="000000"/>
-              </a:solidFill>
-            </a:endParaRPr>
-          </a:p>
-          <a:p>
-            <a:r>
-              <a:rPr lang="en-US" sz="1600" dirty="0">
-                <a:solidFill>
-                  <a:srgbClr val="000000"/>
-                </a:solidFill>
-              </a:rPr>
-              <a:t>The analysis further illustrates an expansion of International Schools in the same U.S. markets</a:t>
+              <a:t>Coupled with immigration, the composition of these markets has grown in minority population percentage and household income.  This has led to the expansion of International Schools in those U.S. markets and neighboring communities over the same period</a:t>
             </a:r>
           </a:p>
         </p:txBody>
@@ -5575,6 +5762,36 @@
           <a:chExt cx="0" cy="0"/>
         </a:xfrm>
       </p:grpSpPr>
+      <p:pic>
+        <p:nvPicPr>
+          <p:cNvPr id="3" name="Picture 2">
+            <a:extLst>
+              <a:ext uri="{FF2B5EF4-FFF2-40B4-BE49-F238E27FC236}">
+                <a16:creationId xmlns:a16="http://schemas.microsoft.com/office/drawing/2014/main" id="{98C6DE19-CD4E-4850-AAFD-71362645D33A}"/>
+              </a:ext>
+            </a:extLst>
+          </p:cNvPr>
+          <p:cNvPicPr>
+            <a:picLocks noChangeAspect="1"/>
+          </p:cNvPicPr>
+          <p:nvPr/>
+        </p:nvPicPr>
+        <p:blipFill>
+          <a:blip r:embed="rId5"/>
+          <a:stretch>
+            <a:fillRect/>
+          </a:stretch>
+        </p:blipFill>
+        <p:spPr>
+          <a:xfrm>
+            <a:off x="609599" y="1752600"/>
+            <a:ext cx="7943827" cy="4419600"/>
+          </a:xfrm>
+          <a:prstGeom prst="rect">
+            <a:avLst/>
+          </a:prstGeom>
+        </p:spPr>
+      </p:pic>
       <p:graphicFrame>
         <p:nvGraphicFramePr>
           <p:cNvPr id="235522" name="Rectangle 2" hidden="1"/>
@@ -5595,7 +5812,313 @@
           <a:graphicData uri="http://schemas.openxmlformats.org/presentationml/2006/ole">
             <mc:AlternateContent xmlns:mc="http://schemas.openxmlformats.org/markup-compatibility/2006">
               <mc:Choice xmlns:v="urn:schemas-microsoft-com:vml" Requires="v">
-                <p:oleObj spid="_x0000_s2112" r:id="rId5" imgW="0" imgH="0" progId="TCLayout.ActiveDocument.1">
+                <p:oleObj spid="_x0000_s2130" r:id="rId6" imgW="0" imgH="0" progId="TCLayout.ActiveDocument.1">
+                  <p:embed/>
+                </p:oleObj>
+              </mc:Choice>
+              <mc:Fallback>
+                <p:oleObj r:id="rId6" imgW="0" imgH="0" progId="TCLayout.ActiveDocument.1">
+                  <p:embed/>
+                  <p:pic>
+                    <p:nvPicPr>
+                      <p:cNvPr id="235522" name="Rectangle 2" hidden="1"/>
+                      <p:cNvPicPr preferRelativeResize="0">
+                        <a:picLocks noChangeArrowheads="1"/>
+                      </p:cNvPicPr>
+                      <p:nvPr/>
+                    </p:nvPicPr>
+                    <p:blipFill>
+                      <a:blip>
+                        <a:extLst>
+                          <a:ext uri="{28A0092B-C50C-407E-A947-70E740481C1C}">
+                            <a14:useLocalDpi xmlns:a14="http://schemas.microsoft.com/office/drawing/2010/main" val="0"/>
+                          </a:ext>
+                        </a:extLst>
+                      </a:blip>
+                      <a:srcRect/>
+                      <a:stretch>
+                        <a:fillRect/>
+                      </a:stretch>
+                    </p:blipFill>
+                    <p:spPr bwMode="auto">
+                      <a:xfrm>
+                        <a:off x="0" y="-305118"/>
+                        <a:ext cx="158519" cy="158518"/>
+                      </a:xfrm>
+                      <a:prstGeom prst="rect">
+                        <a:avLst/>
+                      </a:prstGeom>
+                      <a:noFill/>
+                      <a:ln>
+                        <a:noFill/>
+                      </a:ln>
+                      <a:extLst>
+                        <a:ext uri="{909E8E84-426E-40DD-AFC4-6F175D3DCCD1}">
+                          <a14:hiddenFill xmlns:a14="http://schemas.microsoft.com/office/drawing/2010/main">
+                            <a:solidFill>
+                              <a:srgbClr val="FFFFFF"/>
+                            </a:solidFill>
+                          </a14:hiddenFill>
+                        </a:ext>
+                        <a:ext uri="{91240B29-F687-4F45-9708-019B960494DF}">
+                          <a14:hiddenLine xmlns:a14="http://schemas.microsoft.com/office/drawing/2010/main" w="9525">
+                            <a:solidFill>
+                              <a:srgbClr val="000000"/>
+                            </a:solidFill>
+                            <a:miter lim="800000"/>
+                            <a:headEnd/>
+                            <a:tailEnd/>
+                          </a14:hiddenLine>
+                        </a:ext>
+                      </a:extLst>
+                    </p:spPr>
+                  </p:pic>
+                </p:oleObj>
+              </mc:Fallback>
+            </mc:AlternateContent>
+          </a:graphicData>
+        </a:graphic>
+      </p:graphicFrame>
+      <p:sp>
+        <p:nvSpPr>
+          <p:cNvPr id="47" name="Title 40"/>
+          <p:cNvSpPr>
+            <a:spLocks noGrp="1"/>
+          </p:cNvSpPr>
+          <p:nvPr>
+            <p:ph type="title"/>
+          </p:nvPr>
+        </p:nvSpPr>
+        <p:spPr>
+          <a:xfrm>
+            <a:off x="533400" y="411162"/>
+            <a:ext cx="8001000" cy="808038"/>
+          </a:xfrm>
+        </p:spPr>
+        <p:txBody>
+          <a:bodyPr>
+            <a:normAutofit/>
+          </a:bodyPr>
+          <a:lstStyle/>
+          <a:p>
+            <a:pPr algn="l"/>
+            <a:r>
+              <a:rPr lang="en-US" sz="2000" b="1" dirty="0"/>
+              <a:t>Expansion of K12 International Schools</a:t>
+            </a:r>
+          </a:p>
+        </p:txBody>
+      </p:sp>
+      <p:sp>
+        <p:nvSpPr>
+          <p:cNvPr id="10" name="TextBox 9">
+            <a:extLst>
+              <a:ext uri="{FF2B5EF4-FFF2-40B4-BE49-F238E27FC236}">
+                <a16:creationId xmlns:a16="http://schemas.microsoft.com/office/drawing/2014/main" id="{29203866-40A8-4140-B11F-EA99D624BA74}"/>
+              </a:ext>
+            </a:extLst>
+          </p:cNvPr>
+          <p:cNvSpPr txBox="1"/>
+          <p:nvPr/>
+        </p:nvSpPr>
+        <p:spPr>
+          <a:xfrm>
+            <a:off x="457200" y="6490156"/>
+            <a:ext cx="2533650" cy="215444"/>
+          </a:xfrm>
+          <a:prstGeom prst="rect">
+            <a:avLst/>
+          </a:prstGeom>
+          <a:noFill/>
+        </p:spPr>
+        <p:txBody>
+          <a:bodyPr wrap="square" rtlCol="0">
+            <a:spAutoFit/>
+          </a:bodyPr>
+          <a:lstStyle/>
+          <a:p>
+            <a:r>
+              <a:rPr lang="en-US" sz="800" dirty="0">
+                <a:solidFill>
+                  <a:srgbClr val="000000"/>
+                </a:solidFill>
+              </a:rPr>
+              <a:t>Source: ISC Research</a:t>
+            </a:r>
+          </a:p>
+        </p:txBody>
+      </p:sp>
+      <p:sp>
+        <p:nvSpPr>
+          <p:cNvPr id="9" name="TextBox 8">
+            <a:extLst>
+              <a:ext uri="{FF2B5EF4-FFF2-40B4-BE49-F238E27FC236}">
+                <a16:creationId xmlns:a16="http://schemas.microsoft.com/office/drawing/2014/main" id="{63231AC0-A554-47CB-8464-A0B87102B8F7}"/>
+              </a:ext>
+            </a:extLst>
+          </p:cNvPr>
+          <p:cNvSpPr txBox="1"/>
+          <p:nvPr/>
+        </p:nvSpPr>
+        <p:spPr>
+          <a:xfrm>
+            <a:off x="533400" y="1066800"/>
+            <a:ext cx="8095292" cy="769441"/>
+          </a:xfrm>
+          <a:prstGeom prst="rect">
+            <a:avLst/>
+          </a:prstGeom>
+          <a:noFill/>
+        </p:spPr>
+        <p:txBody>
+          <a:bodyPr wrap="square" rtlCol="0">
+            <a:spAutoFit/>
+          </a:bodyPr>
+          <a:lstStyle/>
+          <a:p>
+            <a:r>
+              <a:rPr lang="en-US" sz="1600" dirty="0">
+                <a:solidFill>
+                  <a:srgbClr val="000000"/>
+                </a:solidFill>
+              </a:rPr>
+              <a:t>Originally formed to serve EU, UK and U.S. ex-patriots abroad, International Schools provided English Medium curricula aligned for </a:t>
+            </a:r>
+            <a:r>
+              <a:rPr lang="en-US" sz="1600" u="sng" dirty="0">
+                <a:solidFill>
+                  <a:srgbClr val="000000"/>
+                </a:solidFill>
+              </a:rPr>
+              <a:t>top-tier</a:t>
+            </a:r>
+            <a:r>
+              <a:rPr lang="en-US" sz="1600" dirty="0">
+                <a:solidFill>
+                  <a:srgbClr val="000000"/>
+                </a:solidFill>
+              </a:rPr>
+              <a:t> western university admission. </a:t>
+            </a:r>
+          </a:p>
+          <a:p>
+            <a:endParaRPr lang="en-US" sz="1200" dirty="0"/>
+          </a:p>
+        </p:txBody>
+      </p:sp>
+      <p:sp>
+        <p:nvSpPr>
+          <p:cNvPr id="8" name="TextBox 7">
+            <a:extLst>
+              <a:ext uri="{FF2B5EF4-FFF2-40B4-BE49-F238E27FC236}">
+                <a16:creationId xmlns:a16="http://schemas.microsoft.com/office/drawing/2014/main" id="{3016B17F-FB9B-416A-8D5D-F4826F89FA4C}"/>
+              </a:ext>
+            </a:extLst>
+          </p:cNvPr>
+          <p:cNvSpPr txBox="1"/>
+          <p:nvPr/>
+        </p:nvSpPr>
+        <p:spPr>
+          <a:xfrm>
+            <a:off x="4572001" y="3274621"/>
+            <a:ext cx="1981199" cy="992579"/>
+          </a:xfrm>
+          <a:prstGeom prst="rect">
+            <a:avLst/>
+          </a:prstGeom>
+          <a:noFill/>
+        </p:spPr>
+        <p:txBody>
+          <a:bodyPr wrap="square" rtlCol="0">
+            <a:spAutoFit/>
+          </a:bodyPr>
+          <a:lstStyle/>
+          <a:p>
+            <a:r>
+              <a:rPr lang="en-US" sz="1200" dirty="0">
+                <a:solidFill>
+                  <a:srgbClr val="000000"/>
+                </a:solidFill>
+              </a:rPr>
+              <a:t>CY1986: &lt;1,000 schools </a:t>
+            </a:r>
+          </a:p>
+          <a:p>
+            <a:r>
+              <a:rPr lang="en-US" sz="1200" dirty="0">
+                <a:solidFill>
+                  <a:srgbClr val="000000"/>
+                </a:solidFill>
+              </a:rPr>
+              <a:t>CY2000: &gt;2,500 </a:t>
+            </a:r>
+          </a:p>
+          <a:p>
+            <a:r>
+              <a:rPr lang="en-US" sz="1200" dirty="0">
+                <a:solidFill>
+                  <a:srgbClr val="000000"/>
+                </a:solidFill>
+              </a:rPr>
+              <a:t>CY2016: &gt;8,200 schools serving 4.3 million students. </a:t>
+            </a:r>
+          </a:p>
+          <a:p>
+            <a:endParaRPr lang="en-US" sz="1050" dirty="0"/>
+          </a:p>
+        </p:txBody>
+      </p:sp>
+    </p:spTree>
+    <p:extLst>
+      <p:ext uri="{BB962C8B-B14F-4D97-AF65-F5344CB8AC3E}">
+        <p14:creationId xmlns:p14="http://schemas.microsoft.com/office/powerpoint/2010/main" val="2971807086"/>
+      </p:ext>
+    </p:extLst>
+  </p:cSld>
+  <p:clrMapOvr>
+    <a:masterClrMapping/>
+  </p:clrMapOvr>
+</p:sld>
+</file>
+
+<file path=ppt/slides/slide4.xml><?xml version="1.0" encoding="utf-8"?>
+<p:sld xmlns:a="http://schemas.openxmlformats.org/drawingml/2006/main" xmlns:r="http://schemas.openxmlformats.org/officeDocument/2006/relationships" xmlns:p="http://schemas.openxmlformats.org/presentationml/2006/main">
+  <p:cSld>
+    <p:spTree>
+      <p:nvGrpSpPr>
+        <p:cNvPr id="1" name=""/>
+        <p:cNvGrpSpPr/>
+        <p:nvPr/>
+      </p:nvGrpSpPr>
+      <p:grpSpPr>
+        <a:xfrm>
+          <a:off x="0" y="0"/>
+          <a:ext cx="0" cy="0"/>
+          <a:chOff x="0" y="0"/>
+          <a:chExt cx="0" cy="0"/>
+        </a:xfrm>
+      </p:grpSpPr>
+      <p:graphicFrame>
+        <p:nvGraphicFramePr>
+          <p:cNvPr id="235522" name="Rectangle 2" hidden="1"/>
+          <p:cNvGraphicFramePr>
+            <a:graphicFrameLocks/>
+          </p:cNvGraphicFramePr>
+          <p:nvPr>
+            <p:custDataLst>
+              <p:tags r:id="rId2"/>
+            </p:custDataLst>
+          </p:nvPr>
+        </p:nvGraphicFramePr>
+        <p:xfrm>
+          <a:off x="0" y="-305118"/>
+          <a:ext cx="158519" cy="158518"/>
+        </p:xfrm>
+        <a:graphic>
+          <a:graphicData uri="http://schemas.openxmlformats.org/presentationml/2006/ole">
+            <mc:AlternateContent xmlns:mc="http://schemas.openxmlformats.org/markup-compatibility/2006">
+              <mc:Choice xmlns:v="urn:schemas-microsoft-com:vml" Requires="v">
+                <p:oleObj spid="_x0000_s20544" r:id="rId5" imgW="0" imgH="0" progId="TCLayout.ActiveDocument.1">
                   <p:embed/>
                 </p:oleObj>
               </mc:Choice>
@@ -5686,9 +6209,165 @@
           <a:p>
             <a:pPr algn="l"/>
             <a:r>
-              <a:rPr lang="en-US" sz="2000" b="1" dirty="0"/>
-              <a:t>Expansion of K12 International Schools</a:t>
-            </a:r>
+              <a:rPr lang="en-US" sz="1800" b="1" dirty="0"/>
+              <a:t>Volume and Origin of International Students attending U.S. Universities</a:t>
+            </a:r>
+          </a:p>
+        </p:txBody>
+      </p:sp>
+      <p:sp>
+        <p:nvSpPr>
+          <p:cNvPr id="4" name="Star: 5 Points 3">
+            <a:extLst>
+              <a:ext uri="{FF2B5EF4-FFF2-40B4-BE49-F238E27FC236}">
+                <a16:creationId xmlns:a16="http://schemas.microsoft.com/office/drawing/2014/main" id="{5DBB10AA-4E5D-418B-9116-095EF7F2742E}"/>
+              </a:ext>
+            </a:extLst>
+          </p:cNvPr>
+          <p:cNvSpPr/>
+          <p:nvPr/>
+        </p:nvSpPr>
+        <p:spPr>
+          <a:xfrm>
+            <a:off x="433820" y="2057400"/>
+            <a:ext cx="76200" cy="76200"/>
+          </a:xfrm>
+          <a:prstGeom prst="star5">
+            <a:avLst/>
+          </a:prstGeom>
+          <a:solidFill>
+            <a:schemeClr val="accent2"/>
+          </a:solidFill>
+          <a:ln>
+            <a:noFill/>
+          </a:ln>
+        </p:spPr>
+        <p:style>
+          <a:lnRef idx="2">
+            <a:schemeClr val="accent1">
+              <a:shade val="50000"/>
+            </a:schemeClr>
+          </a:lnRef>
+          <a:fillRef idx="1">
+            <a:schemeClr val="accent1"/>
+          </a:fillRef>
+          <a:effectRef idx="0">
+            <a:schemeClr val="accent1"/>
+          </a:effectRef>
+          <a:fontRef idx="minor">
+            <a:schemeClr val="lt1"/>
+          </a:fontRef>
+        </p:style>
+        <p:txBody>
+          <a:bodyPr rtlCol="0" anchor="ctr"/>
+          <a:lstStyle/>
+          <a:p>
+            <a:pPr algn="ctr"/>
+            <a:endParaRPr lang="en-US"/>
+          </a:p>
+        </p:txBody>
+      </p:sp>
+      <p:sp>
+        <p:nvSpPr>
+          <p:cNvPr id="7" name="Star: 5 Points 6">
+            <a:extLst>
+              <a:ext uri="{FF2B5EF4-FFF2-40B4-BE49-F238E27FC236}">
+                <a16:creationId xmlns:a16="http://schemas.microsoft.com/office/drawing/2014/main" id="{1C9BEF6D-F56C-417B-A3AD-FD45D296E492}"/>
+              </a:ext>
+            </a:extLst>
+          </p:cNvPr>
+          <p:cNvSpPr/>
+          <p:nvPr/>
+        </p:nvSpPr>
+        <p:spPr>
+          <a:xfrm>
+            <a:off x="433820" y="2362200"/>
+            <a:ext cx="76200" cy="76200"/>
+          </a:xfrm>
+          <a:prstGeom prst="star5">
+            <a:avLst/>
+          </a:prstGeom>
+          <a:solidFill>
+            <a:schemeClr val="accent2"/>
+          </a:solidFill>
+          <a:ln>
+            <a:noFill/>
+          </a:ln>
+        </p:spPr>
+        <p:style>
+          <a:lnRef idx="2">
+            <a:schemeClr val="accent1">
+              <a:shade val="50000"/>
+            </a:schemeClr>
+          </a:lnRef>
+          <a:fillRef idx="1">
+            <a:schemeClr val="accent1"/>
+          </a:fillRef>
+          <a:effectRef idx="0">
+            <a:schemeClr val="accent1"/>
+          </a:effectRef>
+          <a:fontRef idx="minor">
+            <a:schemeClr val="lt1"/>
+          </a:fontRef>
+        </p:style>
+        <p:txBody>
+          <a:bodyPr rtlCol="0" anchor="ctr"/>
+          <a:lstStyle/>
+          <a:p>
+            <a:pPr algn="ctr"/>
+            <a:endParaRPr lang="en-US"/>
+          </a:p>
+        </p:txBody>
+      </p:sp>
+      <p:sp>
+        <p:nvSpPr>
+          <p:cNvPr id="8" name="Star: 5 Points 7">
+            <a:extLst>
+              <a:ext uri="{FF2B5EF4-FFF2-40B4-BE49-F238E27FC236}">
+                <a16:creationId xmlns:a16="http://schemas.microsoft.com/office/drawing/2014/main" id="{BA503142-E2D8-4207-A645-B8A44B598A79}"/>
+              </a:ext>
+            </a:extLst>
+          </p:cNvPr>
+          <p:cNvSpPr/>
+          <p:nvPr/>
+        </p:nvSpPr>
+        <p:spPr>
+          <a:xfrm>
+            <a:off x="433820" y="3810000"/>
+            <a:ext cx="76200" cy="76200"/>
+          </a:xfrm>
+          <a:prstGeom prst="star5">
+            <a:avLst/>
+          </a:prstGeom>
+          <a:solidFill>
+            <a:schemeClr val="accent2"/>
+          </a:solidFill>
+          <a:ln>
+            <a:noFill/>
+          </a:ln>
+        </p:spPr>
+        <p:style>
+          <a:lnRef idx="2">
+            <a:schemeClr val="accent1">
+              <a:shade val="50000"/>
+            </a:schemeClr>
+          </a:lnRef>
+          <a:fillRef idx="1">
+            <a:schemeClr val="accent1"/>
+          </a:fillRef>
+          <a:effectRef idx="0">
+            <a:schemeClr val="accent1"/>
+          </a:effectRef>
+          <a:fontRef idx="minor">
+            <a:schemeClr val="lt1"/>
+          </a:fontRef>
+        </p:style>
+        <p:txBody>
+          <a:bodyPr rtlCol="0" anchor="ctr"/>
+          <a:lstStyle/>
+          <a:p>
+            <a:pPr algn="ctr"/>
+            <a:endParaRPr lang="en-US"/>
           </a:p>
         </p:txBody>
       </p:sp>
@@ -5697,7 +6376,7 @@
           <p:cNvPr id="9" name="TextBox 8">
             <a:extLst>
               <a:ext uri="{FF2B5EF4-FFF2-40B4-BE49-F238E27FC236}">
-                <a16:creationId xmlns:a16="http://schemas.microsoft.com/office/drawing/2014/main" id="{63231AC0-A554-47CB-8464-A0B87102B8F7}"/>
+                <a16:creationId xmlns:a16="http://schemas.microsoft.com/office/drawing/2014/main" id="{DBC1203B-331D-4C84-9749-662B199D4B77}"/>
               </a:ext>
             </a:extLst>
           </p:cNvPr>
@@ -5706,8 +6385,8 @@
         </p:nvSpPr>
         <p:spPr>
           <a:xfrm>
-            <a:off x="590550" y="1066800"/>
-            <a:ext cx="7867650" cy="830997"/>
+            <a:off x="533400" y="1066800"/>
+            <a:ext cx="7867650" cy="338554"/>
           </a:xfrm>
           <a:prstGeom prst="rect">
             <a:avLst/>
@@ -5726,9 +6405,48 @@
                   <a:srgbClr val="000000"/>
                 </a:solidFill>
               </a:rPr>
-              <a:t>Thirty years ago, there were less than 1,000 international schools. By the year 2000, there were 2,500 schools and by 2016, there are more than 8,200 schools with 4.3 million students enrolled.</a:t>
+              <a:t>Top country origins align with leading growth markets for International Schools</a:t>
             </a:r>
             <a:endParaRPr lang="en-US" sz="1200" dirty="0"/>
+          </a:p>
+        </p:txBody>
+      </p:sp>
+      <p:sp>
+        <p:nvSpPr>
+          <p:cNvPr id="10" name="TextBox 9">
+            <a:extLst>
+              <a:ext uri="{FF2B5EF4-FFF2-40B4-BE49-F238E27FC236}">
+                <a16:creationId xmlns:a16="http://schemas.microsoft.com/office/drawing/2014/main" id="{86ACBD08-9BAE-4C28-BD76-3A8379268134}"/>
+              </a:ext>
+            </a:extLst>
+          </p:cNvPr>
+          <p:cNvSpPr txBox="1"/>
+          <p:nvPr/>
+        </p:nvSpPr>
+        <p:spPr>
+          <a:xfrm>
+            <a:off x="590550" y="6315015"/>
+            <a:ext cx="7867650" cy="215444"/>
+          </a:xfrm>
+          <a:prstGeom prst="rect">
+            <a:avLst/>
+          </a:prstGeom>
+          <a:noFill/>
+        </p:spPr>
+        <p:txBody>
+          <a:bodyPr wrap="square" rtlCol="0">
+            <a:spAutoFit/>
+          </a:bodyPr>
+          <a:lstStyle/>
+          <a:p>
+            <a:r>
+              <a:rPr lang="en-US" sz="800" dirty="0">
+                <a:solidFill>
+                  <a:srgbClr val="000000"/>
+                </a:solidFill>
+              </a:rPr>
+              <a:t>Source: IIE</a:t>
+            </a:r>
           </a:p>
         </p:txBody>
       </p:sp>
@@ -5737,7 +6455,7 @@
           <p:cNvPr id="2" name="Picture 1">
             <a:extLst>
               <a:ext uri="{FF2B5EF4-FFF2-40B4-BE49-F238E27FC236}">
-                <a16:creationId xmlns:a16="http://schemas.microsoft.com/office/drawing/2014/main" id="{1C196222-C96E-4420-8CB4-E13B810BCC44}"/>
+                <a16:creationId xmlns:a16="http://schemas.microsoft.com/office/drawing/2014/main" id="{C7FB9E8D-4FFE-420D-B45E-4E8054E5C8B3}"/>
               </a:ext>
             </a:extLst>
           </p:cNvPr>
@@ -5754,57 +6472,18 @@
         </p:blipFill>
         <p:spPr>
           <a:xfrm>
-            <a:off x="691019" y="1897796"/>
-            <a:ext cx="7937673" cy="4731603"/>
+            <a:off x="547688" y="1600200"/>
+            <a:ext cx="8162492" cy="4165424"/>
           </a:xfrm>
           <a:prstGeom prst="rect">
             <a:avLst/>
           </a:prstGeom>
         </p:spPr>
       </p:pic>
-      <p:sp>
-        <p:nvSpPr>
-          <p:cNvPr id="10" name="TextBox 9">
-            <a:extLst>
-              <a:ext uri="{FF2B5EF4-FFF2-40B4-BE49-F238E27FC236}">
-                <a16:creationId xmlns:a16="http://schemas.microsoft.com/office/drawing/2014/main" id="{29203866-40A8-4140-B11F-EA99D624BA74}"/>
-              </a:ext>
-            </a:extLst>
-          </p:cNvPr>
-          <p:cNvSpPr txBox="1"/>
-          <p:nvPr/>
-        </p:nvSpPr>
-        <p:spPr>
-          <a:xfrm>
-            <a:off x="2057400" y="6324600"/>
-            <a:ext cx="2533650" cy="215444"/>
-          </a:xfrm>
-          <a:prstGeom prst="rect">
-            <a:avLst/>
-          </a:prstGeom>
-          <a:noFill/>
-        </p:spPr>
-        <p:txBody>
-          <a:bodyPr wrap="square" rtlCol="0">
-            <a:spAutoFit/>
-          </a:bodyPr>
-          <a:lstStyle/>
-          <a:p>
-            <a:r>
-              <a:rPr lang="en-US" sz="800" dirty="0">
-                <a:solidFill>
-                  <a:srgbClr val="000000"/>
-                </a:solidFill>
-              </a:rPr>
-              <a:t>Source: ISC Research</a:t>
-            </a:r>
-          </a:p>
-        </p:txBody>
-      </p:sp>
     </p:spTree>
     <p:extLst>
       <p:ext uri="{BB962C8B-B14F-4D97-AF65-F5344CB8AC3E}">
-        <p14:creationId xmlns:p14="http://schemas.microsoft.com/office/powerpoint/2010/main" val="2971807086"/>
+        <p14:creationId xmlns:p14="http://schemas.microsoft.com/office/powerpoint/2010/main" val="2311429671"/>
       </p:ext>
     </p:extLst>
   </p:cSld>
@@ -5814,7 +6493,7 @@
 </p:sld>
 </file>
 
-<file path=ppt/slides/slide4.xml><?xml version="1.0" encoding="utf-8"?>
+<file path=ppt/slides/slide5.xml><?xml version="1.0" encoding="utf-8"?>
 <p:sld xmlns:a="http://schemas.openxmlformats.org/drawingml/2006/main" xmlns:r="http://schemas.openxmlformats.org/officeDocument/2006/relationships" xmlns:p="http://schemas.openxmlformats.org/presentationml/2006/main">
   <p:cSld>
     <p:spTree>
@@ -5851,7 +6530,7 @@
           <a:graphicData uri="http://schemas.openxmlformats.org/presentationml/2006/ole">
             <mc:AlternateContent xmlns:mc="http://schemas.openxmlformats.org/markup-compatibility/2006">
               <mc:Choice xmlns:v="urn:schemas-microsoft-com:vml" Requires="v">
-                <p:oleObj spid="_x0000_s20527" r:id="rId5" imgW="0" imgH="0" progId="TCLayout.ActiveDocument.1">
+                <p:oleObj spid="_x0000_s12364" r:id="rId5" imgW="0" imgH="0" progId="TCLayout.ActiveDocument.1">
                   <p:embed/>
                 </p:oleObj>
               </mc:Choice>
@@ -5943,173 +6622,17 @@
             <a:pPr algn="l"/>
             <a:r>
               <a:rPr lang="en-US" sz="1800" b="1" dirty="0"/>
-              <a:t>Trends in Volume and Origin of International Students attending U.S. Universities</a:t>
-            </a:r>
-          </a:p>
-        </p:txBody>
-      </p:sp>
-      <p:sp>
-        <p:nvSpPr>
-          <p:cNvPr id="4" name="Star: 5 Points 3">
+              <a:t>Rankings of Top Global Higher Education Universities</a:t>
+            </a:r>
+          </a:p>
+        </p:txBody>
+      </p:sp>
+      <p:sp>
+        <p:nvSpPr>
+          <p:cNvPr id="8" name="TextBox 7">
             <a:extLst>
               <a:ext uri="{FF2B5EF4-FFF2-40B4-BE49-F238E27FC236}">
-                <a16:creationId xmlns:a16="http://schemas.microsoft.com/office/drawing/2014/main" id="{5DBB10AA-4E5D-418B-9116-095EF7F2742E}"/>
-              </a:ext>
-            </a:extLst>
-          </p:cNvPr>
-          <p:cNvSpPr/>
-          <p:nvPr/>
-        </p:nvSpPr>
-        <p:spPr>
-          <a:xfrm>
-            <a:off x="433820" y="2057400"/>
-            <a:ext cx="76200" cy="76200"/>
-          </a:xfrm>
-          <a:prstGeom prst="star5">
-            <a:avLst/>
-          </a:prstGeom>
-          <a:solidFill>
-            <a:schemeClr val="accent2"/>
-          </a:solidFill>
-          <a:ln>
-            <a:noFill/>
-          </a:ln>
-        </p:spPr>
-        <p:style>
-          <a:lnRef idx="2">
-            <a:schemeClr val="accent1">
-              <a:shade val="50000"/>
-            </a:schemeClr>
-          </a:lnRef>
-          <a:fillRef idx="1">
-            <a:schemeClr val="accent1"/>
-          </a:fillRef>
-          <a:effectRef idx="0">
-            <a:schemeClr val="accent1"/>
-          </a:effectRef>
-          <a:fontRef idx="minor">
-            <a:schemeClr val="lt1"/>
-          </a:fontRef>
-        </p:style>
-        <p:txBody>
-          <a:bodyPr rtlCol="0" anchor="ctr"/>
-          <a:lstStyle/>
-          <a:p>
-            <a:pPr algn="ctr"/>
-            <a:endParaRPr lang="en-US"/>
-          </a:p>
-        </p:txBody>
-      </p:sp>
-      <p:sp>
-        <p:nvSpPr>
-          <p:cNvPr id="7" name="Star: 5 Points 6">
-            <a:extLst>
-              <a:ext uri="{FF2B5EF4-FFF2-40B4-BE49-F238E27FC236}">
-                <a16:creationId xmlns:a16="http://schemas.microsoft.com/office/drawing/2014/main" id="{1C9BEF6D-F56C-417B-A3AD-FD45D296E492}"/>
-              </a:ext>
-            </a:extLst>
-          </p:cNvPr>
-          <p:cNvSpPr/>
-          <p:nvPr/>
-        </p:nvSpPr>
-        <p:spPr>
-          <a:xfrm>
-            <a:off x="433820" y="2362200"/>
-            <a:ext cx="76200" cy="76200"/>
-          </a:xfrm>
-          <a:prstGeom prst="star5">
-            <a:avLst/>
-          </a:prstGeom>
-          <a:solidFill>
-            <a:schemeClr val="accent2"/>
-          </a:solidFill>
-          <a:ln>
-            <a:noFill/>
-          </a:ln>
-        </p:spPr>
-        <p:style>
-          <a:lnRef idx="2">
-            <a:schemeClr val="accent1">
-              <a:shade val="50000"/>
-            </a:schemeClr>
-          </a:lnRef>
-          <a:fillRef idx="1">
-            <a:schemeClr val="accent1"/>
-          </a:fillRef>
-          <a:effectRef idx="0">
-            <a:schemeClr val="accent1"/>
-          </a:effectRef>
-          <a:fontRef idx="minor">
-            <a:schemeClr val="lt1"/>
-          </a:fontRef>
-        </p:style>
-        <p:txBody>
-          <a:bodyPr rtlCol="0" anchor="ctr"/>
-          <a:lstStyle/>
-          <a:p>
-            <a:pPr algn="ctr"/>
-            <a:endParaRPr lang="en-US"/>
-          </a:p>
-        </p:txBody>
-      </p:sp>
-      <p:sp>
-        <p:nvSpPr>
-          <p:cNvPr id="8" name="Star: 5 Points 7">
-            <a:extLst>
-              <a:ext uri="{FF2B5EF4-FFF2-40B4-BE49-F238E27FC236}">
-                <a16:creationId xmlns:a16="http://schemas.microsoft.com/office/drawing/2014/main" id="{BA503142-E2D8-4207-A645-B8A44B598A79}"/>
-              </a:ext>
-            </a:extLst>
-          </p:cNvPr>
-          <p:cNvSpPr/>
-          <p:nvPr/>
-        </p:nvSpPr>
-        <p:spPr>
-          <a:xfrm>
-            <a:off x="433820" y="3810000"/>
-            <a:ext cx="76200" cy="76200"/>
-          </a:xfrm>
-          <a:prstGeom prst="star5">
-            <a:avLst/>
-          </a:prstGeom>
-          <a:solidFill>
-            <a:schemeClr val="accent2"/>
-          </a:solidFill>
-          <a:ln>
-            <a:noFill/>
-          </a:ln>
-        </p:spPr>
-        <p:style>
-          <a:lnRef idx="2">
-            <a:schemeClr val="accent1">
-              <a:shade val="50000"/>
-            </a:schemeClr>
-          </a:lnRef>
-          <a:fillRef idx="1">
-            <a:schemeClr val="accent1"/>
-          </a:fillRef>
-          <a:effectRef idx="0">
-            <a:schemeClr val="accent1"/>
-          </a:effectRef>
-          <a:fontRef idx="minor">
-            <a:schemeClr val="lt1"/>
-          </a:fontRef>
-        </p:style>
-        <p:txBody>
-          <a:bodyPr rtlCol="0" anchor="ctr"/>
-          <a:lstStyle/>
-          <a:p>
-            <a:pPr algn="ctr"/>
-            <a:endParaRPr lang="en-US"/>
-          </a:p>
-        </p:txBody>
-      </p:sp>
-      <p:sp>
-        <p:nvSpPr>
-          <p:cNvPr id="9" name="TextBox 8">
-            <a:extLst>
-              <a:ext uri="{FF2B5EF4-FFF2-40B4-BE49-F238E27FC236}">
-                <a16:creationId xmlns:a16="http://schemas.microsoft.com/office/drawing/2014/main" id="{DBC1203B-331D-4C84-9749-662B199D4B77}"/>
+                <a16:creationId xmlns:a16="http://schemas.microsoft.com/office/drawing/2014/main" id="{47E41CCE-D198-45AA-B43F-2D8DF6492A56}"/>
               </a:ext>
             </a:extLst>
           </p:cNvPr>
@@ -6119,7 +6642,7 @@
         <p:spPr>
           <a:xfrm>
             <a:off x="533400" y="1066800"/>
-            <a:ext cx="7867650" cy="338554"/>
+            <a:ext cx="7867650" cy="584775"/>
           </a:xfrm>
           <a:prstGeom prst="rect">
             <a:avLst/>
@@ -6138,7 +6661,7 @@
                   <a:srgbClr val="000000"/>
                 </a:solidFill>
               </a:rPr>
-              <a:t>Top country origins align with leading growth markets for International Schools</a:t>
+              <a:t>U.S. continues to lead top-20 global university rankings.  These universities were also are incentivized to accept foreign student to bolster enrollment </a:t>
             </a:r>
             <a:endParaRPr lang="en-US" sz="1200" dirty="0"/>
           </a:p>
@@ -6146,10 +6669,10 @@
       </p:sp>
       <p:sp>
         <p:nvSpPr>
-          <p:cNvPr id="10" name="TextBox 9">
+          <p:cNvPr id="9" name="TextBox 8">
             <a:extLst>
               <a:ext uri="{FF2B5EF4-FFF2-40B4-BE49-F238E27FC236}">
-                <a16:creationId xmlns:a16="http://schemas.microsoft.com/office/drawing/2014/main" id="{86ACBD08-9BAE-4C28-BD76-3A8379268134}"/>
+                <a16:creationId xmlns:a16="http://schemas.microsoft.com/office/drawing/2014/main" id="{FEE8F938-12E7-4107-883D-A6944381F53B}"/>
               </a:ext>
             </a:extLst>
           </p:cNvPr>
@@ -6158,8 +6681,8 @@
         </p:nvSpPr>
         <p:spPr>
           <a:xfrm>
-            <a:off x="590550" y="6315015"/>
-            <a:ext cx="7867650" cy="215444"/>
+            <a:off x="2057400" y="6337756"/>
+            <a:ext cx="5200650" cy="215444"/>
           </a:xfrm>
           <a:prstGeom prst="rect">
             <a:avLst/>
@@ -6185,10 +6708,10 @@
       </p:sp>
       <p:pic>
         <p:nvPicPr>
-          <p:cNvPr id="2" name="Picture 1">
+          <p:cNvPr id="3" name="Picture 2">
             <a:extLst>
               <a:ext uri="{FF2B5EF4-FFF2-40B4-BE49-F238E27FC236}">
-                <a16:creationId xmlns:a16="http://schemas.microsoft.com/office/drawing/2014/main" id="{C7FB9E8D-4FFE-420D-B45E-4E8054E5C8B3}"/>
+                <a16:creationId xmlns:a16="http://schemas.microsoft.com/office/drawing/2014/main" id="{DBE7DC33-7CB1-4F8F-8323-D776B80EFACA}"/>
               </a:ext>
             </a:extLst>
           </p:cNvPr>
@@ -6205,8 +6728,8 @@
         </p:blipFill>
         <p:spPr>
           <a:xfrm>
-            <a:off x="547688" y="1600200"/>
-            <a:ext cx="8162492" cy="4165424"/>
+            <a:off x="650831" y="1981200"/>
+            <a:ext cx="8005720" cy="3810000"/>
           </a:xfrm>
           <a:prstGeom prst="rect">
             <a:avLst/>
@@ -6216,7 +6739,7 @@
     </p:spTree>
     <p:extLst>
       <p:ext uri="{BB962C8B-B14F-4D97-AF65-F5344CB8AC3E}">
-        <p14:creationId xmlns:p14="http://schemas.microsoft.com/office/powerpoint/2010/main" val="2311429671"/>
+        <p14:creationId xmlns:p14="http://schemas.microsoft.com/office/powerpoint/2010/main" val="2026854121"/>
       </p:ext>
     </p:extLst>
   </p:cSld>
@@ -6226,7 +6749,263 @@
 </p:sld>
 </file>
 
-<file path=ppt/slides/slide5.xml><?xml version="1.0" encoding="utf-8"?>
+<file path=ppt/slides/slide6.xml><?xml version="1.0" encoding="utf-8"?>
+<p:sld xmlns:a="http://schemas.openxmlformats.org/drawingml/2006/main" xmlns:r="http://schemas.openxmlformats.org/officeDocument/2006/relationships" xmlns:p="http://schemas.openxmlformats.org/presentationml/2006/main">
+  <p:cSld>
+    <p:spTree>
+      <p:nvGrpSpPr>
+        <p:cNvPr id="1" name=""/>
+        <p:cNvGrpSpPr/>
+        <p:nvPr/>
+      </p:nvGrpSpPr>
+      <p:grpSpPr>
+        <a:xfrm>
+          <a:off x="0" y="0"/>
+          <a:ext cx="0" cy="0"/>
+          <a:chOff x="0" y="0"/>
+          <a:chExt cx="0" cy="0"/>
+        </a:xfrm>
+      </p:grpSpPr>
+      <p:pic>
+        <p:nvPicPr>
+          <p:cNvPr id="4" name="Picture 3">
+            <a:extLst>
+              <a:ext uri="{FF2B5EF4-FFF2-40B4-BE49-F238E27FC236}">
+                <a16:creationId xmlns:a16="http://schemas.microsoft.com/office/drawing/2014/main" id="{9910E4CE-E7B5-4D4B-B758-ABCC642E4D34}"/>
+              </a:ext>
+            </a:extLst>
+          </p:cNvPr>
+          <p:cNvPicPr>
+            <a:picLocks noChangeAspect="1"/>
+          </p:cNvPicPr>
+          <p:nvPr/>
+        </p:nvPicPr>
+        <p:blipFill>
+          <a:blip r:embed="rId5"/>
+          <a:stretch>
+            <a:fillRect/>
+          </a:stretch>
+        </p:blipFill>
+        <p:spPr>
+          <a:xfrm>
+            <a:off x="609600" y="1524000"/>
+            <a:ext cx="7715250" cy="5102326"/>
+          </a:xfrm>
+          <a:prstGeom prst="rect">
+            <a:avLst/>
+          </a:prstGeom>
+        </p:spPr>
+      </p:pic>
+      <p:graphicFrame>
+        <p:nvGraphicFramePr>
+          <p:cNvPr id="235522" name="Rectangle 2" hidden="1"/>
+          <p:cNvGraphicFramePr>
+            <a:graphicFrameLocks/>
+          </p:cNvGraphicFramePr>
+          <p:nvPr>
+            <p:custDataLst>
+              <p:tags r:id="rId2"/>
+            </p:custDataLst>
+          </p:nvPr>
+        </p:nvGraphicFramePr>
+        <p:xfrm>
+          <a:off x="0" y="-305118"/>
+          <a:ext cx="158519" cy="158518"/>
+        </p:xfrm>
+        <a:graphic>
+          <a:graphicData uri="http://schemas.openxmlformats.org/presentationml/2006/ole">
+            <mc:AlternateContent xmlns:mc="http://schemas.openxmlformats.org/markup-compatibility/2006">
+              <mc:Choice xmlns:v="urn:schemas-microsoft-com:vml" Requires="v">
+                <p:oleObj spid="_x0000_s16457" r:id="rId6" imgW="0" imgH="0" progId="TCLayout.ActiveDocument.1">
+                  <p:embed/>
+                </p:oleObj>
+              </mc:Choice>
+              <mc:Fallback>
+                <p:oleObj r:id="rId6" imgW="0" imgH="0" progId="TCLayout.ActiveDocument.1">
+                  <p:embed/>
+                  <p:pic>
+                    <p:nvPicPr>
+                      <p:cNvPr id="235522" name="Rectangle 2" hidden="1"/>
+                      <p:cNvPicPr preferRelativeResize="0">
+                        <a:picLocks noChangeArrowheads="1"/>
+                      </p:cNvPicPr>
+                      <p:nvPr/>
+                    </p:nvPicPr>
+                    <p:blipFill>
+                      <a:blip>
+                        <a:extLst>
+                          <a:ext uri="{28A0092B-C50C-407E-A947-70E740481C1C}">
+                            <a14:useLocalDpi xmlns:a14="http://schemas.microsoft.com/office/drawing/2010/main" val="0"/>
+                          </a:ext>
+                        </a:extLst>
+                      </a:blip>
+                      <a:srcRect/>
+                      <a:stretch>
+                        <a:fillRect/>
+                      </a:stretch>
+                    </p:blipFill>
+                    <p:spPr bwMode="auto">
+                      <a:xfrm>
+                        <a:off x="0" y="-305118"/>
+                        <a:ext cx="158519" cy="158518"/>
+                      </a:xfrm>
+                      <a:prstGeom prst="rect">
+                        <a:avLst/>
+                      </a:prstGeom>
+                      <a:noFill/>
+                      <a:ln>
+                        <a:noFill/>
+                      </a:ln>
+                      <a:extLst>
+                        <a:ext uri="{909E8E84-426E-40DD-AFC4-6F175D3DCCD1}">
+                          <a14:hiddenFill xmlns:a14="http://schemas.microsoft.com/office/drawing/2010/main">
+                            <a:solidFill>
+                              <a:srgbClr val="FFFFFF"/>
+                            </a:solidFill>
+                          </a14:hiddenFill>
+                        </a:ext>
+                        <a:ext uri="{91240B29-F687-4F45-9708-019B960494DF}">
+                          <a14:hiddenLine xmlns:a14="http://schemas.microsoft.com/office/drawing/2010/main" w="9525">
+                            <a:solidFill>
+                              <a:srgbClr val="000000"/>
+                            </a:solidFill>
+                            <a:miter lim="800000"/>
+                            <a:headEnd/>
+                            <a:tailEnd/>
+                          </a14:hiddenLine>
+                        </a:ext>
+                      </a:extLst>
+                    </p:spPr>
+                  </p:pic>
+                </p:oleObj>
+              </mc:Fallback>
+            </mc:AlternateContent>
+          </a:graphicData>
+        </a:graphic>
+      </p:graphicFrame>
+      <p:sp>
+        <p:nvSpPr>
+          <p:cNvPr id="47" name="Title 40"/>
+          <p:cNvSpPr>
+            <a:spLocks noGrp="1"/>
+          </p:cNvSpPr>
+          <p:nvPr>
+            <p:ph type="title"/>
+          </p:nvPr>
+        </p:nvSpPr>
+        <p:spPr>
+          <a:xfrm>
+            <a:off x="533400" y="411162"/>
+            <a:ext cx="8001000" cy="808038"/>
+          </a:xfrm>
+        </p:spPr>
+        <p:txBody>
+          <a:bodyPr>
+            <a:normAutofit/>
+          </a:bodyPr>
+          <a:lstStyle/>
+          <a:p>
+            <a:pPr algn="l"/>
+            <a:r>
+              <a:rPr lang="en-US" sz="1800" b="1" dirty="0"/>
+              <a:t>Growth of International Students University Destinations</a:t>
+            </a:r>
+          </a:p>
+        </p:txBody>
+      </p:sp>
+      <p:sp>
+        <p:nvSpPr>
+          <p:cNvPr id="6" name="TextBox 5">
+            <a:extLst>
+              <a:ext uri="{FF2B5EF4-FFF2-40B4-BE49-F238E27FC236}">
+                <a16:creationId xmlns:a16="http://schemas.microsoft.com/office/drawing/2014/main" id="{83191124-4FA7-4632-BCE7-455E6ECDDBBC}"/>
+              </a:ext>
+            </a:extLst>
+          </p:cNvPr>
+          <p:cNvSpPr txBox="1"/>
+          <p:nvPr/>
+        </p:nvSpPr>
+        <p:spPr>
+          <a:xfrm>
+            <a:off x="533400" y="1066800"/>
+            <a:ext cx="7867650" cy="338554"/>
+          </a:xfrm>
+          <a:prstGeom prst="rect">
+            <a:avLst/>
+          </a:prstGeom>
+          <a:noFill/>
+        </p:spPr>
+        <p:txBody>
+          <a:bodyPr wrap="square" rtlCol="0">
+            <a:spAutoFit/>
+          </a:bodyPr>
+          <a:lstStyle/>
+          <a:p>
+            <a:r>
+              <a:rPr lang="en-US" sz="1600" dirty="0">
+                <a:solidFill>
+                  <a:srgbClr val="000000"/>
+                </a:solidFill>
+              </a:rPr>
+              <a:t>The county destinations of international university students</a:t>
+            </a:r>
+            <a:endParaRPr lang="en-US" sz="1200" dirty="0"/>
+          </a:p>
+        </p:txBody>
+      </p:sp>
+      <p:sp>
+        <p:nvSpPr>
+          <p:cNvPr id="7" name="TextBox 6">
+            <a:extLst>
+              <a:ext uri="{FF2B5EF4-FFF2-40B4-BE49-F238E27FC236}">
+                <a16:creationId xmlns:a16="http://schemas.microsoft.com/office/drawing/2014/main" id="{FF90D483-10FC-4E1A-BD65-7BD192EE77BC}"/>
+              </a:ext>
+            </a:extLst>
+          </p:cNvPr>
+          <p:cNvSpPr txBox="1"/>
+          <p:nvPr/>
+        </p:nvSpPr>
+        <p:spPr>
+          <a:xfrm>
+            <a:off x="2114550" y="6248400"/>
+            <a:ext cx="933450" cy="215444"/>
+          </a:xfrm>
+          <a:prstGeom prst="rect">
+            <a:avLst/>
+          </a:prstGeom>
+          <a:noFill/>
+        </p:spPr>
+        <p:txBody>
+          <a:bodyPr wrap="square" rtlCol="0">
+            <a:spAutoFit/>
+          </a:bodyPr>
+          <a:lstStyle/>
+          <a:p>
+            <a:r>
+              <a:rPr lang="en-US" sz="800" dirty="0">
+                <a:solidFill>
+                  <a:srgbClr val="000000"/>
+                </a:solidFill>
+              </a:rPr>
+              <a:t>Source: IIE</a:t>
+            </a:r>
+          </a:p>
+        </p:txBody>
+      </p:sp>
+    </p:spTree>
+    <p:extLst>
+      <p:ext uri="{BB962C8B-B14F-4D97-AF65-F5344CB8AC3E}">
+        <p14:creationId xmlns:p14="http://schemas.microsoft.com/office/powerpoint/2010/main" val="534505868"/>
+      </p:ext>
+    </p:extLst>
+  </p:cSld>
+  <p:clrMapOvr>
+    <a:masterClrMapping/>
+  </p:clrMapOvr>
+</p:sld>
+</file>
+
+<file path=ppt/slides/slide7.xml><?xml version="1.0" encoding="utf-8"?>
 <p:sld xmlns:a="http://schemas.openxmlformats.org/drawingml/2006/main" xmlns:r="http://schemas.openxmlformats.org/officeDocument/2006/relationships" xmlns:p="http://schemas.openxmlformats.org/presentationml/2006/main">
   <p:cSld>
     <p:spTree>
@@ -6263,7 +7042,7 @@
           <a:graphicData uri="http://schemas.openxmlformats.org/presentationml/2006/ole">
             <mc:AlternateContent xmlns:mc="http://schemas.openxmlformats.org/markup-compatibility/2006">
               <mc:Choice xmlns:v="urn:schemas-microsoft-com:vml" Requires="v">
-                <p:oleObj spid="_x0000_s12345" r:id="rId5" imgW="0" imgH="0" progId="TCLayout.ActiveDocument.1">
+                <p:oleObj spid="_x0000_s15432" r:id="rId5" imgW="0" imgH="0" progId="TCLayout.ActiveDocument.1">
                   <p:embed/>
                 </p:oleObj>
               </mc:Choice>
@@ -6355,17 +7134,17 @@
             <a:pPr algn="l"/>
             <a:r>
               <a:rPr lang="en-US" sz="1800" b="1" dirty="0"/>
-              <a:t>Rankings of Top Global Higher Education Universities</a:t>
-            </a:r>
-          </a:p>
-        </p:txBody>
-      </p:sp>
-      <p:sp>
-        <p:nvSpPr>
-          <p:cNvPr id="8" name="TextBox 7">
+              <a:t>Trends in minority household composition by county</a:t>
+            </a:r>
+          </a:p>
+        </p:txBody>
+      </p:sp>
+      <p:sp>
+        <p:nvSpPr>
+          <p:cNvPr id="4" name="TextBox 3">
             <a:extLst>
               <a:ext uri="{FF2B5EF4-FFF2-40B4-BE49-F238E27FC236}">
-                <a16:creationId xmlns:a16="http://schemas.microsoft.com/office/drawing/2014/main" id="{47E41CCE-D198-45AA-B43F-2D8DF6492A56}"/>
+                <a16:creationId xmlns:a16="http://schemas.microsoft.com/office/drawing/2014/main" id="{5C6E2C4A-BB98-4D92-89E1-6FBF5EDC9F78}"/>
               </a:ext>
             </a:extLst>
           </p:cNvPr>
@@ -6374,78 +7153,8 @@
         </p:nvSpPr>
         <p:spPr>
           <a:xfrm>
-            <a:off x="533400" y="1066800"/>
-            <a:ext cx="7867650" cy="338554"/>
-          </a:xfrm>
-          <a:prstGeom prst="rect">
-            <a:avLst/>
-          </a:prstGeom>
-          <a:noFill/>
-        </p:spPr>
-        <p:txBody>
-          <a:bodyPr wrap="square" rtlCol="0">
-            <a:spAutoFit/>
-          </a:bodyPr>
-          <a:lstStyle/>
-          <a:p>
-            <a:r>
-              <a:rPr lang="en-US" sz="1600" dirty="0">
-                <a:solidFill>
-                  <a:srgbClr val="000000"/>
-                </a:solidFill>
-              </a:rPr>
-              <a:t>U.S. continues to lead top-20 global university rankings</a:t>
-            </a:r>
-            <a:endParaRPr lang="en-US" sz="1200" dirty="0"/>
-          </a:p>
-        </p:txBody>
-      </p:sp>
-      <p:pic>
-        <p:nvPicPr>
-          <p:cNvPr id="5" name="Picture 4">
-            <a:extLst>
-              <a:ext uri="{FF2B5EF4-FFF2-40B4-BE49-F238E27FC236}">
-                <a16:creationId xmlns:a16="http://schemas.microsoft.com/office/drawing/2014/main" id="{55DD2E57-CAB7-4872-91AF-F43AB4869E2F}"/>
-              </a:ext>
-            </a:extLst>
-          </p:cNvPr>
-          <p:cNvPicPr>
-            <a:picLocks noChangeAspect="1"/>
-          </p:cNvPicPr>
-          <p:nvPr/>
-        </p:nvPicPr>
-        <p:blipFill>
-          <a:blip r:embed="rId6"/>
-          <a:stretch>
-            <a:fillRect/>
-          </a:stretch>
-        </p:blipFill>
-        <p:spPr>
-          <a:xfrm>
-            <a:off x="838200" y="1432568"/>
-            <a:ext cx="6648450" cy="5236908"/>
-          </a:xfrm>
-          <a:prstGeom prst="rect">
-            <a:avLst/>
-          </a:prstGeom>
-        </p:spPr>
-      </p:pic>
-      <p:sp>
-        <p:nvSpPr>
-          <p:cNvPr id="9" name="TextBox 8">
-            <a:extLst>
-              <a:ext uri="{FF2B5EF4-FFF2-40B4-BE49-F238E27FC236}">
-                <a16:creationId xmlns:a16="http://schemas.microsoft.com/office/drawing/2014/main" id="{FEE8F938-12E7-4107-883D-A6944381F53B}"/>
-              </a:ext>
-            </a:extLst>
-          </p:cNvPr>
-          <p:cNvSpPr txBox="1"/>
-          <p:nvPr/>
-        </p:nvSpPr>
-        <p:spPr>
-          <a:xfrm>
-            <a:off x="2057400" y="6337756"/>
-            <a:ext cx="5200650" cy="215444"/>
+            <a:off x="590550" y="6315015"/>
+            <a:ext cx="7867650" cy="215444"/>
           </a:xfrm>
           <a:prstGeom prst="rect">
             <a:avLst/>
@@ -6464,7 +7173,7 @@
                   <a:srgbClr val="000000"/>
                 </a:solidFill>
               </a:rPr>
-              <a:t>Source: IIE</a:t>
+              <a:t>Source: 2000-2016 Census</a:t>
             </a:r>
           </a:p>
         </p:txBody>
@@ -6472,7 +7181,7 @@
     </p:spTree>
     <p:extLst>
       <p:ext uri="{BB962C8B-B14F-4D97-AF65-F5344CB8AC3E}">
-        <p14:creationId xmlns:p14="http://schemas.microsoft.com/office/powerpoint/2010/main" val="2026854121"/>
+        <p14:creationId xmlns:p14="http://schemas.microsoft.com/office/powerpoint/2010/main" val="3757983748"/>
       </p:ext>
     </p:extLst>
   </p:cSld>
@@ -6482,263 +7191,7 @@
 </p:sld>
 </file>
 
-<file path=ppt/slides/slide6.xml><?xml version="1.0" encoding="utf-8"?>
-<p:sld xmlns:a="http://schemas.openxmlformats.org/drawingml/2006/main" xmlns:r="http://schemas.openxmlformats.org/officeDocument/2006/relationships" xmlns:p="http://schemas.openxmlformats.org/presentationml/2006/main">
-  <p:cSld>
-    <p:spTree>
-      <p:nvGrpSpPr>
-        <p:cNvPr id="1" name=""/>
-        <p:cNvGrpSpPr/>
-        <p:nvPr/>
-      </p:nvGrpSpPr>
-      <p:grpSpPr>
-        <a:xfrm>
-          <a:off x="0" y="0"/>
-          <a:ext cx="0" cy="0"/>
-          <a:chOff x="0" y="0"/>
-          <a:chExt cx="0" cy="0"/>
-        </a:xfrm>
-      </p:grpSpPr>
-      <p:pic>
-        <p:nvPicPr>
-          <p:cNvPr id="4" name="Picture 3">
-            <a:extLst>
-              <a:ext uri="{FF2B5EF4-FFF2-40B4-BE49-F238E27FC236}">
-                <a16:creationId xmlns:a16="http://schemas.microsoft.com/office/drawing/2014/main" id="{9910E4CE-E7B5-4D4B-B758-ABCC642E4D34}"/>
-              </a:ext>
-            </a:extLst>
-          </p:cNvPr>
-          <p:cNvPicPr>
-            <a:picLocks noChangeAspect="1"/>
-          </p:cNvPicPr>
-          <p:nvPr/>
-        </p:nvPicPr>
-        <p:blipFill>
-          <a:blip r:embed="rId5"/>
-          <a:stretch>
-            <a:fillRect/>
-          </a:stretch>
-        </p:blipFill>
-        <p:spPr>
-          <a:xfrm>
-            <a:off x="609600" y="1524000"/>
-            <a:ext cx="7715250" cy="5102326"/>
-          </a:xfrm>
-          <a:prstGeom prst="rect">
-            <a:avLst/>
-          </a:prstGeom>
-        </p:spPr>
-      </p:pic>
-      <p:graphicFrame>
-        <p:nvGraphicFramePr>
-          <p:cNvPr id="235522" name="Rectangle 2" hidden="1"/>
-          <p:cNvGraphicFramePr>
-            <a:graphicFrameLocks/>
-          </p:cNvGraphicFramePr>
-          <p:nvPr>
-            <p:custDataLst>
-              <p:tags r:id="rId2"/>
-            </p:custDataLst>
-          </p:nvPr>
-        </p:nvGraphicFramePr>
-        <p:xfrm>
-          <a:off x="0" y="-305118"/>
-          <a:ext cx="158519" cy="158518"/>
-        </p:xfrm>
-        <a:graphic>
-          <a:graphicData uri="http://schemas.openxmlformats.org/presentationml/2006/ole">
-            <mc:AlternateContent xmlns:mc="http://schemas.openxmlformats.org/markup-compatibility/2006">
-              <mc:Choice xmlns:v="urn:schemas-microsoft-com:vml" Requires="v">
-                <p:oleObj spid="_x0000_s16439" r:id="rId6" imgW="0" imgH="0" progId="TCLayout.ActiveDocument.1">
-                  <p:embed/>
-                </p:oleObj>
-              </mc:Choice>
-              <mc:Fallback>
-                <p:oleObj r:id="rId6" imgW="0" imgH="0" progId="TCLayout.ActiveDocument.1">
-                  <p:embed/>
-                  <p:pic>
-                    <p:nvPicPr>
-                      <p:cNvPr id="235522" name="Rectangle 2" hidden="1"/>
-                      <p:cNvPicPr preferRelativeResize="0">
-                        <a:picLocks noChangeArrowheads="1"/>
-                      </p:cNvPicPr>
-                      <p:nvPr/>
-                    </p:nvPicPr>
-                    <p:blipFill>
-                      <a:blip>
-                        <a:extLst>
-                          <a:ext uri="{28A0092B-C50C-407E-A947-70E740481C1C}">
-                            <a14:useLocalDpi xmlns:a14="http://schemas.microsoft.com/office/drawing/2010/main" val="0"/>
-                          </a:ext>
-                        </a:extLst>
-                      </a:blip>
-                      <a:srcRect/>
-                      <a:stretch>
-                        <a:fillRect/>
-                      </a:stretch>
-                    </p:blipFill>
-                    <p:spPr bwMode="auto">
-                      <a:xfrm>
-                        <a:off x="0" y="-305118"/>
-                        <a:ext cx="158519" cy="158518"/>
-                      </a:xfrm>
-                      <a:prstGeom prst="rect">
-                        <a:avLst/>
-                      </a:prstGeom>
-                      <a:noFill/>
-                      <a:ln>
-                        <a:noFill/>
-                      </a:ln>
-                      <a:extLst>
-                        <a:ext uri="{909E8E84-426E-40DD-AFC4-6F175D3DCCD1}">
-                          <a14:hiddenFill xmlns:a14="http://schemas.microsoft.com/office/drawing/2010/main">
-                            <a:solidFill>
-                              <a:srgbClr val="FFFFFF"/>
-                            </a:solidFill>
-                          </a14:hiddenFill>
-                        </a:ext>
-                        <a:ext uri="{91240B29-F687-4F45-9708-019B960494DF}">
-                          <a14:hiddenLine xmlns:a14="http://schemas.microsoft.com/office/drawing/2010/main" w="9525">
-                            <a:solidFill>
-                              <a:srgbClr val="000000"/>
-                            </a:solidFill>
-                            <a:miter lim="800000"/>
-                            <a:headEnd/>
-                            <a:tailEnd/>
-                          </a14:hiddenLine>
-                        </a:ext>
-                      </a:extLst>
-                    </p:spPr>
-                  </p:pic>
-                </p:oleObj>
-              </mc:Fallback>
-            </mc:AlternateContent>
-          </a:graphicData>
-        </a:graphic>
-      </p:graphicFrame>
-      <p:sp>
-        <p:nvSpPr>
-          <p:cNvPr id="47" name="Title 40"/>
-          <p:cNvSpPr>
-            <a:spLocks noGrp="1"/>
-          </p:cNvSpPr>
-          <p:nvPr>
-            <p:ph type="title"/>
-          </p:nvPr>
-        </p:nvSpPr>
-        <p:spPr>
-          <a:xfrm>
-            <a:off x="533400" y="411162"/>
-            <a:ext cx="8001000" cy="808038"/>
-          </a:xfrm>
-        </p:spPr>
-        <p:txBody>
-          <a:bodyPr>
-            <a:normAutofit/>
-          </a:bodyPr>
-          <a:lstStyle/>
-          <a:p>
-            <a:pPr algn="l"/>
-            <a:r>
-              <a:rPr lang="en-US" sz="1800" b="1" dirty="0"/>
-              <a:t>Growth of International Students University Destinations</a:t>
-            </a:r>
-          </a:p>
-        </p:txBody>
-      </p:sp>
-      <p:sp>
-        <p:nvSpPr>
-          <p:cNvPr id="6" name="TextBox 5">
-            <a:extLst>
-              <a:ext uri="{FF2B5EF4-FFF2-40B4-BE49-F238E27FC236}">
-                <a16:creationId xmlns:a16="http://schemas.microsoft.com/office/drawing/2014/main" id="{83191124-4FA7-4632-BCE7-455E6ECDDBBC}"/>
-              </a:ext>
-            </a:extLst>
-          </p:cNvPr>
-          <p:cNvSpPr txBox="1"/>
-          <p:nvPr/>
-        </p:nvSpPr>
-        <p:spPr>
-          <a:xfrm>
-            <a:off x="533400" y="1066800"/>
-            <a:ext cx="7867650" cy="338554"/>
-          </a:xfrm>
-          <a:prstGeom prst="rect">
-            <a:avLst/>
-          </a:prstGeom>
-          <a:noFill/>
-        </p:spPr>
-        <p:txBody>
-          <a:bodyPr wrap="square" rtlCol="0">
-            <a:spAutoFit/>
-          </a:bodyPr>
-          <a:lstStyle/>
-          <a:p>
-            <a:r>
-              <a:rPr lang="en-US" sz="1600" dirty="0">
-                <a:solidFill>
-                  <a:srgbClr val="000000"/>
-                </a:solidFill>
-              </a:rPr>
-              <a:t>The leading city and county destinations of international university students</a:t>
-            </a:r>
-            <a:endParaRPr lang="en-US" sz="1200" dirty="0"/>
-          </a:p>
-        </p:txBody>
-      </p:sp>
-      <p:sp>
-        <p:nvSpPr>
-          <p:cNvPr id="7" name="TextBox 6">
-            <a:extLst>
-              <a:ext uri="{FF2B5EF4-FFF2-40B4-BE49-F238E27FC236}">
-                <a16:creationId xmlns:a16="http://schemas.microsoft.com/office/drawing/2014/main" id="{FF90D483-10FC-4E1A-BD65-7BD192EE77BC}"/>
-              </a:ext>
-            </a:extLst>
-          </p:cNvPr>
-          <p:cNvSpPr txBox="1"/>
-          <p:nvPr/>
-        </p:nvSpPr>
-        <p:spPr>
-          <a:xfrm>
-            <a:off x="2114550" y="6248400"/>
-            <a:ext cx="933450" cy="215444"/>
-          </a:xfrm>
-          <a:prstGeom prst="rect">
-            <a:avLst/>
-          </a:prstGeom>
-          <a:noFill/>
-        </p:spPr>
-        <p:txBody>
-          <a:bodyPr wrap="square" rtlCol="0">
-            <a:spAutoFit/>
-          </a:bodyPr>
-          <a:lstStyle/>
-          <a:p>
-            <a:r>
-              <a:rPr lang="en-US" sz="800" dirty="0">
-                <a:solidFill>
-                  <a:srgbClr val="000000"/>
-                </a:solidFill>
-              </a:rPr>
-              <a:t>Source: IIE</a:t>
-            </a:r>
-          </a:p>
-        </p:txBody>
-      </p:sp>
-    </p:spTree>
-    <p:extLst>
-      <p:ext uri="{BB962C8B-B14F-4D97-AF65-F5344CB8AC3E}">
-        <p14:creationId xmlns:p14="http://schemas.microsoft.com/office/powerpoint/2010/main" val="534505868"/>
-      </p:ext>
-    </p:extLst>
-  </p:cSld>
-  <p:clrMapOvr>
-    <a:masterClrMapping/>
-  </p:clrMapOvr>
-</p:sld>
-</file>
-
-<file path=ppt/slides/slide7.xml><?xml version="1.0" encoding="utf-8"?>
+<file path=ppt/slides/slide8.xml><?xml version="1.0" encoding="utf-8"?>
 <p:sld xmlns:a="http://schemas.openxmlformats.org/drawingml/2006/main" xmlns:r="http://schemas.openxmlformats.org/officeDocument/2006/relationships" xmlns:p="http://schemas.openxmlformats.org/presentationml/2006/main">
   <p:cSld>
     <p:spTree>
@@ -6775,7 +7228,7 @@
           <a:graphicData uri="http://schemas.openxmlformats.org/presentationml/2006/ole">
             <mc:AlternateContent xmlns:mc="http://schemas.openxmlformats.org/markup-compatibility/2006">
               <mc:Choice xmlns:v="urn:schemas-microsoft-com:vml" Requires="v">
-                <p:oleObj spid="_x0000_s15416" r:id="rId5" imgW="0" imgH="0" progId="TCLayout.ActiveDocument.1">
+                <p:oleObj spid="_x0000_s17480" r:id="rId5" imgW="0" imgH="0" progId="TCLayout.ActiveDocument.1">
                   <p:embed/>
                 </p:oleObj>
               </mc:Choice>
@@ -6867,7 +7320,7 @@
             <a:pPr algn="l"/>
             <a:r>
               <a:rPr lang="en-US" sz="1800" b="1" dirty="0"/>
-              <a:t>Trends in minority household composition by county/city</a:t>
+              <a:t>Trends in minority household income composition by county</a:t>
             </a:r>
           </a:p>
         </p:txBody>
@@ -6877,7 +7330,7 @@
           <p:cNvPr id="4" name="TextBox 3">
             <a:extLst>
               <a:ext uri="{FF2B5EF4-FFF2-40B4-BE49-F238E27FC236}">
-                <a16:creationId xmlns:a16="http://schemas.microsoft.com/office/drawing/2014/main" id="{5C6E2C4A-BB98-4D92-89E1-6FBF5EDC9F78}"/>
+                <a16:creationId xmlns:a16="http://schemas.microsoft.com/office/drawing/2014/main" id="{B904D8BB-38A8-4C02-8677-84021042CDBD}"/>
               </a:ext>
             </a:extLst>
           </p:cNvPr>
@@ -6914,7 +7367,7 @@
     </p:spTree>
     <p:extLst>
       <p:ext uri="{BB962C8B-B14F-4D97-AF65-F5344CB8AC3E}">
-        <p14:creationId xmlns:p14="http://schemas.microsoft.com/office/powerpoint/2010/main" val="3757983748"/>
+        <p14:creationId xmlns:p14="http://schemas.microsoft.com/office/powerpoint/2010/main" val="1559874434"/>
       </p:ext>
     </p:extLst>
   </p:cSld>
@@ -6924,7 +7377,7 @@
 </p:sld>
 </file>
 
-<file path=ppt/slides/slide8.xml><?xml version="1.0" encoding="utf-8"?>
+<file path=ppt/slides/slide9.xml><?xml version="1.0" encoding="utf-8"?>
 <p:sld xmlns:a="http://schemas.openxmlformats.org/drawingml/2006/main" xmlns:r="http://schemas.openxmlformats.org/officeDocument/2006/relationships" xmlns:p="http://schemas.openxmlformats.org/presentationml/2006/main">
   <p:cSld>
     <p:spTree>
@@ -6961,7 +7414,7 @@
           <a:graphicData uri="http://schemas.openxmlformats.org/presentationml/2006/ole">
             <mc:AlternateContent xmlns:mc="http://schemas.openxmlformats.org/markup-compatibility/2006">
               <mc:Choice xmlns:v="urn:schemas-microsoft-com:vml" Requires="v">
-                <p:oleObj spid="_x0000_s17463" r:id="rId5" imgW="0" imgH="0" progId="TCLayout.ActiveDocument.1">
+                <p:oleObj spid="_x0000_s21558" r:id="rId5" imgW="0" imgH="0" progId="TCLayout.ActiveDocument.1">
                   <p:embed/>
                 </p:oleObj>
               </mc:Choice>
@@ -7053,203 +7506,17 @@
             <a:pPr algn="l"/>
             <a:r>
               <a:rPr lang="en-US" sz="1800" b="1" dirty="0"/>
-              <a:t>Trends in minority household income composition by county/city</a:t>
-            </a:r>
-          </a:p>
-        </p:txBody>
-      </p:sp>
-      <p:sp>
-        <p:nvSpPr>
-          <p:cNvPr id="4" name="TextBox 3">
+              <a:t>U.S. K12 School Programs &amp; Policy</a:t>
+            </a:r>
+          </a:p>
+        </p:txBody>
+      </p:sp>
+      <p:pic>
+        <p:nvPicPr>
+          <p:cNvPr id="2" name="Picture 1">
             <a:extLst>
               <a:ext uri="{FF2B5EF4-FFF2-40B4-BE49-F238E27FC236}">
-                <a16:creationId xmlns:a16="http://schemas.microsoft.com/office/drawing/2014/main" id="{B904D8BB-38A8-4C02-8677-84021042CDBD}"/>
-              </a:ext>
-            </a:extLst>
-          </p:cNvPr>
-          <p:cNvSpPr txBox="1"/>
-          <p:nvPr/>
-        </p:nvSpPr>
-        <p:spPr>
-          <a:xfrm>
-            <a:off x="590550" y="6315015"/>
-            <a:ext cx="7867650" cy="215444"/>
-          </a:xfrm>
-          <a:prstGeom prst="rect">
-            <a:avLst/>
-          </a:prstGeom>
-          <a:noFill/>
-        </p:spPr>
-        <p:txBody>
-          <a:bodyPr wrap="square" rtlCol="0">
-            <a:spAutoFit/>
-          </a:bodyPr>
-          <a:lstStyle/>
-          <a:p>
-            <a:r>
-              <a:rPr lang="en-US" sz="800" dirty="0">
-                <a:solidFill>
-                  <a:srgbClr val="000000"/>
-                </a:solidFill>
-              </a:rPr>
-              <a:t>Source: 2000-2016 Census</a:t>
-            </a:r>
-          </a:p>
-        </p:txBody>
-      </p:sp>
-    </p:spTree>
-    <p:extLst>
-      <p:ext uri="{BB962C8B-B14F-4D97-AF65-F5344CB8AC3E}">
-        <p14:creationId xmlns:p14="http://schemas.microsoft.com/office/powerpoint/2010/main" val="1559874434"/>
-      </p:ext>
-    </p:extLst>
-  </p:cSld>
-  <p:clrMapOvr>
-    <a:masterClrMapping/>
-  </p:clrMapOvr>
-</p:sld>
-</file>
-
-<file path=ppt/slides/slide9.xml><?xml version="1.0" encoding="utf-8"?>
-<p:sld xmlns:a="http://schemas.openxmlformats.org/drawingml/2006/main" xmlns:r="http://schemas.openxmlformats.org/officeDocument/2006/relationships" xmlns:p="http://schemas.openxmlformats.org/presentationml/2006/main">
-  <p:cSld>
-    <p:spTree>
-      <p:nvGrpSpPr>
-        <p:cNvPr id="1" name=""/>
-        <p:cNvGrpSpPr/>
-        <p:nvPr/>
-      </p:nvGrpSpPr>
-      <p:grpSpPr>
-        <a:xfrm>
-          <a:off x="0" y="0"/>
-          <a:ext cx="0" cy="0"/>
-          <a:chOff x="0" y="0"/>
-          <a:chExt cx="0" cy="0"/>
-        </a:xfrm>
-      </p:grpSpPr>
-      <p:graphicFrame>
-        <p:nvGraphicFramePr>
-          <p:cNvPr id="235522" name="Rectangle 2" hidden="1"/>
-          <p:cNvGraphicFramePr>
-            <a:graphicFrameLocks/>
-          </p:cNvGraphicFramePr>
-          <p:nvPr>
-            <p:custDataLst>
-              <p:tags r:id="rId2"/>
-            </p:custDataLst>
-          </p:nvPr>
-        </p:nvGraphicFramePr>
-        <p:xfrm>
-          <a:off x="0" y="-305118"/>
-          <a:ext cx="158519" cy="158518"/>
-        </p:xfrm>
-        <a:graphic>
-          <a:graphicData uri="http://schemas.openxmlformats.org/presentationml/2006/ole">
-            <mc:AlternateContent xmlns:mc="http://schemas.openxmlformats.org/markup-compatibility/2006">
-              <mc:Choice xmlns:v="urn:schemas-microsoft-com:vml" Requires="v">
-                <p:oleObj spid="_x0000_s13369" r:id="rId5" imgW="0" imgH="0" progId="TCLayout.ActiveDocument.1">
-                  <p:embed/>
-                </p:oleObj>
-              </mc:Choice>
-              <mc:Fallback>
-                <p:oleObj r:id="rId5" imgW="0" imgH="0" progId="TCLayout.ActiveDocument.1">
-                  <p:embed/>
-                  <p:pic>
-                    <p:nvPicPr>
-                      <p:cNvPr id="235522" name="Rectangle 2" hidden="1"/>
-                      <p:cNvPicPr preferRelativeResize="0">
-                        <a:picLocks noChangeArrowheads="1"/>
-                      </p:cNvPicPr>
-                      <p:nvPr/>
-                    </p:nvPicPr>
-                    <p:blipFill>
-                      <a:blip>
-                        <a:extLst>
-                          <a:ext uri="{28A0092B-C50C-407E-A947-70E740481C1C}">
-                            <a14:useLocalDpi xmlns:a14="http://schemas.microsoft.com/office/drawing/2010/main" val="0"/>
-                          </a:ext>
-                        </a:extLst>
-                      </a:blip>
-                      <a:srcRect/>
-                      <a:stretch>
-                        <a:fillRect/>
-                      </a:stretch>
-                    </p:blipFill>
-                    <p:spPr bwMode="auto">
-                      <a:xfrm>
-                        <a:off x="0" y="-305118"/>
-                        <a:ext cx="158519" cy="158518"/>
-                      </a:xfrm>
-                      <a:prstGeom prst="rect">
-                        <a:avLst/>
-                      </a:prstGeom>
-                      <a:noFill/>
-                      <a:ln>
-                        <a:noFill/>
-                      </a:ln>
-                      <a:extLst>
-                        <a:ext uri="{909E8E84-426E-40DD-AFC4-6F175D3DCCD1}">
-                          <a14:hiddenFill xmlns:a14="http://schemas.microsoft.com/office/drawing/2010/main">
-                            <a:solidFill>
-                              <a:srgbClr val="FFFFFF"/>
-                            </a:solidFill>
-                          </a14:hiddenFill>
-                        </a:ext>
-                        <a:ext uri="{91240B29-F687-4F45-9708-019B960494DF}">
-                          <a14:hiddenLine xmlns:a14="http://schemas.microsoft.com/office/drawing/2010/main" w="9525">
-                            <a:solidFill>
-                              <a:srgbClr val="000000"/>
-                            </a:solidFill>
-                            <a:miter lim="800000"/>
-                            <a:headEnd/>
-                            <a:tailEnd/>
-                          </a14:hiddenLine>
-                        </a:ext>
-                      </a:extLst>
-                    </p:spPr>
-                  </p:pic>
-                </p:oleObj>
-              </mc:Fallback>
-            </mc:AlternateContent>
-          </a:graphicData>
-        </a:graphic>
-      </p:graphicFrame>
-      <p:sp>
-        <p:nvSpPr>
-          <p:cNvPr id="47" name="Title 40"/>
-          <p:cNvSpPr>
-            <a:spLocks noGrp="1"/>
-          </p:cNvSpPr>
-          <p:nvPr>
-            <p:ph type="title"/>
-          </p:nvPr>
-        </p:nvSpPr>
-        <p:spPr>
-          <a:xfrm>
-            <a:off x="533400" y="411162"/>
-            <a:ext cx="8001000" cy="808038"/>
-          </a:xfrm>
-        </p:spPr>
-        <p:txBody>
-          <a:bodyPr>
-            <a:normAutofit/>
-          </a:bodyPr>
-          <a:lstStyle/>
-          <a:p>
-            <a:pPr algn="l"/>
-            <a:r>
-              <a:rPr lang="en-US" sz="1800" b="1" dirty="0"/>
-              <a:t>Rankings of Top Global K12 School Scores</a:t>
-            </a:r>
-          </a:p>
-        </p:txBody>
-      </p:sp>
-      <p:pic>
-        <p:nvPicPr>
-          <p:cNvPr id="4" name="Picture 3">
-            <a:extLst>
-              <a:ext uri="{FF2B5EF4-FFF2-40B4-BE49-F238E27FC236}">
-                <a16:creationId xmlns:a16="http://schemas.microsoft.com/office/drawing/2014/main" id="{4D6D0796-F649-4D6F-AC24-F8693C414D7F}"/>
+                <a16:creationId xmlns:a16="http://schemas.microsoft.com/office/drawing/2014/main" id="{0F2287C4-09CE-4E78-80FC-3BEE18536109}"/>
               </a:ext>
             </a:extLst>
           </p:cNvPr>
@@ -7266,99 +7533,180 @@
         </p:blipFill>
         <p:spPr>
           <a:xfrm>
-            <a:off x="568569" y="1524000"/>
-            <a:ext cx="8229600" cy="4325661"/>
+            <a:off x="1219200" y="3429000"/>
+            <a:ext cx="2057401" cy="1369107"/>
           </a:xfrm>
           <a:prstGeom prst="rect">
             <a:avLst/>
           </a:prstGeom>
         </p:spPr>
       </p:pic>
-      <p:sp>
-        <p:nvSpPr>
-          <p:cNvPr id="8" name="TextBox 7">
+      <p:pic>
+        <p:nvPicPr>
+          <p:cNvPr id="3" name="Picture 2">
             <a:extLst>
               <a:ext uri="{FF2B5EF4-FFF2-40B4-BE49-F238E27FC236}">
-                <a16:creationId xmlns:a16="http://schemas.microsoft.com/office/drawing/2014/main" id="{5DB20A6D-AF83-42F3-8840-367B3C19112F}"/>
+                <a16:creationId xmlns:a16="http://schemas.microsoft.com/office/drawing/2014/main" id="{8A361436-69C3-4C1B-AF85-A95181D48A25}"/>
               </a:ext>
             </a:extLst>
           </p:cNvPr>
-          <p:cNvSpPr txBox="1"/>
+          <p:cNvPicPr>
+            <a:picLocks noChangeAspect="1"/>
+          </p:cNvPicPr>
           <p:nvPr/>
-        </p:nvSpPr>
-        <p:spPr>
-          <a:xfrm>
-            <a:off x="590550" y="6315015"/>
-            <a:ext cx="7867650" cy="338554"/>
+        </p:nvPicPr>
+        <p:blipFill>
+          <a:blip r:embed="rId7"/>
+          <a:stretch>
+            <a:fillRect/>
+          </a:stretch>
+        </p:blipFill>
+        <p:spPr>
+          <a:xfrm>
+            <a:off x="4826211" y="3429000"/>
+            <a:ext cx="2590798" cy="1295399"/>
+          </a:xfrm>
+          <a:prstGeom prst="rect">
+            <a:avLst/>
+          </a:prstGeom>
+        </p:spPr>
+      </p:pic>
+      <p:pic>
+        <p:nvPicPr>
+          <p:cNvPr id="21545" name="Picture 41" descr="Image result">
+            <a:extLst>
+              <a:ext uri="{FF2B5EF4-FFF2-40B4-BE49-F238E27FC236}">
+                <a16:creationId xmlns:a16="http://schemas.microsoft.com/office/drawing/2014/main" id="{FE681782-675C-48EC-97BF-E9A657A49CC9}"/>
+              </a:ext>
+            </a:extLst>
+          </p:cNvPr>
+          <p:cNvPicPr>
+            <a:picLocks noChangeAspect="1" noChangeArrowheads="1"/>
+          </p:cNvPicPr>
+          <p:nvPr/>
+        </p:nvPicPr>
+        <p:blipFill>
+          <a:blip r:embed="rId8">
+            <a:extLst>
+              <a:ext uri="{28A0092B-C50C-407E-A947-70E740481C1C}">
+                <a14:useLocalDpi xmlns:a14="http://schemas.microsoft.com/office/drawing/2010/main" val="0"/>
+              </a:ext>
+            </a:extLst>
+          </a:blip>
+          <a:srcRect/>
+          <a:stretch>
+            <a:fillRect/>
+          </a:stretch>
+        </p:blipFill>
+        <p:spPr bwMode="auto">
+          <a:xfrm>
+            <a:off x="1219201" y="1809751"/>
+            <a:ext cx="2057402" cy="1316737"/>
           </a:xfrm>
           <a:prstGeom prst="rect">
             <a:avLst/>
           </a:prstGeom>
           <a:noFill/>
-        </p:spPr>
-        <p:txBody>
-          <a:bodyPr wrap="square" rtlCol="0">
-            <a:spAutoFit/>
-          </a:bodyPr>
-          <a:lstStyle/>
-          <a:p>
-            <a:r>
-              <a:rPr lang="en-US" sz="800" dirty="0">
+          <a:extLst>
+            <a:ext uri="{909E8E84-426E-40DD-AFC4-6F175D3DCCD1}">
+              <a14:hiddenFill xmlns:a14="http://schemas.microsoft.com/office/drawing/2010/main">
                 <a:solidFill>
-                  <a:srgbClr val="000000"/>
+                  <a:srgbClr val="FFFFFF"/>
                 </a:solidFill>
-              </a:rPr>
-              <a:t>Source: Organization for Economic Co-operation and Development (OECD) global rankings on student performance in mathematics, reading, and science, on the Program for International Student Assessment, or PISA.</a:t>
-            </a:r>
-          </a:p>
-        </p:txBody>
-      </p:sp>
-      <p:sp>
-        <p:nvSpPr>
-          <p:cNvPr id="9" name="TextBox 8">
+              </a14:hiddenFill>
+            </a:ext>
+          </a:extLst>
+        </p:spPr>
+      </p:pic>
+      <p:pic>
+        <p:nvPicPr>
+          <p:cNvPr id="21547" name="Picture 43" descr="Image result for no child left behind act">
             <a:extLst>
               <a:ext uri="{FF2B5EF4-FFF2-40B4-BE49-F238E27FC236}">
-                <a16:creationId xmlns:a16="http://schemas.microsoft.com/office/drawing/2014/main" id="{ACAE1B30-3014-489E-B324-0B02BBCDD32D}"/>
+                <a16:creationId xmlns:a16="http://schemas.microsoft.com/office/drawing/2014/main" id="{217190CD-F61C-42A2-A083-BA8F23BE61D6}"/>
               </a:ext>
             </a:extLst>
           </p:cNvPr>
-          <p:cNvSpPr txBox="1"/>
+          <p:cNvPicPr>
+            <a:picLocks noChangeAspect="1" noChangeArrowheads="1"/>
+          </p:cNvPicPr>
           <p:nvPr/>
-        </p:nvSpPr>
-        <p:spPr>
-          <a:xfrm>
-            <a:off x="533400" y="1066800"/>
-            <a:ext cx="7867650" cy="338554"/>
+        </p:nvPicPr>
+        <p:blipFill>
+          <a:blip r:embed="rId9">
+            <a:extLst>
+              <a:ext uri="{28A0092B-C50C-407E-A947-70E740481C1C}">
+                <a14:useLocalDpi xmlns:a14="http://schemas.microsoft.com/office/drawing/2010/main" val="0"/>
+              </a:ext>
+            </a:extLst>
+          </a:blip>
+          <a:srcRect/>
+          <a:stretch>
+            <a:fillRect/>
+          </a:stretch>
+        </p:blipFill>
+        <p:spPr bwMode="auto">
+          <a:xfrm>
+            <a:off x="4826211" y="1676400"/>
+            <a:ext cx="1726989" cy="1516512"/>
           </a:xfrm>
           <a:prstGeom prst="rect">
             <a:avLst/>
           </a:prstGeom>
           <a:noFill/>
-        </p:spPr>
-        <p:txBody>
-          <a:bodyPr wrap="square" rtlCol="0">
-            <a:spAutoFit/>
-          </a:bodyPr>
-          <a:lstStyle/>
-          <a:p>
-            <a:r>
-              <a:rPr lang="en-US" sz="1600" dirty="0">
+          <a:extLst>
+            <a:ext uri="{909E8E84-426E-40DD-AFC4-6F175D3DCCD1}">
+              <a14:hiddenFill xmlns:a14="http://schemas.microsoft.com/office/drawing/2010/main">
                 <a:solidFill>
-                  <a:srgbClr val="000000"/>
+                  <a:srgbClr val="FFFFFF"/>
                 </a:solidFill>
-              </a:rPr>
-              <a:t>2015, the US ranking fell to 35th from 28th in math and to 24th in science and Reading</a:t>
-            </a:r>
-            <a:endParaRPr lang="en-US" sz="1200" dirty="0"/>
-          </a:p>
-        </p:txBody>
-      </p:sp>
-      <p:sp>
-        <p:nvSpPr>
-          <p:cNvPr id="5" name="Rectangle 4">
+              </a14:hiddenFill>
+            </a:ext>
+          </a:extLst>
+        </p:spPr>
+      </p:pic>
+      <p:cxnSp>
+        <p:nvCxnSpPr>
+          <p:cNvPr id="6" name="Straight Connector 5">
             <a:extLst>
               <a:ext uri="{FF2B5EF4-FFF2-40B4-BE49-F238E27FC236}">
-                <a16:creationId xmlns:a16="http://schemas.microsoft.com/office/drawing/2014/main" id="{3B5A0AAC-58CC-4842-9577-9B7B3B850457}"/>
+                <a16:creationId xmlns:a16="http://schemas.microsoft.com/office/drawing/2014/main" id="{9F8E6B52-54E4-4709-AD68-BE388CA4D3C6}"/>
+              </a:ext>
+            </a:extLst>
+          </p:cNvPr>
+          <p:cNvCxnSpPr/>
+          <p:nvPr/>
+        </p:nvCxnSpPr>
+        <p:spPr>
+          <a:xfrm>
+            <a:off x="533400" y="4876800"/>
+            <a:ext cx="7848600" cy="0"/>
+          </a:xfrm>
+          <a:prstGeom prst="line">
+            <a:avLst/>
+          </a:prstGeom>
+        </p:spPr>
+        <p:style>
+          <a:lnRef idx="1">
+            <a:schemeClr val="accent1"/>
+          </a:lnRef>
+          <a:fillRef idx="0">
+            <a:schemeClr val="accent1"/>
+          </a:fillRef>
+          <a:effectRef idx="0">
+            <a:schemeClr val="accent1"/>
+          </a:effectRef>
+          <a:fontRef idx="minor">
+            <a:schemeClr val="tx1"/>
+          </a:fontRef>
+        </p:style>
+      </p:cxnSp>
+      <p:sp>
+        <p:nvSpPr>
+          <p:cNvPr id="7" name="Isosceles Triangle 6">
+            <a:extLst>
+              <a:ext uri="{FF2B5EF4-FFF2-40B4-BE49-F238E27FC236}">
+                <a16:creationId xmlns:a16="http://schemas.microsoft.com/office/drawing/2014/main" id="{BD00EDCF-3EBC-4F80-A8F4-6FA2CAF416B8}"/>
               </a:ext>
             </a:extLst>
           </p:cNvPr>
@@ -7366,19 +7714,13 @@
           <p:nvPr/>
         </p:nvSpPr>
         <p:spPr>
-          <a:xfrm>
-            <a:off x="568569" y="4800600"/>
-            <a:ext cx="8346831" cy="152400"/>
-          </a:xfrm>
-          <a:prstGeom prst="rect">
+          <a:xfrm rot="5400000">
+            <a:off x="3820144" y="2314575"/>
+            <a:ext cx="609600" cy="228600"/>
+          </a:xfrm>
+          <a:prstGeom prst="triangle">
             <a:avLst/>
           </a:prstGeom>
-          <a:noFill/>
-          <a:ln>
-            <a:solidFill>
-              <a:schemeClr val="accent2"/>
-            </a:solidFill>
-          </a:ln>
         </p:spPr>
         <p:style>
           <a:lnRef idx="2">
@@ -7405,16 +7747,476 @@
           </a:p>
         </p:txBody>
       </p:sp>
+      <p:sp>
+        <p:nvSpPr>
+          <p:cNvPr id="12" name="Isosceles Triangle 11">
+            <a:extLst>
+              <a:ext uri="{FF2B5EF4-FFF2-40B4-BE49-F238E27FC236}">
+                <a16:creationId xmlns:a16="http://schemas.microsoft.com/office/drawing/2014/main" id="{C4CB89FE-E42F-4D3B-AECA-4C465B7D375E}"/>
+              </a:ext>
+            </a:extLst>
+          </p:cNvPr>
+          <p:cNvSpPr/>
+          <p:nvPr/>
+        </p:nvSpPr>
+        <p:spPr>
+          <a:xfrm rot="5400000">
+            <a:off x="3820144" y="3911339"/>
+            <a:ext cx="609600" cy="228600"/>
+          </a:xfrm>
+          <a:prstGeom prst="triangle">
+            <a:avLst/>
+          </a:prstGeom>
+        </p:spPr>
+        <p:style>
+          <a:lnRef idx="2">
+            <a:schemeClr val="accent1">
+              <a:shade val="50000"/>
+            </a:schemeClr>
+          </a:lnRef>
+          <a:fillRef idx="1">
+            <a:schemeClr val="accent1"/>
+          </a:fillRef>
+          <a:effectRef idx="0">
+            <a:schemeClr val="accent1"/>
+          </a:effectRef>
+          <a:fontRef idx="minor">
+            <a:schemeClr val="lt1"/>
+          </a:fontRef>
+        </p:style>
+        <p:txBody>
+          <a:bodyPr rtlCol="0" anchor="ctr"/>
+          <a:lstStyle/>
+          <a:p>
+            <a:pPr algn="ctr"/>
+            <a:endParaRPr lang="en-US"/>
+          </a:p>
+        </p:txBody>
+      </p:sp>
+      <p:sp>
+        <p:nvSpPr>
+          <p:cNvPr id="14" name="Title 40">
+            <a:extLst>
+              <a:ext uri="{FF2B5EF4-FFF2-40B4-BE49-F238E27FC236}">
+                <a16:creationId xmlns:a16="http://schemas.microsoft.com/office/drawing/2014/main" id="{A6552F41-C3E8-4C91-9547-908DFAE0CFC9}"/>
+              </a:ext>
+            </a:extLst>
+          </p:cNvPr>
+          <p:cNvSpPr txBox="1">
+            <a:spLocks/>
+          </p:cNvSpPr>
+          <p:nvPr/>
+        </p:nvSpPr>
+        <p:spPr>
+          <a:xfrm>
+            <a:off x="457200" y="5209385"/>
+            <a:ext cx="8153400" cy="1572415"/>
+          </a:xfrm>
+          <a:prstGeom prst="rect">
+            <a:avLst/>
+          </a:prstGeom>
+        </p:spPr>
+        <p:txBody>
+          <a:bodyPr vert="horz" lIns="91440" tIns="45720" rIns="91440" bIns="45720" rtlCol="0" anchor="ctr">
+            <a:normAutofit/>
+          </a:bodyPr>
+          <a:lstStyle>
+            <a:lvl1pPr algn="ctr" defTabSz="914400" rtl="0" eaLnBrk="1" latinLnBrk="0" hangingPunct="1">
+              <a:spcBef>
+                <a:spcPct val="0"/>
+              </a:spcBef>
+              <a:buNone/>
+              <a:defRPr sz="4400" kern="1200">
+                <a:solidFill>
+                  <a:schemeClr val="tx1"/>
+                </a:solidFill>
+                <a:latin typeface="+mj-lt"/>
+                <a:ea typeface="+mj-ea"/>
+                <a:cs typeface="+mj-cs"/>
+              </a:defRPr>
+            </a:lvl1pPr>
+          </a:lstStyle>
+          <a:p>
+            <a:pPr algn="l"/>
+            <a:r>
+              <a:rPr lang="en-US" sz="1200" b="1" dirty="0">
+                <a:latin typeface="Times New Roman" panose="02020603050405020304" pitchFamily="18" charset="0"/>
+                <a:cs typeface="Times New Roman" panose="02020603050405020304" pitchFamily="18" charset="0"/>
+              </a:rPr>
+              <a:t>An alarming study links fraud in the Enron scandal to similar practices at charter schools </a:t>
+            </a:r>
+            <a:r>
+              <a:rPr lang="en-US" sz="1200" i="1" dirty="0">
+                <a:latin typeface="Times New Roman" panose="02020603050405020304" pitchFamily="18" charset="0"/>
+                <a:cs typeface="Times New Roman" panose="02020603050405020304" pitchFamily="18" charset="0"/>
+              </a:rPr>
+              <a:t>- Business Insider, March 8, 2017</a:t>
+            </a:r>
+          </a:p>
+          <a:p>
+            <a:pPr algn="l"/>
+            <a:endParaRPr lang="en-US" sz="1200" i="1" dirty="0">
+              <a:latin typeface="Times New Roman" panose="02020603050405020304" pitchFamily="18" charset="0"/>
+              <a:cs typeface="Times New Roman" panose="02020603050405020304" pitchFamily="18" charset="0"/>
+            </a:endParaRPr>
+          </a:p>
+          <a:p>
+            <a:pPr algn="l"/>
+            <a:r>
+              <a:rPr lang="en-US" sz="1200" b="1" dirty="0">
+                <a:latin typeface="Times New Roman" panose="02020603050405020304" pitchFamily="18" charset="0"/>
+                <a:cs typeface="Times New Roman" panose="02020603050405020304" pitchFamily="18" charset="0"/>
+              </a:rPr>
+              <a:t>L.A. Unified takes a harder look at its charter schools. Critics blame politics </a:t>
+            </a:r>
+            <a:r>
+              <a:rPr lang="en-US" sz="1200" i="1" dirty="0">
+                <a:latin typeface="Times New Roman" panose="02020603050405020304" pitchFamily="18" charset="0"/>
+                <a:cs typeface="Times New Roman" panose="02020603050405020304" pitchFamily="18" charset="0"/>
+              </a:rPr>
+              <a:t>- Los Angeles Times, Oct 24, 2016</a:t>
+            </a:r>
+          </a:p>
+          <a:p>
+            <a:pPr algn="l"/>
+            <a:endParaRPr lang="en-US" sz="1200" i="1" dirty="0">
+              <a:latin typeface="Times New Roman" panose="02020603050405020304" pitchFamily="18" charset="0"/>
+              <a:cs typeface="Times New Roman" panose="02020603050405020304" pitchFamily="18" charset="0"/>
+            </a:endParaRPr>
+          </a:p>
+          <a:p>
+            <a:pPr algn="l"/>
+            <a:r>
+              <a:rPr lang="en-US" sz="1200" b="1" dirty="0">
+                <a:latin typeface="Times New Roman" panose="02020603050405020304" pitchFamily="18" charset="0"/>
+                <a:cs typeface="Times New Roman" panose="02020603050405020304" pitchFamily="18" charset="0"/>
+              </a:rPr>
+              <a:t>Three Closing ASD Charter Schools Signal Larger Changes – </a:t>
+            </a:r>
+            <a:r>
+              <a:rPr lang="en-US" sz="1200" i="1" dirty="0">
+                <a:latin typeface="Times New Roman" panose="02020603050405020304" pitchFamily="18" charset="0"/>
+                <a:cs typeface="Times New Roman" panose="02020603050405020304" pitchFamily="18" charset="0"/>
+              </a:rPr>
+              <a:t>Daily News Dec. 26, 2016</a:t>
+            </a:r>
+            <a:endParaRPr lang="en-US" sz="1200" b="1" dirty="0">
+              <a:latin typeface="Times New Roman" panose="02020603050405020304" pitchFamily="18" charset="0"/>
+              <a:cs typeface="Times New Roman" panose="02020603050405020304" pitchFamily="18" charset="0"/>
+            </a:endParaRPr>
+          </a:p>
+          <a:p>
+            <a:pPr algn="l"/>
+            <a:endParaRPr lang="en-US" sz="1200" b="1" dirty="0">
+              <a:latin typeface="Times New Roman" panose="02020603050405020304" pitchFamily="18" charset="0"/>
+              <a:cs typeface="Times New Roman" panose="02020603050405020304" pitchFamily="18" charset="0"/>
+            </a:endParaRPr>
+          </a:p>
+          <a:p>
+            <a:pPr algn="l"/>
+            <a:r>
+              <a:rPr lang="en-US" sz="1200" b="1" dirty="0">
+                <a:latin typeface="Times New Roman" panose="02020603050405020304" pitchFamily="18" charset="0"/>
+                <a:cs typeface="Times New Roman" panose="02020603050405020304" pitchFamily="18" charset="0"/>
+              </a:rPr>
+              <a:t>NYC Comptroller Finds Financial Irregularities at Success Academy Charter Schools – </a:t>
+            </a:r>
+            <a:r>
+              <a:rPr lang="en-US" sz="1200" i="1" dirty="0">
+                <a:latin typeface="Times New Roman" panose="02020603050405020304" pitchFamily="18" charset="0"/>
+                <a:cs typeface="Times New Roman" panose="02020603050405020304" pitchFamily="18" charset="0"/>
+              </a:rPr>
+              <a:t>WSJ Dec. 19, 2016</a:t>
+            </a:r>
+          </a:p>
+          <a:p>
+            <a:pPr algn="l"/>
+            <a:endParaRPr lang="en-US" sz="1200" i="1" dirty="0">
+              <a:latin typeface="Times New Roman" panose="02020603050405020304" pitchFamily="18" charset="0"/>
+              <a:cs typeface="Times New Roman" panose="02020603050405020304" pitchFamily="18" charset="0"/>
+            </a:endParaRPr>
+          </a:p>
+          <a:p>
+            <a:pPr algn="l"/>
+            <a:endParaRPr lang="en-US" sz="1200" i="1" dirty="0">
+              <a:latin typeface="Times New Roman" panose="02020603050405020304" pitchFamily="18" charset="0"/>
+              <a:cs typeface="Times New Roman" panose="02020603050405020304" pitchFamily="18" charset="0"/>
+            </a:endParaRPr>
+          </a:p>
+          <a:p>
+            <a:pPr algn="l"/>
+            <a:endParaRPr lang="en-US" sz="1200" i="1" dirty="0">
+              <a:latin typeface="Times New Roman" panose="02020603050405020304" pitchFamily="18" charset="0"/>
+              <a:cs typeface="Times New Roman" panose="02020603050405020304" pitchFamily="18" charset="0"/>
+            </a:endParaRPr>
+          </a:p>
+        </p:txBody>
+      </p:sp>
+      <p:sp>
+        <p:nvSpPr>
+          <p:cNvPr id="16" name="TextBox 15">
+            <a:extLst>
+              <a:ext uri="{FF2B5EF4-FFF2-40B4-BE49-F238E27FC236}">
+                <a16:creationId xmlns:a16="http://schemas.microsoft.com/office/drawing/2014/main" id="{58896CB5-9F60-42CE-A3EB-03D599A43DD5}"/>
+              </a:ext>
+            </a:extLst>
+          </p:cNvPr>
+          <p:cNvSpPr txBox="1"/>
+          <p:nvPr/>
+        </p:nvSpPr>
+        <p:spPr>
+          <a:xfrm>
+            <a:off x="533400" y="1066800"/>
+            <a:ext cx="7867650" cy="584775"/>
+          </a:xfrm>
+          <a:prstGeom prst="rect">
+            <a:avLst/>
+          </a:prstGeom>
+          <a:noFill/>
+        </p:spPr>
+        <p:txBody>
+          <a:bodyPr wrap="square" rtlCol="0">
+            <a:spAutoFit/>
+          </a:bodyPr>
+          <a:lstStyle/>
+          <a:p>
+            <a:r>
+              <a:rPr lang="en-US" sz="1600" dirty="0">
+                <a:solidFill>
+                  <a:srgbClr val="000000"/>
+                </a:solidFill>
+              </a:rPr>
+              <a:t>Despite Large Government Programs and K12 Privatization, most have failed in achieving promised outcomes</a:t>
+            </a:r>
+            <a:endParaRPr lang="en-US" sz="1200" dirty="0"/>
+          </a:p>
+        </p:txBody>
+      </p:sp>
     </p:spTree>
     <p:extLst>
       <p:ext uri="{BB962C8B-B14F-4D97-AF65-F5344CB8AC3E}">
-        <p14:creationId xmlns:p14="http://schemas.microsoft.com/office/powerpoint/2010/main" val="2112840949"/>
+        <p14:creationId xmlns:p14="http://schemas.microsoft.com/office/powerpoint/2010/main" val="4167282398"/>
       </p:ext>
     </p:extLst>
   </p:cSld>
   <p:clrMapOvr>
     <a:masterClrMapping/>
   </p:clrMapOvr>
+  <p:timing>
+    <p:tnLst>
+      <p:par>
+        <p:cTn id="1" dur="indefinite" restart="never" nodeType="tmRoot">
+          <p:childTnLst>
+            <p:seq concurrent="1" nextAc="seek">
+              <p:cTn id="2" dur="indefinite" nodeType="mainSeq">
+                <p:childTnLst>
+                  <p:par>
+                    <p:cTn id="3" fill="hold">
+                      <p:stCondLst>
+                        <p:cond delay="indefinite"/>
+                      </p:stCondLst>
+                      <p:childTnLst>
+                        <p:par>
+                          <p:cTn id="4" fill="hold">
+                            <p:stCondLst>
+                              <p:cond delay="0"/>
+                            </p:stCondLst>
+                            <p:childTnLst>
+                              <p:par>
+                                <p:cTn id="5" presetID="1" presetClass="entr" presetSubtype="0" fill="hold" grpId="0" nodeType="clickEffect">
+                                  <p:stCondLst>
+                                    <p:cond delay="0"/>
+                                  </p:stCondLst>
+                                  <p:childTnLst>
+                                    <p:set>
+                                      <p:cBhvr>
+                                        <p:cTn id="6" dur="1" fill="hold">
+                                          <p:stCondLst>
+                                            <p:cond delay="0"/>
+                                          </p:stCondLst>
+                                        </p:cTn>
+                                        <p:tgtEl>
+                                          <p:spTgt spid="14"/>
+                                        </p:tgtEl>
+                                        <p:attrNameLst>
+                                          <p:attrName>style.visibility</p:attrName>
+                                        </p:attrNameLst>
+                                      </p:cBhvr>
+                                      <p:to>
+                                        <p:strVal val="visible"/>
+                                      </p:to>
+                                    </p:set>
+                                  </p:childTnLst>
+                                </p:cTn>
+                              </p:par>
+                              <p:par>
+                                <p:cTn id="7" presetID="1" presetClass="entr" presetSubtype="0" fill="hold" grpId="0" nodeType="withEffect">
+                                  <p:stCondLst>
+                                    <p:cond delay="0"/>
+                                  </p:stCondLst>
+                                  <p:childTnLst>
+                                    <p:set>
+                                      <p:cBhvr>
+                                        <p:cTn id="8" dur="1" fill="hold">
+                                          <p:stCondLst>
+                                            <p:cond delay="0"/>
+                                          </p:stCondLst>
+                                        </p:cTn>
+                                        <p:tgtEl>
+                                          <p:spTgt spid="12"/>
+                                        </p:tgtEl>
+                                        <p:attrNameLst>
+                                          <p:attrName>style.visibility</p:attrName>
+                                        </p:attrNameLst>
+                                      </p:cBhvr>
+                                      <p:to>
+                                        <p:strVal val="visible"/>
+                                      </p:to>
+                                    </p:set>
+                                  </p:childTnLst>
+                                </p:cTn>
+                              </p:par>
+                              <p:par>
+                                <p:cTn id="9" presetID="1" presetClass="entr" presetSubtype="0" fill="hold" grpId="0" nodeType="withEffect">
+                                  <p:stCondLst>
+                                    <p:cond delay="0"/>
+                                  </p:stCondLst>
+                                  <p:childTnLst>
+                                    <p:set>
+                                      <p:cBhvr>
+                                        <p:cTn id="10" dur="1" fill="hold">
+                                          <p:stCondLst>
+                                            <p:cond delay="0"/>
+                                          </p:stCondLst>
+                                        </p:cTn>
+                                        <p:tgtEl>
+                                          <p:spTgt spid="7"/>
+                                        </p:tgtEl>
+                                        <p:attrNameLst>
+                                          <p:attrName>style.visibility</p:attrName>
+                                        </p:attrNameLst>
+                                      </p:cBhvr>
+                                      <p:to>
+                                        <p:strVal val="visible"/>
+                                      </p:to>
+                                    </p:set>
+                                  </p:childTnLst>
+                                </p:cTn>
+                              </p:par>
+                              <p:par>
+                                <p:cTn id="11" presetID="1" presetClass="entr" presetSubtype="0" fill="hold" nodeType="withEffect">
+                                  <p:stCondLst>
+                                    <p:cond delay="0"/>
+                                  </p:stCondLst>
+                                  <p:childTnLst>
+                                    <p:set>
+                                      <p:cBhvr>
+                                        <p:cTn id="12" dur="1" fill="hold">
+                                          <p:stCondLst>
+                                            <p:cond delay="0"/>
+                                          </p:stCondLst>
+                                        </p:cTn>
+                                        <p:tgtEl>
+                                          <p:spTgt spid="3"/>
+                                        </p:tgtEl>
+                                        <p:attrNameLst>
+                                          <p:attrName>style.visibility</p:attrName>
+                                        </p:attrNameLst>
+                                      </p:cBhvr>
+                                      <p:to>
+                                        <p:strVal val="visible"/>
+                                      </p:to>
+                                    </p:set>
+                                  </p:childTnLst>
+                                </p:cTn>
+                              </p:par>
+                              <p:par>
+                                <p:cTn id="13" presetID="1" presetClass="entr" presetSubtype="0" fill="hold" nodeType="withEffect">
+                                  <p:stCondLst>
+                                    <p:cond delay="0"/>
+                                  </p:stCondLst>
+                                  <p:childTnLst>
+                                    <p:set>
+                                      <p:cBhvr>
+                                        <p:cTn id="14" dur="1" fill="hold">
+                                          <p:stCondLst>
+                                            <p:cond delay="0"/>
+                                          </p:stCondLst>
+                                        </p:cTn>
+                                        <p:tgtEl>
+                                          <p:spTgt spid="21547"/>
+                                        </p:tgtEl>
+                                        <p:attrNameLst>
+                                          <p:attrName>style.visibility</p:attrName>
+                                        </p:attrNameLst>
+                                      </p:cBhvr>
+                                      <p:to>
+                                        <p:strVal val="visible"/>
+                                      </p:to>
+                                    </p:set>
+                                  </p:childTnLst>
+                                </p:cTn>
+                              </p:par>
+                              <p:par>
+                                <p:cTn id="15" presetID="1" presetClass="entr" presetSubtype="0" fill="hold" nodeType="withEffect">
+                                  <p:stCondLst>
+                                    <p:cond delay="0"/>
+                                  </p:stCondLst>
+                                  <p:childTnLst>
+                                    <p:set>
+                                      <p:cBhvr>
+                                        <p:cTn id="16" dur="1" fill="hold">
+                                          <p:stCondLst>
+                                            <p:cond delay="0"/>
+                                          </p:stCondLst>
+                                        </p:cTn>
+                                        <p:tgtEl>
+                                          <p:spTgt spid="6"/>
+                                        </p:tgtEl>
+                                        <p:attrNameLst>
+                                          <p:attrName>style.visibility</p:attrName>
+                                        </p:attrNameLst>
+                                      </p:cBhvr>
+                                      <p:to>
+                                        <p:strVal val="visible"/>
+                                      </p:to>
+                                    </p:set>
+                                  </p:childTnLst>
+                                </p:cTn>
+                              </p:par>
+                            </p:childTnLst>
+                          </p:cTn>
+                        </p:par>
+                      </p:childTnLst>
+                    </p:cTn>
+                  </p:par>
+                </p:childTnLst>
+              </p:cTn>
+              <p:prevCondLst>
+                <p:cond evt="onPrev" delay="0">
+                  <p:tgtEl>
+                    <p:sldTgt/>
+                  </p:tgtEl>
+                </p:cond>
+              </p:prevCondLst>
+              <p:nextCondLst>
+                <p:cond evt="onNext" delay="0">
+                  <p:tgtEl>
+                    <p:sldTgt/>
+                  </p:tgtEl>
+                </p:cond>
+              </p:nextCondLst>
+            </p:seq>
+          </p:childTnLst>
+        </p:cTn>
+      </p:par>
+    </p:tnLst>
+    <p:bldLst>
+      <p:bldP spid="7" grpId="0" animBg="1"/>
+      <p:bldP spid="12" grpId="0" animBg="1"/>
+      <p:bldP spid="14" grpId="0"/>
+    </p:bldLst>
+  </p:timing>
 </p:sld>
 </file>
 
